--- a/UpGrade.pptx
+++ b/UpGrade.pptx
@@ -2,19 +2,20 @@
 <file path=ppt/presentation.xml><?xml version="1.0" encoding="utf-8"?>
 <p:presentation xmlns:a="http://schemas.openxmlformats.org/drawingml/2006/main" xmlns:r="http://schemas.openxmlformats.org/officeDocument/2006/relationships" xmlns:p="http://schemas.openxmlformats.org/presentationml/2006/main" saveSubsetFonts="1">
   <p:sldMasterIdLst>
-    <p:sldMasterId id="2147483762" r:id="rId1"/>
+    <p:sldMasterId id="2147483930" r:id="rId1"/>
   </p:sldMasterIdLst>
   <p:sldIdLst>
     <p:sldId id="256" r:id="rId2"/>
     <p:sldId id="262" r:id="rId3"/>
     <p:sldId id="258" r:id="rId4"/>
     <p:sldId id="263" r:id="rId5"/>
-    <p:sldId id="264" r:id="rId6"/>
-    <p:sldId id="265" r:id="rId7"/>
-    <p:sldId id="259" r:id="rId8"/>
+    <p:sldId id="265" r:id="rId6"/>
+    <p:sldId id="259" r:id="rId7"/>
+    <p:sldId id="267" r:id="rId8"/>
     <p:sldId id="260" r:id="rId9"/>
-    <p:sldId id="261" r:id="rId10"/>
-    <p:sldId id="266" r:id="rId11"/>
+    <p:sldId id="268" r:id="rId10"/>
+    <p:sldId id="261" r:id="rId11"/>
+    <p:sldId id="266" r:id="rId12"/>
   </p:sldIdLst>
   <p:sldSz cx="12192000" cy="6858000"/>
   <p:notesSz cx="6858000" cy="9144000"/>
@@ -113,6 +114,11 @@
       </a:defRPr>
     </a:lvl9pPr>
   </p:defaultTextStyle>
+  <p:extLst>
+    <p:ext uri="{EFAFB233-063F-42B5-8137-9DF3F51BA10A}">
+      <p15:sldGuideLst xmlns:p15="http://schemas.microsoft.com/office/powerpoint/2012/main"/>
+    </p:ext>
+  </p:extLst>
 </p:presentation>
 </file>
 
@@ -135,16 +141,16 @@
       </p:grpSpPr>
       <p:grpSp>
         <p:nvGrpSpPr>
-          <p:cNvPr id="7" name="Group 6"/>
+          <p:cNvPr id="14" name="Group 13"/>
           <p:cNvGrpSpPr/>
           <p:nvPr/>
         </p:nvGrpSpPr>
         <p:grpSpPr>
           <a:xfrm>
-            <a:off x="0" y="0"/>
-            <a:ext cx="12192000" cy="6858000"/>
-            <a:chOff x="0" y="0"/>
-            <a:chExt cx="12192000" cy="6858000"/>
+            <a:off x="-1588" y="0"/>
+            <a:ext cx="12193588" cy="6861555"/>
+            <a:chOff x="-1588" y="0"/>
+            <a:chExt cx="12193588" cy="6861555"/>
           </a:xfrm>
         </p:grpSpPr>
         <p:sp>
@@ -166,14 +172,15 @@
                 <a:duotone>
                   <a:schemeClr val="dk2">
                     <a:shade val="69000"/>
-                    <a:hueMod val="91000"/>
+                    <a:hueMod val="108000"/>
                     <a:satMod val="164000"/>
                     <a:lumMod val="74000"/>
                   </a:schemeClr>
                   <a:schemeClr val="dk2">
-                    <a:hueMod val="124000"/>
+                    <a:tint val="96000"/>
+                    <a:hueMod val="88000"/>
                     <a:satMod val="140000"/>
-                    <a:lumMod val="142000"/>
+                    <a:lumMod val="132000"/>
                   </a:schemeClr>
                 </a:duotone>
               </a:blip>
@@ -195,6 +202,177 @@
               <a:schemeClr val="accent1"/>
             </a:fillRef>
             <a:effectRef idx="0">
+              <a:schemeClr val="accent1"/>
+            </a:effectRef>
+            <a:fontRef idx="minor">
+              <a:schemeClr val="lt1"/>
+            </a:fontRef>
+          </p:style>
+        </p:sp>
+        <p:sp>
+          <p:nvSpPr>
+            <p:cNvPr id="11" name="Oval 10"/>
+            <p:cNvSpPr/>
+            <p:nvPr/>
+          </p:nvSpPr>
+          <p:spPr>
+            <a:xfrm>
+              <a:off x="8761412" y="1828800"/>
+              <a:ext cx="2819400" cy="2819400"/>
+            </a:xfrm>
+            <a:prstGeom prst="ellipse">
+              <a:avLst/>
+            </a:prstGeom>
+            <a:gradFill flip="none" rotWithShape="1">
+              <a:gsLst>
+                <a:gs pos="0">
+                  <a:schemeClr val="accent5">
+                    <a:alpha val="7000"/>
+                  </a:schemeClr>
+                </a:gs>
+                <a:gs pos="69000">
+                  <a:schemeClr val="accent5">
+                    <a:alpha val="0"/>
+                  </a:schemeClr>
+                </a:gs>
+                <a:gs pos="36000">
+                  <a:schemeClr val="accent5">
+                    <a:alpha val="6000"/>
+                  </a:schemeClr>
+                </a:gs>
+              </a:gsLst>
+              <a:path path="circle">
+                <a:fillToRect l="50000" t="50000" r="50000" b="50000"/>
+              </a:path>
+              <a:tileRect/>
+            </a:gradFill>
+            <a:ln>
+              <a:noFill/>
+            </a:ln>
+            <a:effectLst/>
+          </p:spPr>
+          <p:style>
+            <a:lnRef idx="1">
+              <a:schemeClr val="accent1"/>
+            </a:lnRef>
+            <a:fillRef idx="3">
+              <a:schemeClr val="accent1"/>
+            </a:fillRef>
+            <a:effectRef idx="2">
+              <a:schemeClr val="accent1"/>
+            </a:effectRef>
+            <a:fontRef idx="minor">
+              <a:schemeClr val="lt1"/>
+            </a:fontRef>
+          </p:style>
+        </p:sp>
+        <p:sp>
+          <p:nvSpPr>
+            <p:cNvPr id="12" name="Oval 11"/>
+            <p:cNvSpPr/>
+            <p:nvPr/>
+          </p:nvSpPr>
+          <p:spPr>
+            <a:xfrm>
+              <a:off x="8761412" y="5870955"/>
+              <a:ext cx="990600" cy="990600"/>
+            </a:xfrm>
+            <a:prstGeom prst="ellipse">
+              <a:avLst/>
+            </a:prstGeom>
+            <a:gradFill flip="none" rotWithShape="1">
+              <a:gsLst>
+                <a:gs pos="0">
+                  <a:schemeClr val="accent5">
+                    <a:alpha val="14000"/>
+                  </a:schemeClr>
+                </a:gs>
+                <a:gs pos="66000">
+                  <a:schemeClr val="accent5">
+                    <a:alpha val="0"/>
+                  </a:schemeClr>
+                </a:gs>
+                <a:gs pos="36000">
+                  <a:schemeClr val="accent5">
+                    <a:alpha val="7000"/>
+                  </a:schemeClr>
+                </a:gs>
+              </a:gsLst>
+              <a:path path="circle">
+                <a:fillToRect l="50000" t="50000" r="50000" b="50000"/>
+              </a:path>
+              <a:tileRect/>
+            </a:gradFill>
+            <a:ln>
+              <a:noFill/>
+            </a:ln>
+            <a:effectLst/>
+          </p:spPr>
+          <p:style>
+            <a:lnRef idx="1">
+              <a:schemeClr val="accent1"/>
+            </a:lnRef>
+            <a:fillRef idx="3">
+              <a:schemeClr val="accent1"/>
+            </a:fillRef>
+            <a:effectRef idx="2">
+              <a:schemeClr val="accent1"/>
+            </a:effectRef>
+            <a:fontRef idx="minor">
+              <a:schemeClr val="lt1"/>
+            </a:fontRef>
+          </p:style>
+        </p:sp>
+        <p:sp>
+          <p:nvSpPr>
+            <p:cNvPr id="13" name="Oval 12"/>
+            <p:cNvSpPr/>
+            <p:nvPr/>
+          </p:nvSpPr>
+          <p:spPr>
+            <a:xfrm>
+              <a:off x="-1588" y="2667000"/>
+              <a:ext cx="4191000" cy="4191000"/>
+            </a:xfrm>
+            <a:prstGeom prst="ellipse">
+              <a:avLst/>
+            </a:prstGeom>
+            <a:gradFill flip="none" rotWithShape="1">
+              <a:gsLst>
+                <a:gs pos="0">
+                  <a:schemeClr val="accent5">
+                    <a:alpha val="11000"/>
+                  </a:schemeClr>
+                </a:gs>
+                <a:gs pos="75000">
+                  <a:schemeClr val="accent5">
+                    <a:alpha val="0"/>
+                  </a:schemeClr>
+                </a:gs>
+                <a:gs pos="36000">
+                  <a:schemeClr val="accent5">
+                    <a:alpha val="10000"/>
+                  </a:schemeClr>
+                </a:gs>
+              </a:gsLst>
+              <a:path path="circle">
+                <a:fillToRect l="50000" t="50000" r="50000" b="50000"/>
+              </a:path>
+              <a:tileRect/>
+            </a:gradFill>
+            <a:ln>
+              <a:noFill/>
+            </a:ln>
+            <a:effectLst/>
+          </p:spPr>
+          <p:style>
+            <a:lnRef idx="1">
+              <a:schemeClr val="accent1"/>
+            </a:lnRef>
+            <a:fillRef idx="3">
+              <a:schemeClr val="accent1"/>
+            </a:fillRef>
+            <a:effectRef idx="2">
               <a:schemeClr val="accent1"/>
             </a:effectRef>
             <a:fontRef idx="minor">
@@ -282,6 +460,9 @@
             <a:off x="1154955" y="2099733"/>
             <a:ext cx="8825658" cy="2677648"/>
           </a:xfrm>
+          <a:prstGeom prst="rect">
+            <a:avLst/>
+          </a:prstGeom>
         </p:spPr>
         <p:txBody>
           <a:bodyPr anchor="b"/>
@@ -309,7 +490,7 @@
             <p:ph type="subTitle" idx="1"/>
           </p:nvPr>
         </p:nvSpPr>
-        <p:spPr bwMode="gray">
+        <p:spPr>
           <a:xfrm>
             <a:off x="1154955" y="4777380"/>
             <a:ext cx="8825658" cy="861420"/>
@@ -322,9 +503,9 @@
               <a:buNone/>
               <a:defRPr cap="all">
                 <a:solidFill>
-                  <a:schemeClr val="accent1">
-                    <a:lumMod val="60000"/>
-                    <a:lumOff val="40000"/>
+                  <a:schemeClr val="tx2">
+                    <a:lumMod val="40000"/>
+                    <a:lumOff val="60000"/>
                   </a:schemeClr>
                 </a:solidFill>
               </a:defRPr>
@@ -429,21 +610,19 @@
             <p:ph type="dt" sz="half" idx="10"/>
           </p:nvPr>
         </p:nvSpPr>
-        <p:spPr bwMode="gray">
+        <p:spPr>
           <a:xfrm rot="5400000">
             <a:off x="10158984" y="1792224"/>
             <a:ext cx="990599" cy="304799"/>
           </a:xfrm>
         </p:spPr>
         <p:txBody>
-          <a:bodyPr anchor="t"/>
+          <a:bodyPr/>
           <a:lstStyle>
             <a:lvl1pPr algn="l">
-              <a:defRPr b="0" i="0">
+              <a:defRPr b="0">
                 <a:solidFill>
-                  <a:schemeClr val="bg1">
-                    <a:alpha val="60000"/>
-                  </a:schemeClr>
+                  <a:schemeClr val="bg1"/>
                 </a:solidFill>
               </a:defRPr>
             </a:lvl1pPr>
@@ -451,7 +630,7 @@
           <a:p>
             <a:fld id="{F8164D30-88BB-48DE-B6A4-E99F929B5FDA}" type="datetimeFigureOut">
               <a:rPr lang="es-ES" smtClean="0"/>
-              <a:t>11/05/2024</a:t>
+              <a:t>09/07/2024</a:t>
             </a:fld>
             <a:endParaRPr lang="es-ES"/>
           </a:p>
@@ -467,21 +646,19 @@
             <p:ph type="ftr" sz="quarter" idx="11"/>
           </p:nvPr>
         </p:nvSpPr>
-        <p:spPr bwMode="gray">
+        <p:spPr>
           <a:xfrm rot="5400000">
             <a:off x="8951976" y="3227832"/>
-            <a:ext cx="3859795" cy="304801"/>
+            <a:ext cx="3867912" cy="310896"/>
           </a:xfrm>
         </p:spPr>
         <p:txBody>
           <a:bodyPr/>
           <a:lstStyle>
             <a:lvl1pPr>
-              <a:defRPr b="0" i="0">
+              <a:defRPr sz="1000" b="0">
                 <a:solidFill>
-                  <a:schemeClr val="bg1">
-                    <a:alpha val="60000"/>
-                  </a:schemeClr>
+                  <a:schemeClr val="bg1"/>
                 </a:solidFill>
               </a:defRPr>
             </a:lvl1pPr>
@@ -493,7 +670,7 @@
       </p:sp>
       <p:sp>
         <p:nvSpPr>
-          <p:cNvPr id="11" name="Rectangle 10"/>
+          <p:cNvPr id="8" name="Rectangle 7"/>
           <p:cNvSpPr/>
           <p:nvPr/>
         </p:nvSpPr>
@@ -529,7 +706,7 @@
       </p:sp>
       <p:sp>
         <p:nvSpPr>
-          <p:cNvPr id="12" name="Slide Number Placeholder 5"/>
+          <p:cNvPr id="6" name="Slide Number Placeholder 5"/>
           <p:cNvSpPr>
             <a:spLocks noGrp="1"/>
           </p:cNvSpPr>
@@ -539,13 +716,19 @@
         </p:nvSpPr>
         <p:spPr>
           <a:xfrm>
-            <a:off x="10352540" y="295729"/>
+            <a:off x="10351008" y="292608"/>
             <a:ext cx="838199" cy="767687"/>
           </a:xfrm>
         </p:spPr>
         <p:txBody>
           <a:bodyPr/>
-          <a:lstStyle/>
+          <a:lstStyle>
+            <a:lvl1pPr>
+              <a:defRPr sz="2800" b="0" i="0">
+                <a:latin typeface="+mj-lt"/>
+              </a:defRPr>
+            </a:lvl1pPr>
+          </a:lstStyle>
           <a:p>
             <a:fld id="{8CA5439A-3CC2-40F5-B5F9-E7EBECD980E3}" type="slidenum">
               <a:rPr lang="es-ES" smtClean="0"/>
@@ -558,7 +741,7 @@
     </p:spTree>
     <p:extLst>
       <p:ext uri="{BB962C8B-B14F-4D97-AF65-F5344CB8AC3E}">
-        <p14:creationId xmlns:p14="http://schemas.microsoft.com/office/powerpoint/2010/main" val="1810176721"/>
+        <p14:creationId xmlns:p14="http://schemas.microsoft.com/office/powerpoint/2010/main" val="2372063045"/>
       </p:ext>
     </p:extLst>
   </p:cSld>
@@ -569,7 +752,7 @@
 </file>
 
 <file path=ppt/slideLayouts/slideLayout10.xml><?xml version="1.0" encoding="utf-8"?>
-<p:sldLayout xmlns:a="http://schemas.openxmlformats.org/drawingml/2006/main" xmlns:r="http://schemas.openxmlformats.org/officeDocument/2006/relationships" xmlns:p="http://schemas.openxmlformats.org/presentationml/2006/main" preserve="1">
+<p:sldLayout xmlns:a="http://schemas.openxmlformats.org/drawingml/2006/main" xmlns:r="http://schemas.openxmlformats.org/officeDocument/2006/relationships" xmlns:p="http://schemas.openxmlformats.org/presentationml/2006/main" showMasterSp="0" preserve="1">
   <p:cSld name="Imagen panorámica con descripción">
     <p:spTree>
       <p:nvGrpSpPr>
@@ -587,21 +770,21 @@
       </p:grpSpPr>
       <p:grpSp>
         <p:nvGrpSpPr>
-          <p:cNvPr id="9" name="Group 8"/>
+          <p:cNvPr id="17" name="Group 16"/>
           <p:cNvGrpSpPr/>
           <p:nvPr/>
         </p:nvGrpSpPr>
         <p:grpSpPr>
           <a:xfrm>
-            <a:off x="0" y="0"/>
-            <a:ext cx="12192000" cy="6858000"/>
-            <a:chOff x="0" y="0"/>
-            <a:chExt cx="12192000" cy="6858000"/>
+            <a:off x="-1588" y="0"/>
+            <a:ext cx="12193588" cy="6861555"/>
+            <a:chOff x="-1588" y="0"/>
+            <a:chExt cx="12193588" cy="6861555"/>
           </a:xfrm>
         </p:grpSpPr>
         <p:sp>
           <p:nvSpPr>
-            <p:cNvPr id="13" name="Rectangle 12"/>
+            <p:cNvPr id="11" name="Rectangle 10"/>
             <p:cNvSpPr/>
             <p:nvPr/>
           </p:nvSpPr>
@@ -618,14 +801,15 @@
                 <a:duotone>
                   <a:schemeClr val="dk2">
                     <a:shade val="69000"/>
-                    <a:hueMod val="91000"/>
+                    <a:hueMod val="108000"/>
                     <a:satMod val="164000"/>
                     <a:lumMod val="74000"/>
                   </a:schemeClr>
                   <a:schemeClr val="dk2">
-                    <a:hueMod val="124000"/>
+                    <a:tint val="96000"/>
+                    <a:hueMod val="88000"/>
                     <a:satMod val="140000"/>
-                    <a:lumMod val="142000"/>
+                    <a:lumMod val="132000"/>
                   </a:schemeClr>
                 </a:duotone>
               </a:blip>
@@ -656,14 +840,14 @@
         </p:sp>
         <p:sp>
           <p:nvSpPr>
-            <p:cNvPr id="17" name="Oval 16"/>
+            <p:cNvPr id="14" name="Oval 13"/>
             <p:cNvSpPr/>
             <p:nvPr/>
           </p:nvSpPr>
           <p:spPr>
             <a:xfrm>
-              <a:off x="0" y="2667000"/>
-              <a:ext cx="4191000" cy="4191000"/>
+              <a:off x="8761412" y="1828800"/>
+              <a:ext cx="2819400" cy="2819400"/>
             </a:xfrm>
             <a:prstGeom prst="ellipse">
               <a:avLst/>
@@ -672,17 +856,17 @@
               <a:gsLst>
                 <a:gs pos="0">
                   <a:schemeClr val="accent5">
-                    <a:alpha val="11000"/>
+                    <a:alpha val="7000"/>
                   </a:schemeClr>
                 </a:gs>
-                <a:gs pos="75000">
+                <a:gs pos="69000">
                   <a:schemeClr val="accent5">
                     <a:alpha val="0"/>
                   </a:schemeClr>
                 </a:gs>
                 <a:gs pos="36000">
                   <a:schemeClr val="accent5">
-                    <a:alpha val="10000"/>
+                    <a:alpha val="6000"/>
                   </a:schemeClr>
                 </a:gs>
               </a:gsLst>
@@ -713,14 +897,14 @@
         </p:sp>
         <p:sp>
           <p:nvSpPr>
-            <p:cNvPr id="18" name="Oval 17"/>
+            <p:cNvPr id="15" name="Oval 14"/>
             <p:cNvSpPr/>
             <p:nvPr/>
           </p:nvSpPr>
           <p:spPr>
             <a:xfrm>
-              <a:off x="0" y="2895600"/>
-              <a:ext cx="2362200" cy="2362200"/>
+              <a:off x="8761412" y="5870955"/>
+              <a:ext cx="990600" cy="990600"/>
             </a:xfrm>
             <a:prstGeom prst="ellipse">
               <a:avLst/>
@@ -729,17 +913,17 @@
               <a:gsLst>
                 <a:gs pos="0">
                   <a:schemeClr val="accent5">
-                    <a:alpha val="8000"/>
+                    <a:alpha val="14000"/>
                   </a:schemeClr>
                 </a:gs>
-                <a:gs pos="72000">
+                <a:gs pos="66000">
                   <a:schemeClr val="accent5">
                     <a:alpha val="0"/>
                   </a:schemeClr>
                 </a:gs>
                 <a:gs pos="36000">
                   <a:schemeClr val="accent5">
-                    <a:alpha val="8000"/>
+                    <a:alpha val="7000"/>
                   </a:schemeClr>
                 </a:gs>
               </a:gsLst>
@@ -770,14 +954,14 @@
         </p:sp>
         <p:sp>
           <p:nvSpPr>
-            <p:cNvPr id="19" name="Oval 18"/>
+            <p:cNvPr id="16" name="Oval 15"/>
             <p:cNvSpPr/>
             <p:nvPr/>
           </p:nvSpPr>
           <p:spPr>
             <a:xfrm>
-              <a:off x="8609012" y="5867400"/>
-              <a:ext cx="990600" cy="990600"/>
+              <a:off x="-1588" y="2667000"/>
+              <a:ext cx="4191000" cy="4191000"/>
             </a:xfrm>
             <a:prstGeom prst="ellipse">
               <a:avLst/>
@@ -786,17 +970,17 @@
               <a:gsLst>
                 <a:gs pos="0">
                   <a:schemeClr val="accent5">
-                    <a:alpha val="14000"/>
+                    <a:alpha val="11000"/>
                   </a:schemeClr>
                 </a:gs>
-                <a:gs pos="66000">
+                <a:gs pos="75000">
                   <a:schemeClr val="accent5">
                     <a:alpha val="0"/>
                   </a:schemeClr>
                 </a:gs>
                 <a:gs pos="36000">
                   <a:schemeClr val="accent5">
-                    <a:alpha val="7000"/>
+                    <a:alpha val="10000"/>
                   </a:schemeClr>
                 </a:gs>
               </a:gsLst>
@@ -827,121 +1011,7 @@
         </p:sp>
         <p:sp>
           <p:nvSpPr>
-            <p:cNvPr id="20" name="Oval 19"/>
-            <p:cNvSpPr/>
-            <p:nvPr/>
-          </p:nvSpPr>
-          <p:spPr>
-            <a:xfrm>
-              <a:off x="8609012" y="1676400"/>
-              <a:ext cx="2819400" cy="2819400"/>
-            </a:xfrm>
-            <a:prstGeom prst="ellipse">
-              <a:avLst/>
-            </a:prstGeom>
-            <a:gradFill flip="none" rotWithShape="1">
-              <a:gsLst>
-                <a:gs pos="0">
-                  <a:schemeClr val="accent5">
-                    <a:alpha val="7000"/>
-                  </a:schemeClr>
-                </a:gs>
-                <a:gs pos="69000">
-                  <a:schemeClr val="accent5">
-                    <a:alpha val="0"/>
-                  </a:schemeClr>
-                </a:gs>
-                <a:gs pos="36000">
-                  <a:schemeClr val="accent5">
-                    <a:alpha val="6000"/>
-                  </a:schemeClr>
-                </a:gs>
-              </a:gsLst>
-              <a:path path="circle">
-                <a:fillToRect l="50000" t="50000" r="50000" b="50000"/>
-              </a:path>
-              <a:tileRect/>
-            </a:gradFill>
-            <a:ln>
-              <a:noFill/>
-            </a:ln>
-            <a:effectLst/>
-          </p:spPr>
-          <p:style>
-            <a:lnRef idx="1">
-              <a:schemeClr val="accent1"/>
-            </a:lnRef>
-            <a:fillRef idx="3">
-              <a:schemeClr val="accent1"/>
-            </a:fillRef>
-            <a:effectRef idx="2">
-              <a:schemeClr val="accent1"/>
-            </a:effectRef>
-            <a:fontRef idx="minor">
-              <a:schemeClr val="lt1"/>
-            </a:fontRef>
-          </p:style>
-        </p:sp>
-        <p:sp>
-          <p:nvSpPr>
-            <p:cNvPr id="21" name="Oval 20"/>
-            <p:cNvSpPr/>
-            <p:nvPr/>
-          </p:nvSpPr>
-          <p:spPr>
-            <a:xfrm>
-              <a:off x="7999412" y="8464"/>
-              <a:ext cx="1600200" cy="1600200"/>
-            </a:xfrm>
-            <a:prstGeom prst="ellipse">
-              <a:avLst/>
-            </a:prstGeom>
-            <a:gradFill flip="none" rotWithShape="1">
-              <a:gsLst>
-                <a:gs pos="0">
-                  <a:schemeClr val="accent5">
-                    <a:alpha val="14000"/>
-                  </a:schemeClr>
-                </a:gs>
-                <a:gs pos="73000">
-                  <a:schemeClr val="accent5">
-                    <a:alpha val="0"/>
-                  </a:schemeClr>
-                </a:gs>
-                <a:gs pos="36000">
-                  <a:schemeClr val="accent5">
-                    <a:alpha val="7000"/>
-                  </a:schemeClr>
-                </a:gs>
-              </a:gsLst>
-              <a:path path="circle">
-                <a:fillToRect l="50000" t="50000" r="50000" b="50000"/>
-              </a:path>
-              <a:tileRect/>
-            </a:gradFill>
-            <a:ln>
-              <a:noFill/>
-            </a:ln>
-            <a:effectLst/>
-          </p:spPr>
-          <p:style>
-            <a:lnRef idx="1">
-              <a:schemeClr val="accent1"/>
-            </a:lnRef>
-            <a:fillRef idx="3">
-              <a:schemeClr val="accent1"/>
-            </a:fillRef>
-            <a:effectRef idx="2">
-              <a:schemeClr val="accent1"/>
-            </a:effectRef>
-            <a:fontRef idx="minor">
-              <a:schemeClr val="lt1"/>
-            </a:fontRef>
-          </p:style>
-        </p:sp>
-        <p:sp>
-          <p:nvSpPr>
-            <p:cNvPr id="14" name="Freeform 5"/>
+            <p:cNvPr id="8" name="Freeform 5"/>
             <p:cNvSpPr/>
             <p:nvPr/>
           </p:nvSpPr>
@@ -1088,7 +1158,7 @@
         </p:sp>
         <p:sp>
           <p:nvSpPr>
-            <p:cNvPr id="11" name="Freeform 5"/>
+            <p:cNvPr id="9" name="Freeform 5"/>
             <p:cNvSpPr/>
             <p:nvPr/>
           </p:nvSpPr>
@@ -1272,7 +1342,7 @@
         </p:sp>
         <p:sp>
           <p:nvSpPr>
-            <p:cNvPr id="15" name="Freeform 5"/>
+            <p:cNvPr id="13" name="Freeform 5"/>
             <p:cNvSpPr>
               <a:spLocks noEditPoints="1"/>
             </p:cNvSpPr>
@@ -1347,9 +1417,12 @@
         </p:nvSpPr>
         <p:spPr>
           <a:xfrm>
-            <a:off x="1154954" y="4969927"/>
-            <a:ext cx="8825659" cy="566738"/>
+            <a:off x="1154957" y="4969927"/>
+            <a:ext cx="8825657" cy="566738"/>
           </a:xfrm>
+          <a:prstGeom prst="rect">
+            <a:avLst/>
+          </a:prstGeom>
         </p:spPr>
         <p:txBody>
           <a:bodyPr anchor="b">
@@ -1381,8 +1454,8 @@
         </p:nvSpPr>
         <p:spPr>
           <a:xfrm>
-            <a:off x="1154954" y="685800"/>
-            <a:ext cx="8825659" cy="3429000"/>
+            <a:off x="1154955" y="685800"/>
+            <a:ext cx="8825658" cy="3429000"/>
           </a:xfrm>
           <a:prstGeom prst="roundRect">
             <a:avLst>
@@ -1458,10 +1531,10 @@
             <p:ph type="body" sz="half" idx="2"/>
           </p:nvPr>
         </p:nvSpPr>
-        <p:spPr>
+        <p:spPr bwMode="gray">
           <a:xfrm>
-            <a:off x="1154954" y="5536665"/>
-            <a:ext cx="8825658" cy="493712"/>
+            <a:off x="1154957" y="5536665"/>
+            <a:ext cx="8825656" cy="493712"/>
           </a:xfrm>
         </p:spPr>
         <p:txBody>
@@ -1473,9 +1546,9 @@
               <a:buNone/>
               <a:defRPr sz="1200">
                 <a:solidFill>
-                  <a:schemeClr val="accent1">
-                    <a:lumMod val="60000"/>
-                    <a:lumOff val="40000"/>
+                  <a:schemeClr val="tx2">
+                    <a:lumMod val="40000"/>
+                    <a:lumOff val="60000"/>
                   </a:schemeClr>
                 </a:solidFill>
               </a:defRPr>
@@ -1539,7 +1612,7 @@
           <a:p>
             <a:fld id="{F8164D30-88BB-48DE-B6A4-E99F929B5FDA}" type="datetimeFigureOut">
               <a:rPr lang="es-ES" smtClean="0"/>
-              <a:t>11/05/2024</a:t>
+              <a:t>09/07/2024</a:t>
             </a:fld>
             <a:endParaRPr lang="es-ES"/>
           </a:p>
@@ -1566,7 +1639,7 @@
       </p:sp>
       <p:sp>
         <p:nvSpPr>
-          <p:cNvPr id="16" name="Rectangle 15"/>
+          <p:cNvPr id="12" name="Rectangle 11"/>
           <p:cNvSpPr/>
           <p:nvPr/>
         </p:nvSpPr>
@@ -1626,7 +1699,7 @@
     </p:spTree>
     <p:extLst>
       <p:ext uri="{BB962C8B-B14F-4D97-AF65-F5344CB8AC3E}">
-        <p14:creationId xmlns:p14="http://schemas.microsoft.com/office/powerpoint/2010/main" val="2713960185"/>
+        <p14:creationId xmlns:p14="http://schemas.microsoft.com/office/powerpoint/2010/main" val="77333379"/>
       </p:ext>
     </p:extLst>
   </p:cSld>
@@ -1655,21 +1728,21 @@
       </p:grpSpPr>
       <p:grpSp>
         <p:nvGrpSpPr>
-          <p:cNvPr id="7" name="Group 6"/>
+          <p:cNvPr id="16" name="Group 15"/>
           <p:cNvGrpSpPr/>
           <p:nvPr/>
         </p:nvGrpSpPr>
         <p:grpSpPr>
           <a:xfrm>
-            <a:off x="0" y="0"/>
-            <a:ext cx="12192000" cy="6858000"/>
-            <a:chOff x="0" y="0"/>
-            <a:chExt cx="12192000" cy="6858000"/>
+            <a:off x="-1588" y="0"/>
+            <a:ext cx="12193588" cy="6861555"/>
+            <a:chOff x="-1588" y="0"/>
+            <a:chExt cx="12193588" cy="6861555"/>
           </a:xfrm>
         </p:grpSpPr>
         <p:sp>
           <p:nvSpPr>
-            <p:cNvPr id="11" name="Rectangle 10"/>
+            <p:cNvPr id="10" name="Rectangle 9"/>
             <p:cNvSpPr/>
             <p:nvPr/>
           </p:nvSpPr>
@@ -1686,14 +1759,15 @@
                 <a:duotone>
                   <a:schemeClr val="dk2">
                     <a:shade val="69000"/>
-                    <a:hueMod val="91000"/>
+                    <a:hueMod val="108000"/>
                     <a:satMod val="164000"/>
                     <a:lumMod val="74000"/>
                   </a:schemeClr>
                   <a:schemeClr val="dk2">
-                    <a:hueMod val="124000"/>
+                    <a:tint val="96000"/>
+                    <a:hueMod val="88000"/>
                     <a:satMod val="140000"/>
-                    <a:lumMod val="142000"/>
+                    <a:lumMod val="132000"/>
                   </a:schemeClr>
                 </a:duotone>
               </a:blip>
@@ -1724,14 +1798,14 @@
         </p:sp>
         <p:sp>
           <p:nvSpPr>
-            <p:cNvPr id="14" name="Oval 13"/>
+            <p:cNvPr id="13" name="Oval 12"/>
             <p:cNvSpPr/>
             <p:nvPr/>
           </p:nvSpPr>
           <p:spPr>
             <a:xfrm>
-              <a:off x="0" y="2667000"/>
-              <a:ext cx="4191000" cy="4191000"/>
+              <a:off x="8761412" y="1828800"/>
+              <a:ext cx="2819400" cy="2819400"/>
             </a:xfrm>
             <a:prstGeom prst="ellipse">
               <a:avLst/>
@@ -1740,17 +1814,74 @@
               <a:gsLst>
                 <a:gs pos="0">
                   <a:schemeClr val="accent5">
-                    <a:alpha val="11000"/>
+                    <a:alpha val="7000"/>
                   </a:schemeClr>
                 </a:gs>
-                <a:gs pos="75000">
+                <a:gs pos="69000">
                   <a:schemeClr val="accent5">
                     <a:alpha val="0"/>
                   </a:schemeClr>
                 </a:gs>
                 <a:gs pos="36000">
                   <a:schemeClr val="accent5">
-                    <a:alpha val="10000"/>
+                    <a:alpha val="6000"/>
+                  </a:schemeClr>
+                </a:gs>
+              </a:gsLst>
+              <a:path path="circle">
+                <a:fillToRect l="50000" t="50000" r="50000" b="50000"/>
+              </a:path>
+              <a:tileRect/>
+            </a:gradFill>
+            <a:ln>
+              <a:noFill/>
+            </a:ln>
+            <a:effectLst/>
+          </p:spPr>
+          <p:style>
+            <a:lnRef idx="1">
+              <a:schemeClr val="accent1"/>
+            </a:lnRef>
+            <a:fillRef idx="3">
+              <a:schemeClr val="accent1"/>
+            </a:fillRef>
+            <a:effectRef idx="2">
+              <a:schemeClr val="accent1"/>
+            </a:effectRef>
+            <a:fontRef idx="minor">
+              <a:schemeClr val="lt1"/>
+            </a:fontRef>
+          </p:style>
+        </p:sp>
+        <p:sp>
+          <p:nvSpPr>
+            <p:cNvPr id="14" name="Oval 13"/>
+            <p:cNvSpPr/>
+            <p:nvPr/>
+          </p:nvSpPr>
+          <p:spPr>
+            <a:xfrm>
+              <a:off x="8761412" y="5870955"/>
+              <a:ext cx="990600" cy="990600"/>
+            </a:xfrm>
+            <a:prstGeom prst="ellipse">
+              <a:avLst/>
+            </a:prstGeom>
+            <a:gradFill flip="none" rotWithShape="1">
+              <a:gsLst>
+                <a:gs pos="0">
+                  <a:schemeClr val="accent5">
+                    <a:alpha val="14000"/>
+                  </a:schemeClr>
+                </a:gs>
+                <a:gs pos="66000">
+                  <a:schemeClr val="accent5">
+                    <a:alpha val="0"/>
+                  </a:schemeClr>
+                </a:gs>
+                <a:gs pos="36000">
+                  <a:schemeClr val="accent5">
+                    <a:alpha val="7000"/>
                   </a:schemeClr>
                 </a:gs>
               </a:gsLst>
@@ -1787,8 +1918,8 @@
           </p:nvSpPr>
           <p:spPr>
             <a:xfrm>
-              <a:off x="0" y="2895600"/>
-              <a:ext cx="2362200" cy="2362200"/>
+              <a:off x="-1588" y="2667000"/>
+              <a:ext cx="4191000" cy="4191000"/>
             </a:xfrm>
             <a:prstGeom prst="ellipse">
               <a:avLst/>
@@ -1797,17 +1928,17 @@
               <a:gsLst>
                 <a:gs pos="0">
                   <a:schemeClr val="accent5">
-                    <a:alpha val="8000"/>
+                    <a:alpha val="11000"/>
                   </a:schemeClr>
                 </a:gs>
-                <a:gs pos="72000">
+                <a:gs pos="75000">
                   <a:schemeClr val="accent5">
                     <a:alpha val="0"/>
                   </a:schemeClr>
                 </a:gs>
                 <a:gs pos="36000">
                   <a:schemeClr val="accent5">
-                    <a:alpha val="8000"/>
+                    <a:alpha val="10000"/>
                   </a:schemeClr>
                 </a:gs>
               </a:gsLst>
@@ -1838,178 +1969,191 @@
         </p:sp>
         <p:sp>
           <p:nvSpPr>
-            <p:cNvPr id="16" name="Oval 15"/>
+            <p:cNvPr id="7" name="Freeform 5"/>
             <p:cNvSpPr/>
             <p:nvPr/>
           </p:nvSpPr>
-          <p:spPr>
+          <p:spPr bwMode="gray">
             <a:xfrm>
-              <a:off x="8609012" y="5867400"/>
-              <a:ext cx="990600" cy="990600"/>
+              <a:off x="455612" y="2801319"/>
+              <a:ext cx="11277600" cy="3602637"/>
             </a:xfrm>
-            <a:prstGeom prst="ellipse">
+            <a:custGeom>
               <a:avLst/>
-            </a:prstGeom>
-            <a:gradFill flip="none" rotWithShape="1">
-              <a:gsLst>
-                <a:gs pos="0">
-                  <a:schemeClr val="accent5">
-                    <a:alpha val="14000"/>
-                  </a:schemeClr>
-                </a:gs>
-                <a:gs pos="66000">
-                  <a:schemeClr val="accent5">
-                    <a:alpha val="0"/>
-                  </a:schemeClr>
-                </a:gs>
-                <a:gs pos="36000">
-                  <a:schemeClr val="accent5">
-                    <a:alpha val="7000"/>
-                  </a:schemeClr>
-                </a:gs>
-              </a:gsLst>
-              <a:path path="circle">
-                <a:fillToRect l="50000" t="50000" r="50000" b="50000"/>
-              </a:path>
-              <a:tileRect/>
-            </a:gradFill>
+              <a:gdLst/>
+              <a:ahLst/>
+              <a:cxnLst/>
+              <a:rect l="l" t="t" r="r" b="b"/>
+              <a:pathLst>
+                <a:path w="10000" h="7946">
+                  <a:moveTo>
+                    <a:pt x="0" y="0"/>
+                  </a:moveTo>
+                  <a:lnTo>
+                    <a:pt x="0" y="7945"/>
+                  </a:lnTo>
+                  <a:lnTo>
+                    <a:pt x="10000" y="7946"/>
+                  </a:lnTo>
+                  <a:lnTo>
+                    <a:pt x="10000" y="4"/>
+                  </a:lnTo>
+                  <a:lnTo>
+                    <a:pt x="10000" y="4"/>
+                  </a:lnTo>
+                  <a:lnTo>
+                    <a:pt x="9773" y="91"/>
+                  </a:lnTo>
+                  <a:lnTo>
+                    <a:pt x="9547" y="175"/>
+                  </a:lnTo>
+                  <a:lnTo>
+                    <a:pt x="9320" y="256"/>
+                  </a:lnTo>
+                  <a:lnTo>
+                    <a:pt x="9092" y="326"/>
+                  </a:lnTo>
+                  <a:lnTo>
+                    <a:pt x="8865" y="396"/>
+                  </a:lnTo>
+                  <a:lnTo>
+                    <a:pt x="8637" y="462"/>
+                  </a:lnTo>
+                  <a:lnTo>
+                    <a:pt x="8412" y="518"/>
+                  </a:lnTo>
+                  <a:lnTo>
+                    <a:pt x="8184" y="571"/>
+                  </a:lnTo>
+                  <a:lnTo>
+                    <a:pt x="7957" y="620"/>
+                  </a:lnTo>
+                  <a:lnTo>
+                    <a:pt x="7734" y="662"/>
+                  </a:lnTo>
+                  <a:lnTo>
+                    <a:pt x="7508" y="704"/>
+                  </a:lnTo>
+                  <a:lnTo>
+                    <a:pt x="7285" y="739"/>
+                  </a:lnTo>
+                  <a:lnTo>
+                    <a:pt x="7062" y="767"/>
+                  </a:lnTo>
+                  <a:lnTo>
+                    <a:pt x="6840" y="795"/>
+                  </a:lnTo>
+                  <a:lnTo>
+                    <a:pt x="6620" y="819"/>
+                  </a:lnTo>
+                  <a:lnTo>
+                    <a:pt x="6402" y="837"/>
+                  </a:lnTo>
+                  <a:lnTo>
+                    <a:pt x="6184" y="851"/>
+                  </a:lnTo>
+                  <a:lnTo>
+                    <a:pt x="5968" y="865"/>
+                  </a:lnTo>
+                  <a:lnTo>
+                    <a:pt x="5755" y="872"/>
+                  </a:lnTo>
+                  <a:lnTo>
+                    <a:pt x="5542" y="879"/>
+                  </a:lnTo>
+                  <a:lnTo>
+                    <a:pt x="5332" y="882"/>
+                  </a:lnTo>
+                  <a:lnTo>
+                    <a:pt x="5124" y="879"/>
+                  </a:lnTo>
+                  <a:lnTo>
+                    <a:pt x="4918" y="879"/>
+                  </a:lnTo>
+                  <a:lnTo>
+                    <a:pt x="4714" y="872"/>
+                  </a:lnTo>
+                  <a:lnTo>
+                    <a:pt x="4514" y="861"/>
+                  </a:lnTo>
+                  <a:lnTo>
+                    <a:pt x="4316" y="851"/>
+                  </a:lnTo>
+                  <a:lnTo>
+                    <a:pt x="4122" y="840"/>
+                  </a:lnTo>
+                  <a:lnTo>
+                    <a:pt x="3929" y="823"/>
+                  </a:lnTo>
+                  <a:lnTo>
+                    <a:pt x="3739" y="805"/>
+                  </a:lnTo>
+                  <a:lnTo>
+                    <a:pt x="3553" y="788"/>
+                  </a:lnTo>
+                  <a:lnTo>
+                    <a:pt x="3190" y="742"/>
+                  </a:lnTo>
+                  <a:lnTo>
+                    <a:pt x="2842" y="693"/>
+                  </a:lnTo>
+                  <a:lnTo>
+                    <a:pt x="2508" y="641"/>
+                  </a:lnTo>
+                  <a:lnTo>
+                    <a:pt x="2192" y="585"/>
+                  </a:lnTo>
+                  <a:lnTo>
+                    <a:pt x="1890" y="525"/>
+                  </a:lnTo>
+                  <a:lnTo>
+                    <a:pt x="1610" y="462"/>
+                  </a:lnTo>
+                  <a:lnTo>
+                    <a:pt x="1347" y="399"/>
+                  </a:lnTo>
+                  <a:lnTo>
+                    <a:pt x="1105" y="336"/>
+                  </a:lnTo>
+                  <a:lnTo>
+                    <a:pt x="883" y="277"/>
+                  </a:lnTo>
+                  <a:lnTo>
+                    <a:pt x="686" y="221"/>
+                  </a:lnTo>
+                  <a:lnTo>
+                    <a:pt x="508" y="168"/>
+                  </a:lnTo>
+                  <a:lnTo>
+                    <a:pt x="358" y="123"/>
+                  </a:lnTo>
+                  <a:lnTo>
+                    <a:pt x="232" y="81"/>
+                  </a:lnTo>
+                  <a:lnTo>
+                    <a:pt x="59" y="21"/>
+                  </a:lnTo>
+                  <a:lnTo>
+                    <a:pt x="0" y="0"/>
+                  </a:lnTo>
+                  <a:lnTo>
+                    <a:pt x="0" y="0"/>
+                  </a:lnTo>
+                  <a:close/>
+                </a:path>
+              </a:pathLst>
+            </a:custGeom>
+            <a:solidFill>
+              <a:schemeClr val="bg1"/>
+            </a:solidFill>
             <a:ln>
               <a:noFill/>
             </a:ln>
-            <a:effectLst/>
           </p:spPr>
-          <p:style>
-            <a:lnRef idx="1">
-              <a:schemeClr val="accent1"/>
-            </a:lnRef>
-            <a:fillRef idx="3">
-              <a:schemeClr val="accent1"/>
-            </a:fillRef>
-            <a:effectRef idx="2">
-              <a:schemeClr val="accent1"/>
-            </a:effectRef>
-            <a:fontRef idx="minor">
-              <a:schemeClr val="lt1"/>
-            </a:fontRef>
-          </p:style>
         </p:sp>
         <p:sp>
           <p:nvSpPr>
-            <p:cNvPr id="18" name="Oval 17"/>
-            <p:cNvSpPr/>
-            <p:nvPr/>
-          </p:nvSpPr>
-          <p:spPr>
-            <a:xfrm>
-              <a:off x="8609012" y="1676400"/>
-              <a:ext cx="2819400" cy="2819400"/>
-            </a:xfrm>
-            <a:prstGeom prst="ellipse">
-              <a:avLst/>
-            </a:prstGeom>
-            <a:gradFill flip="none" rotWithShape="1">
-              <a:gsLst>
-                <a:gs pos="0">
-                  <a:schemeClr val="accent5">
-                    <a:alpha val="7000"/>
-                  </a:schemeClr>
-                </a:gs>
-                <a:gs pos="69000">
-                  <a:schemeClr val="accent5">
-                    <a:alpha val="0"/>
-                  </a:schemeClr>
-                </a:gs>
-                <a:gs pos="36000">
-                  <a:schemeClr val="accent5">
-                    <a:alpha val="6000"/>
-                  </a:schemeClr>
-                </a:gs>
-              </a:gsLst>
-              <a:path path="circle">
-                <a:fillToRect l="50000" t="50000" r="50000" b="50000"/>
-              </a:path>
-              <a:tileRect/>
-            </a:gradFill>
-            <a:ln>
-              <a:noFill/>
-            </a:ln>
-            <a:effectLst/>
-          </p:spPr>
-          <p:style>
-            <a:lnRef idx="1">
-              <a:schemeClr val="accent1"/>
-            </a:lnRef>
-            <a:fillRef idx="3">
-              <a:schemeClr val="accent1"/>
-            </a:fillRef>
-            <a:effectRef idx="2">
-              <a:schemeClr val="accent1"/>
-            </a:effectRef>
-            <a:fontRef idx="minor">
-              <a:schemeClr val="lt1"/>
-            </a:fontRef>
-          </p:style>
-        </p:sp>
-        <p:sp>
-          <p:nvSpPr>
-            <p:cNvPr id="19" name="Oval 18"/>
-            <p:cNvSpPr/>
-            <p:nvPr/>
-          </p:nvSpPr>
-          <p:spPr>
-            <a:xfrm>
-              <a:off x="7999412" y="8464"/>
-              <a:ext cx="1600200" cy="1600200"/>
-            </a:xfrm>
-            <a:prstGeom prst="ellipse">
-              <a:avLst/>
-            </a:prstGeom>
-            <a:gradFill flip="none" rotWithShape="1">
-              <a:gsLst>
-                <a:gs pos="0">
-                  <a:schemeClr val="accent5">
-                    <a:alpha val="14000"/>
-                  </a:schemeClr>
-                </a:gs>
-                <a:gs pos="73000">
-                  <a:schemeClr val="accent5">
-                    <a:alpha val="0"/>
-                  </a:schemeClr>
-                </a:gs>
-                <a:gs pos="36000">
-                  <a:schemeClr val="accent5">
-                    <a:alpha val="7000"/>
-                  </a:schemeClr>
-                </a:gs>
-              </a:gsLst>
-              <a:path path="circle">
-                <a:fillToRect l="50000" t="50000" r="50000" b="50000"/>
-              </a:path>
-              <a:tileRect/>
-            </a:gradFill>
-            <a:ln>
-              <a:noFill/>
-            </a:ln>
-            <a:effectLst/>
-          </p:spPr>
-          <p:style>
-            <a:lnRef idx="1">
-              <a:schemeClr val="accent1"/>
-            </a:lnRef>
-            <a:fillRef idx="3">
-              <a:schemeClr val="accent1"/>
-            </a:fillRef>
-            <a:effectRef idx="2">
-              <a:schemeClr val="accent1"/>
-            </a:effectRef>
-            <a:fontRef idx="minor">
-              <a:schemeClr val="lt1"/>
-            </a:fontRef>
-          </p:style>
-        </p:sp>
-        <p:sp>
-          <p:nvSpPr>
-            <p:cNvPr id="25" name="Freeform 5"/>
+            <p:cNvPr id="9" name="Freeform 5"/>
             <p:cNvSpPr/>
             <p:nvPr/>
           </p:nvSpPr>
@@ -2148,190 +2292,6 @@
               <a:schemeClr val="bg1">
                 <a:alpha val="20000"/>
               </a:schemeClr>
-            </a:solidFill>
-            <a:ln>
-              <a:noFill/>
-            </a:ln>
-          </p:spPr>
-        </p:sp>
-        <p:sp>
-          <p:nvSpPr>
-            <p:cNvPr id="17" name="Freeform 5"/>
-            <p:cNvSpPr/>
-            <p:nvPr/>
-          </p:nvSpPr>
-          <p:spPr bwMode="gray">
-            <a:xfrm>
-              <a:off x="455612" y="2801319"/>
-              <a:ext cx="11277600" cy="3602637"/>
-            </a:xfrm>
-            <a:custGeom>
-              <a:avLst/>
-              <a:gdLst/>
-              <a:ahLst/>
-              <a:cxnLst/>
-              <a:rect l="l" t="t" r="r" b="b"/>
-              <a:pathLst>
-                <a:path w="10000" h="7946">
-                  <a:moveTo>
-                    <a:pt x="0" y="0"/>
-                  </a:moveTo>
-                  <a:lnTo>
-                    <a:pt x="0" y="7945"/>
-                  </a:lnTo>
-                  <a:lnTo>
-                    <a:pt x="10000" y="7946"/>
-                  </a:lnTo>
-                  <a:lnTo>
-                    <a:pt x="10000" y="4"/>
-                  </a:lnTo>
-                  <a:lnTo>
-                    <a:pt x="10000" y="4"/>
-                  </a:lnTo>
-                  <a:lnTo>
-                    <a:pt x="9773" y="91"/>
-                  </a:lnTo>
-                  <a:lnTo>
-                    <a:pt x="9547" y="175"/>
-                  </a:lnTo>
-                  <a:lnTo>
-                    <a:pt x="9320" y="256"/>
-                  </a:lnTo>
-                  <a:lnTo>
-                    <a:pt x="9092" y="326"/>
-                  </a:lnTo>
-                  <a:lnTo>
-                    <a:pt x="8865" y="396"/>
-                  </a:lnTo>
-                  <a:lnTo>
-                    <a:pt x="8637" y="462"/>
-                  </a:lnTo>
-                  <a:lnTo>
-                    <a:pt x="8412" y="518"/>
-                  </a:lnTo>
-                  <a:lnTo>
-                    <a:pt x="8184" y="571"/>
-                  </a:lnTo>
-                  <a:lnTo>
-                    <a:pt x="7957" y="620"/>
-                  </a:lnTo>
-                  <a:lnTo>
-                    <a:pt x="7734" y="662"/>
-                  </a:lnTo>
-                  <a:lnTo>
-                    <a:pt x="7508" y="704"/>
-                  </a:lnTo>
-                  <a:lnTo>
-                    <a:pt x="7285" y="739"/>
-                  </a:lnTo>
-                  <a:lnTo>
-                    <a:pt x="7062" y="767"/>
-                  </a:lnTo>
-                  <a:lnTo>
-                    <a:pt x="6840" y="795"/>
-                  </a:lnTo>
-                  <a:lnTo>
-                    <a:pt x="6620" y="819"/>
-                  </a:lnTo>
-                  <a:lnTo>
-                    <a:pt x="6402" y="837"/>
-                  </a:lnTo>
-                  <a:lnTo>
-                    <a:pt x="6184" y="851"/>
-                  </a:lnTo>
-                  <a:lnTo>
-                    <a:pt x="5968" y="865"/>
-                  </a:lnTo>
-                  <a:lnTo>
-                    <a:pt x="5755" y="872"/>
-                  </a:lnTo>
-                  <a:lnTo>
-                    <a:pt x="5542" y="879"/>
-                  </a:lnTo>
-                  <a:lnTo>
-                    <a:pt x="5332" y="882"/>
-                  </a:lnTo>
-                  <a:lnTo>
-                    <a:pt x="5124" y="879"/>
-                  </a:lnTo>
-                  <a:lnTo>
-                    <a:pt x="4918" y="879"/>
-                  </a:lnTo>
-                  <a:lnTo>
-                    <a:pt x="4714" y="872"/>
-                  </a:lnTo>
-                  <a:lnTo>
-                    <a:pt x="4514" y="861"/>
-                  </a:lnTo>
-                  <a:lnTo>
-                    <a:pt x="4316" y="851"/>
-                  </a:lnTo>
-                  <a:lnTo>
-                    <a:pt x="4122" y="840"/>
-                  </a:lnTo>
-                  <a:lnTo>
-                    <a:pt x="3929" y="823"/>
-                  </a:lnTo>
-                  <a:lnTo>
-                    <a:pt x="3739" y="805"/>
-                  </a:lnTo>
-                  <a:lnTo>
-                    <a:pt x="3553" y="788"/>
-                  </a:lnTo>
-                  <a:lnTo>
-                    <a:pt x="3190" y="742"/>
-                  </a:lnTo>
-                  <a:lnTo>
-                    <a:pt x="2842" y="693"/>
-                  </a:lnTo>
-                  <a:lnTo>
-                    <a:pt x="2508" y="641"/>
-                  </a:lnTo>
-                  <a:lnTo>
-                    <a:pt x="2192" y="585"/>
-                  </a:lnTo>
-                  <a:lnTo>
-                    <a:pt x="1890" y="525"/>
-                  </a:lnTo>
-                  <a:lnTo>
-                    <a:pt x="1610" y="462"/>
-                  </a:lnTo>
-                  <a:lnTo>
-                    <a:pt x="1347" y="399"/>
-                  </a:lnTo>
-                  <a:lnTo>
-                    <a:pt x="1105" y="336"/>
-                  </a:lnTo>
-                  <a:lnTo>
-                    <a:pt x="883" y="277"/>
-                  </a:lnTo>
-                  <a:lnTo>
-                    <a:pt x="686" y="221"/>
-                  </a:lnTo>
-                  <a:lnTo>
-                    <a:pt x="508" y="168"/>
-                  </a:lnTo>
-                  <a:lnTo>
-                    <a:pt x="358" y="123"/>
-                  </a:lnTo>
-                  <a:lnTo>
-                    <a:pt x="232" y="81"/>
-                  </a:lnTo>
-                  <a:lnTo>
-                    <a:pt x="59" y="21"/>
-                  </a:lnTo>
-                  <a:lnTo>
-                    <a:pt x="0" y="0"/>
-                  </a:lnTo>
-                  <a:lnTo>
-                    <a:pt x="0" y="0"/>
-                  </a:lnTo>
-                  <a:close/>
-                </a:path>
-              </a:pathLst>
-            </a:custGeom>
-            <a:solidFill>
-              <a:schemeClr val="bg1"/>
             </a:solidFill>
             <a:ln>
               <a:noFill/>
@@ -2415,12 +2375,15 @@
         </p:nvSpPr>
         <p:spPr>
           <a:xfrm>
-            <a:off x="1148798" y="1063417"/>
-            <a:ext cx="8831816" cy="1372986"/>
+            <a:off x="1154954" y="1060704"/>
+            <a:ext cx="8833104" cy="1371600"/>
           </a:xfrm>
+          <a:prstGeom prst="rect">
+            <a:avLst/>
+          </a:prstGeom>
         </p:spPr>
         <p:txBody>
-          <a:bodyPr/>
+          <a:bodyPr anchor="ctr" anchorCtr="0"/>
           <a:lstStyle>
             <a:lvl1pPr>
               <a:defRPr sz="4000"/>
@@ -2447,8 +2410,8 @@
         </p:nvSpPr>
         <p:spPr>
           <a:xfrm>
-            <a:off x="1154954" y="3543300"/>
-            <a:ext cx="8825659" cy="2476500"/>
+            <a:off x="1152144" y="3547872"/>
+            <a:ext cx="8825659" cy="2478024"/>
           </a:xfrm>
         </p:spPr>
         <p:txBody>
@@ -2519,7 +2482,7 @@
           <a:p>
             <a:fld id="{F8164D30-88BB-48DE-B6A4-E99F929B5FDA}" type="datetimeFigureOut">
               <a:rPr lang="es-ES" smtClean="0"/>
-              <a:t>11/05/2024</a:t>
+              <a:t>09/07/2024</a:t>
             </a:fld>
             <a:endParaRPr lang="es-ES"/>
           </a:p>
@@ -2546,7 +2509,7 @@
       </p:sp>
       <p:sp>
         <p:nvSpPr>
-          <p:cNvPr id="13" name="Rectangle 12"/>
+          <p:cNvPr id="11" name="Rectangle 10"/>
           <p:cNvSpPr/>
           <p:nvPr/>
         </p:nvSpPr>
@@ -2606,7 +2569,7 @@
     </p:spTree>
     <p:extLst>
       <p:ext uri="{BB962C8B-B14F-4D97-AF65-F5344CB8AC3E}">
-        <p14:creationId xmlns:p14="http://schemas.microsoft.com/office/powerpoint/2010/main" val="1549415899"/>
+        <p14:creationId xmlns:p14="http://schemas.microsoft.com/office/powerpoint/2010/main" val="3410633289"/>
       </p:ext>
     </p:extLst>
   </p:cSld>
@@ -2635,21 +2598,21 @@
       </p:grpSpPr>
       <p:grpSp>
         <p:nvGrpSpPr>
-          <p:cNvPr id="3" name="Group 2"/>
+          <p:cNvPr id="7" name="Group 6"/>
           <p:cNvGrpSpPr/>
           <p:nvPr/>
         </p:nvGrpSpPr>
         <p:grpSpPr>
           <a:xfrm>
-            <a:off x="0" y="0"/>
-            <a:ext cx="12192000" cy="6858000"/>
-            <a:chOff x="0" y="0"/>
-            <a:chExt cx="12192000" cy="6858000"/>
+            <a:off x="-1588" y="0"/>
+            <a:ext cx="12193588" cy="6861555"/>
+            <a:chOff x="-1588" y="0"/>
+            <a:chExt cx="12193588" cy="6861555"/>
           </a:xfrm>
         </p:grpSpPr>
         <p:sp>
           <p:nvSpPr>
-            <p:cNvPr id="17" name="Rectangle 16"/>
+            <p:cNvPr id="16" name="Rectangle 15"/>
             <p:cNvSpPr/>
             <p:nvPr/>
           </p:nvSpPr>
@@ -2666,14 +2629,15 @@
                 <a:duotone>
                   <a:schemeClr val="dk2">
                     <a:shade val="69000"/>
-                    <a:hueMod val="91000"/>
+                    <a:hueMod val="108000"/>
                     <a:satMod val="164000"/>
                     <a:lumMod val="74000"/>
                   </a:schemeClr>
                   <a:schemeClr val="dk2">
-                    <a:hueMod val="124000"/>
+                    <a:tint val="96000"/>
+                    <a:hueMod val="88000"/>
                     <a:satMod val="140000"/>
-                    <a:lumMod val="142000"/>
+                    <a:lumMod val="132000"/>
                   </a:schemeClr>
                 </a:duotone>
               </a:blip>
@@ -2704,14 +2668,14 @@
         </p:sp>
         <p:sp>
           <p:nvSpPr>
-            <p:cNvPr id="20" name="Oval 19"/>
+            <p:cNvPr id="18" name="Oval 17"/>
             <p:cNvSpPr/>
             <p:nvPr/>
           </p:nvSpPr>
           <p:spPr>
             <a:xfrm>
-              <a:off x="0" y="2667000"/>
-              <a:ext cx="4191000" cy="4191000"/>
+              <a:off x="8761412" y="1828800"/>
+              <a:ext cx="2819400" cy="2819400"/>
             </a:xfrm>
             <a:prstGeom prst="ellipse">
               <a:avLst/>
@@ -2720,17 +2684,17 @@
               <a:gsLst>
                 <a:gs pos="0">
                   <a:schemeClr val="accent5">
-                    <a:alpha val="11000"/>
+                    <a:alpha val="7000"/>
                   </a:schemeClr>
                 </a:gs>
-                <a:gs pos="75000">
+                <a:gs pos="69000">
                   <a:schemeClr val="accent5">
                     <a:alpha val="0"/>
                   </a:schemeClr>
                 </a:gs>
                 <a:gs pos="36000">
                   <a:schemeClr val="accent5">
-                    <a:alpha val="10000"/>
+                    <a:alpha val="6000"/>
                   </a:schemeClr>
                 </a:gs>
               </a:gsLst>
@@ -2761,14 +2725,14 @@
         </p:sp>
         <p:sp>
           <p:nvSpPr>
-            <p:cNvPr id="22" name="Oval 21"/>
+            <p:cNvPr id="19" name="Oval 18"/>
             <p:cNvSpPr/>
             <p:nvPr/>
           </p:nvSpPr>
           <p:spPr>
             <a:xfrm>
-              <a:off x="0" y="2895600"/>
-              <a:ext cx="2362200" cy="2362200"/>
+              <a:off x="8761412" y="5870955"/>
+              <a:ext cx="990600" cy="990600"/>
             </a:xfrm>
             <a:prstGeom prst="ellipse">
               <a:avLst/>
@@ -2777,17 +2741,17 @@
               <a:gsLst>
                 <a:gs pos="0">
                   <a:schemeClr val="accent5">
-                    <a:alpha val="8000"/>
+                    <a:alpha val="14000"/>
                   </a:schemeClr>
                 </a:gs>
-                <a:gs pos="72000">
+                <a:gs pos="66000">
                   <a:schemeClr val="accent5">
                     <a:alpha val="0"/>
                   </a:schemeClr>
                 </a:gs>
                 <a:gs pos="36000">
                   <a:schemeClr val="accent5">
-                    <a:alpha val="8000"/>
+                    <a:alpha val="7000"/>
                   </a:schemeClr>
                 </a:gs>
               </a:gsLst>
@@ -2818,14 +2782,14 @@
         </p:sp>
         <p:sp>
           <p:nvSpPr>
-            <p:cNvPr id="23" name="Oval 22"/>
+            <p:cNvPr id="20" name="Oval 19"/>
             <p:cNvSpPr/>
             <p:nvPr/>
           </p:nvSpPr>
           <p:spPr>
             <a:xfrm>
-              <a:off x="8609012" y="5867400"/>
-              <a:ext cx="990600" cy="990600"/>
+              <a:off x="-1588" y="2667000"/>
+              <a:ext cx="4191000" cy="4191000"/>
             </a:xfrm>
             <a:prstGeom prst="ellipse">
               <a:avLst/>
@@ -2834,17 +2798,17 @@
               <a:gsLst>
                 <a:gs pos="0">
                   <a:schemeClr val="accent5">
-                    <a:alpha val="14000"/>
+                    <a:alpha val="11000"/>
                   </a:schemeClr>
                 </a:gs>
-                <a:gs pos="66000">
+                <a:gs pos="75000">
                   <a:schemeClr val="accent5">
                     <a:alpha val="0"/>
                   </a:schemeClr>
                 </a:gs>
                 <a:gs pos="36000">
                   <a:schemeClr val="accent5">
-                    <a:alpha val="7000"/>
+                    <a:alpha val="10000"/>
                   </a:schemeClr>
                 </a:gs>
               </a:gsLst>
@@ -2875,121 +2839,7 @@
         </p:sp>
         <p:sp>
           <p:nvSpPr>
-            <p:cNvPr id="24" name="Oval 23"/>
-            <p:cNvSpPr/>
-            <p:nvPr/>
-          </p:nvSpPr>
-          <p:spPr>
-            <a:xfrm>
-              <a:off x="8609012" y="1676400"/>
-              <a:ext cx="2819400" cy="2819400"/>
-            </a:xfrm>
-            <a:prstGeom prst="ellipse">
-              <a:avLst/>
-            </a:prstGeom>
-            <a:gradFill flip="none" rotWithShape="1">
-              <a:gsLst>
-                <a:gs pos="0">
-                  <a:schemeClr val="accent5">
-                    <a:alpha val="7000"/>
-                  </a:schemeClr>
-                </a:gs>
-                <a:gs pos="69000">
-                  <a:schemeClr val="accent5">
-                    <a:alpha val="0"/>
-                  </a:schemeClr>
-                </a:gs>
-                <a:gs pos="36000">
-                  <a:schemeClr val="accent5">
-                    <a:alpha val="6000"/>
-                  </a:schemeClr>
-                </a:gs>
-              </a:gsLst>
-              <a:path path="circle">
-                <a:fillToRect l="50000" t="50000" r="50000" b="50000"/>
-              </a:path>
-              <a:tileRect/>
-            </a:gradFill>
-            <a:ln>
-              <a:noFill/>
-            </a:ln>
-            <a:effectLst/>
-          </p:spPr>
-          <p:style>
-            <a:lnRef idx="1">
-              <a:schemeClr val="accent1"/>
-            </a:lnRef>
-            <a:fillRef idx="3">
-              <a:schemeClr val="accent1"/>
-            </a:fillRef>
-            <a:effectRef idx="2">
-              <a:schemeClr val="accent1"/>
-            </a:effectRef>
-            <a:fontRef idx="minor">
-              <a:schemeClr val="lt1"/>
-            </a:fontRef>
-          </p:style>
-        </p:sp>
-        <p:sp>
-          <p:nvSpPr>
-            <p:cNvPr id="25" name="Oval 24"/>
-            <p:cNvSpPr/>
-            <p:nvPr/>
-          </p:nvSpPr>
-          <p:spPr>
-            <a:xfrm>
-              <a:off x="7999412" y="8464"/>
-              <a:ext cx="1600200" cy="1600200"/>
-            </a:xfrm>
-            <a:prstGeom prst="ellipse">
-              <a:avLst/>
-            </a:prstGeom>
-            <a:gradFill flip="none" rotWithShape="1">
-              <a:gsLst>
-                <a:gs pos="0">
-                  <a:schemeClr val="accent5">
-                    <a:alpha val="14000"/>
-                  </a:schemeClr>
-                </a:gs>
-                <a:gs pos="73000">
-                  <a:schemeClr val="accent5">
-                    <a:alpha val="0"/>
-                  </a:schemeClr>
-                </a:gs>
-                <a:gs pos="36000">
-                  <a:schemeClr val="accent5">
-                    <a:alpha val="7000"/>
-                  </a:schemeClr>
-                </a:gs>
-              </a:gsLst>
-              <a:path path="circle">
-                <a:fillToRect l="50000" t="50000" r="50000" b="50000"/>
-              </a:path>
-              <a:tileRect/>
-            </a:gradFill>
-            <a:ln>
-              <a:noFill/>
-            </a:ln>
-            <a:effectLst/>
-          </p:spPr>
-          <p:style>
-            <a:lnRef idx="1">
-              <a:schemeClr val="accent1"/>
-            </a:lnRef>
-            <a:fillRef idx="3">
-              <a:schemeClr val="accent1"/>
-            </a:fillRef>
-            <a:effectRef idx="2">
-              <a:schemeClr val="accent1"/>
-            </a:effectRef>
-            <a:fontRef idx="minor">
-              <a:schemeClr val="lt1"/>
-            </a:fontRef>
-          </p:style>
-        </p:sp>
-        <p:sp>
-          <p:nvSpPr>
-            <p:cNvPr id="21" name="Freeform 5"/>
+            <p:cNvPr id="13" name="Freeform 5"/>
             <p:cNvSpPr/>
             <p:nvPr/>
           </p:nvSpPr>
@@ -3136,7 +2986,7 @@
         </p:sp>
         <p:sp>
           <p:nvSpPr>
-            <p:cNvPr id="12" name="Freeform 5"/>
+            <p:cNvPr id="14" name="Freeform 5"/>
             <p:cNvSpPr/>
             <p:nvPr/>
           </p:nvSpPr>
@@ -3320,7 +3170,7 @@
         </p:sp>
         <p:sp>
           <p:nvSpPr>
-            <p:cNvPr id="18" name="Freeform 5"/>
+            <p:cNvPr id="17" name="Freeform 5"/>
             <p:cNvSpPr>
               <a:spLocks noEditPoints="1"/>
             </p:cNvSpPr>
@@ -3385,13 +3235,13 @@
       </p:grpSp>
       <p:sp>
         <p:nvSpPr>
-          <p:cNvPr id="16" name="TextBox 15"/>
+          <p:cNvPr id="12" name="TextBox 11"/>
           <p:cNvSpPr txBox="1"/>
           <p:nvPr/>
         </p:nvSpPr>
         <p:spPr bwMode="gray">
           <a:xfrm>
-            <a:off x="881566" y="607336"/>
+            <a:off x="898295" y="596767"/>
             <a:ext cx="801912" cy="1569660"/>
           </a:xfrm>
           <a:prstGeom prst="rect">
@@ -3403,19 +3253,33 @@
           <a:bodyPr wrap="square" rtlCol="0">
             <a:spAutoFit/>
           </a:bodyPr>
-          <a:lstStyle/>
-          <a:p>
-            <a:pPr algn="r"/>
-            <a:r>
-              <a:rPr lang="en-US" sz="9600" b="0" i="0" dirty="0">
+          <a:lstStyle>
+            <a:defPPr>
+              <a:defRPr lang="en-US"/>
+            </a:defPPr>
+            <a:lvl1pPr algn="r">
+              <a:defRPr sz="12200" b="0" i="0">
                 <a:solidFill>
-                  <a:schemeClr val="accent1">
-                    <a:lumMod val="60000"/>
-                    <a:lumOff val="40000"/>
+                  <a:schemeClr val="bg2">
+                    <a:lumMod val="40000"/>
+                    <a:lumOff val="60000"/>
                   </a:schemeClr>
                 </a:solidFill>
                 <a:latin typeface="Arial"/>
                 <a:cs typeface="Arial"/>
+              </a:defRPr>
+            </a:lvl1pPr>
+          </a:lstStyle>
+          <a:p>
+            <a:pPr lvl="0"/>
+            <a:r>
+              <a:rPr lang="en-US" sz="9600" dirty="0">
+                <a:solidFill>
+                  <a:schemeClr val="tx2">
+                    <a:lumMod val="40000"/>
+                    <a:lumOff val="60000"/>
+                  </a:schemeClr>
+                </a:solidFill>
               </a:rPr>
               <a:t>“</a:t>
             </a:r>
@@ -3424,14 +3288,14 @@
       </p:sp>
       <p:sp>
         <p:nvSpPr>
-          <p:cNvPr id="13" name="TextBox 12"/>
+          <p:cNvPr id="15" name="TextBox 14"/>
           <p:cNvSpPr txBox="1"/>
           <p:nvPr/>
         </p:nvSpPr>
         <p:spPr bwMode="gray">
           <a:xfrm>
-            <a:off x="9884458" y="2613787"/>
-            <a:ext cx="652763" cy="1569660"/>
+            <a:off x="9715063" y="2629300"/>
+            <a:ext cx="801912" cy="1569660"/>
           </a:xfrm>
           <a:prstGeom prst="rect">
             <a:avLst/>
@@ -3442,19 +3306,33 @@
           <a:bodyPr wrap="square" rtlCol="0">
             <a:spAutoFit/>
           </a:bodyPr>
-          <a:lstStyle/>
-          <a:p>
-            <a:pPr algn="r"/>
-            <a:r>
-              <a:rPr lang="en-US" sz="9600" b="0" i="0" dirty="0">
+          <a:lstStyle>
+            <a:defPPr>
+              <a:defRPr lang="en-US"/>
+            </a:defPPr>
+            <a:lvl1pPr algn="r">
+              <a:defRPr sz="12200" b="0" i="0">
                 <a:solidFill>
-                  <a:schemeClr val="accent1">
-                    <a:lumMod val="60000"/>
-                    <a:lumOff val="40000"/>
+                  <a:schemeClr val="bg2">
+                    <a:lumMod val="40000"/>
+                    <a:lumOff val="60000"/>
                   </a:schemeClr>
                 </a:solidFill>
                 <a:latin typeface="Arial"/>
                 <a:cs typeface="Arial"/>
+              </a:defRPr>
+            </a:lvl1pPr>
+          </a:lstStyle>
+          <a:p>
+            <a:pPr lvl="0"/>
+            <a:r>
+              <a:rPr lang="en-US" sz="9600" dirty="0">
+                <a:solidFill>
+                  <a:schemeClr val="tx2">
+                    <a:lumMod val="40000"/>
+                    <a:lumOff val="60000"/>
+                  </a:schemeClr>
+                </a:solidFill>
               </a:rPr>
               <a:t>”</a:t>
             </a:r>
@@ -3473,12 +3351,15 @@
         </p:nvSpPr>
         <p:spPr>
           <a:xfrm>
-            <a:off x="1581878" y="982134"/>
-            <a:ext cx="8453906" cy="2696632"/>
+            <a:off x="1574801" y="980517"/>
+            <a:ext cx="8460983" cy="2698249"/>
           </a:xfrm>
+          <a:prstGeom prst="rect">
+            <a:avLst/>
+          </a:prstGeom>
         </p:spPr>
         <p:txBody>
-          <a:bodyPr/>
+          <a:bodyPr anchor="ctr" anchorCtr="0"/>
           <a:lstStyle>
             <a:lvl1pPr>
               <a:defRPr sz="4000"/>
@@ -3495,73 +3376,42 @@
       </p:sp>
       <p:sp>
         <p:nvSpPr>
-          <p:cNvPr id="14" name="Text Placeholder 3"/>
+          <p:cNvPr id="11" name="Text Placeholder 3"/>
           <p:cNvSpPr>
             <a:spLocks noGrp="1"/>
           </p:cNvSpPr>
           <p:nvPr>
-            <p:ph type="body" sz="half" idx="13"/>
+            <p:ph type="body" sz="half" idx="14"/>
           </p:nvPr>
         </p:nvSpPr>
         <p:spPr bwMode="gray">
           <a:xfrm>
-            <a:off x="1945945" y="3678766"/>
-            <a:ext cx="7731219" cy="342174"/>
+            <a:off x="1945945" y="3679987"/>
+            <a:ext cx="7725772" cy="342174"/>
           </a:xfrm>
         </p:spPr>
         <p:txBody>
-          <a:bodyPr anchor="t">
+          <a:bodyPr vert="horz" lIns="91440" tIns="45720" rIns="91440" bIns="45720" rtlCol="0" anchor="t">
             <a:normAutofit/>
           </a:bodyPr>
           <a:lstStyle>
-            <a:lvl1pPr marL="0" indent="0">
-              <a:buNone/>
-              <a:defRPr lang="en-US" sz="1400" b="0" i="0" kern="1200" cap="small" dirty="0">
+            <a:lvl1pPr>
+              <a:buNone/>
+              <a:defRPr lang="en-US" sz="1400" cap="small" dirty="0">
                 <a:solidFill>
-                  <a:schemeClr val="accent1">
-                    <a:lumMod val="60000"/>
-                    <a:lumOff val="40000"/>
+                  <a:schemeClr val="tx2">
+                    <a:lumMod val="40000"/>
+                    <a:lumOff val="60000"/>
                   </a:schemeClr>
                 </a:solidFill>
                 <a:latin typeface="+mn-lt"/>
-                <a:ea typeface="+mn-ea"/>
               </a:defRPr>
             </a:lvl1pPr>
-            <a:lvl2pPr marL="457200" indent="0">
-              <a:buNone/>
-              <a:defRPr sz="1200"/>
-            </a:lvl2pPr>
-            <a:lvl3pPr marL="914400" indent="0">
-              <a:buNone/>
-              <a:defRPr sz="1000"/>
-            </a:lvl3pPr>
-            <a:lvl4pPr marL="1371600" indent="0">
-              <a:buNone/>
-              <a:defRPr sz="900"/>
-            </a:lvl4pPr>
-            <a:lvl5pPr marL="1828800" indent="0">
-              <a:buNone/>
-              <a:defRPr sz="900"/>
-            </a:lvl5pPr>
-            <a:lvl6pPr marL="2286000" indent="0">
-              <a:buNone/>
-              <a:defRPr sz="900"/>
-            </a:lvl6pPr>
-            <a:lvl7pPr marL="2743200" indent="0">
-              <a:buNone/>
-              <a:defRPr sz="900"/>
-            </a:lvl7pPr>
-            <a:lvl8pPr marL="3200400" indent="0">
-              <a:buNone/>
-              <a:defRPr sz="900"/>
-            </a:lvl8pPr>
-            <a:lvl9pPr marL="3657600" indent="0">
-              <a:buNone/>
-              <a:defRPr sz="900"/>
-            </a:lvl9pPr>
           </a:lstStyle>
           <a:p>
-            <a:pPr lvl="0"/>
+            <a:pPr marL="0" lvl="0" indent="0">
+              <a:buNone/>
+            </a:pPr>
             <a:r>
               <a:rPr lang="es-MX"/>
               <a:t>Haga clic para modificar los estilos de texto del patrón</a:t>
@@ -3581,8 +3431,8 @@
         </p:nvSpPr>
         <p:spPr>
           <a:xfrm>
-            <a:off x="1154954" y="5029199"/>
-            <a:ext cx="9244897" cy="997857"/>
+            <a:off x="1154954" y="5029198"/>
+            <a:ext cx="8825659" cy="997858"/>
           </a:xfrm>
         </p:spPr>
         <p:txBody>
@@ -3653,7 +3503,7 @@
           <a:p>
             <a:fld id="{F8164D30-88BB-48DE-B6A4-E99F929B5FDA}" type="datetimeFigureOut">
               <a:rPr lang="es-ES" smtClean="0"/>
-              <a:t>11/05/2024</a:t>
+              <a:t>09/07/2024</a:t>
             </a:fld>
             <a:endParaRPr lang="es-ES"/>
           </a:p>
@@ -3680,7 +3530,7 @@
       </p:sp>
       <p:sp>
         <p:nvSpPr>
-          <p:cNvPr id="19" name="Rectangle 18"/>
+          <p:cNvPr id="23" name="Rectangle 22"/>
           <p:cNvSpPr/>
           <p:nvPr/>
         </p:nvSpPr>
@@ -3740,7 +3590,7 @@
     </p:spTree>
     <p:extLst>
       <p:ext uri="{BB962C8B-B14F-4D97-AF65-F5344CB8AC3E}">
-        <p14:creationId xmlns:p14="http://schemas.microsoft.com/office/powerpoint/2010/main" val="1290231611"/>
+        <p14:creationId xmlns:p14="http://schemas.microsoft.com/office/powerpoint/2010/main" val="2175186026"/>
       </p:ext>
     </p:extLst>
   </p:cSld>
@@ -3769,16 +3619,16 @@
       </p:grpSpPr>
       <p:grpSp>
         <p:nvGrpSpPr>
-          <p:cNvPr id="9" name="Group 8"/>
+          <p:cNvPr id="16" name="Group 15"/>
           <p:cNvGrpSpPr/>
           <p:nvPr/>
         </p:nvGrpSpPr>
         <p:grpSpPr>
           <a:xfrm>
-            <a:off x="0" y="0"/>
-            <a:ext cx="12192000" cy="6858000"/>
-            <a:chOff x="0" y="0"/>
-            <a:chExt cx="12192000" cy="6858000"/>
+            <a:off x="-1588" y="0"/>
+            <a:ext cx="12193588" cy="6861555"/>
+            <a:chOff x="-1588" y="0"/>
+            <a:chExt cx="12193588" cy="6861555"/>
           </a:xfrm>
         </p:grpSpPr>
         <p:sp>
@@ -3800,14 +3650,15 @@
                 <a:duotone>
                   <a:schemeClr val="dk2">
                     <a:shade val="69000"/>
-                    <a:hueMod val="91000"/>
+                    <a:hueMod val="108000"/>
                     <a:satMod val="164000"/>
                     <a:lumMod val="74000"/>
                   </a:schemeClr>
                   <a:schemeClr val="dk2">
-                    <a:hueMod val="124000"/>
+                    <a:tint val="96000"/>
+                    <a:hueMod val="88000"/>
                     <a:satMod val="140000"/>
-                    <a:lumMod val="142000"/>
+                    <a:lumMod val="132000"/>
                   </a:schemeClr>
                 </a:duotone>
               </a:blip>
@@ -3838,14 +3689,14 @@
         </p:sp>
         <p:sp>
           <p:nvSpPr>
-            <p:cNvPr id="15" name="Oval 14"/>
+            <p:cNvPr id="13" name="Oval 12"/>
             <p:cNvSpPr/>
             <p:nvPr/>
           </p:nvSpPr>
           <p:spPr>
             <a:xfrm>
-              <a:off x="0" y="2667000"/>
-              <a:ext cx="4191000" cy="4191000"/>
+              <a:off x="8761412" y="1828800"/>
+              <a:ext cx="2819400" cy="2819400"/>
             </a:xfrm>
             <a:prstGeom prst="ellipse">
               <a:avLst/>
@@ -3854,17 +3705,17 @@
               <a:gsLst>
                 <a:gs pos="0">
                   <a:schemeClr val="accent5">
-                    <a:alpha val="11000"/>
+                    <a:alpha val="7000"/>
                   </a:schemeClr>
                 </a:gs>
-                <a:gs pos="75000">
+                <a:gs pos="69000">
                   <a:schemeClr val="accent5">
                     <a:alpha val="0"/>
                   </a:schemeClr>
                 </a:gs>
                 <a:gs pos="36000">
                   <a:schemeClr val="accent5">
-                    <a:alpha val="10000"/>
+                    <a:alpha val="6000"/>
                   </a:schemeClr>
                 </a:gs>
               </a:gsLst>
@@ -3895,14 +3746,14 @@
         </p:sp>
         <p:sp>
           <p:nvSpPr>
-            <p:cNvPr id="16" name="Oval 15"/>
+            <p:cNvPr id="14" name="Oval 13"/>
             <p:cNvSpPr/>
             <p:nvPr/>
           </p:nvSpPr>
           <p:spPr>
             <a:xfrm>
-              <a:off x="0" y="2895600"/>
-              <a:ext cx="2362200" cy="2362200"/>
+              <a:off x="8761412" y="5870955"/>
+              <a:ext cx="990600" cy="990600"/>
             </a:xfrm>
             <a:prstGeom prst="ellipse">
               <a:avLst/>
@@ -3911,17 +3762,17 @@
               <a:gsLst>
                 <a:gs pos="0">
                   <a:schemeClr val="accent5">
-                    <a:alpha val="8000"/>
+                    <a:alpha val="14000"/>
                   </a:schemeClr>
                 </a:gs>
-                <a:gs pos="72000">
+                <a:gs pos="66000">
                   <a:schemeClr val="accent5">
                     <a:alpha val="0"/>
                   </a:schemeClr>
                 </a:gs>
                 <a:gs pos="36000">
                   <a:schemeClr val="accent5">
-                    <a:alpha val="8000"/>
+                    <a:alpha val="7000"/>
                   </a:schemeClr>
                 </a:gs>
               </a:gsLst>
@@ -3952,14 +3803,14 @@
         </p:sp>
         <p:sp>
           <p:nvSpPr>
-            <p:cNvPr id="17" name="Oval 16"/>
+            <p:cNvPr id="15" name="Oval 14"/>
             <p:cNvSpPr/>
             <p:nvPr/>
           </p:nvSpPr>
           <p:spPr>
             <a:xfrm>
-              <a:off x="8609012" y="5867400"/>
-              <a:ext cx="990600" cy="990600"/>
+              <a:off x="-1588" y="2667000"/>
+              <a:ext cx="4191000" cy="4191000"/>
             </a:xfrm>
             <a:prstGeom prst="ellipse">
               <a:avLst/>
@@ -3968,17 +3819,17 @@
               <a:gsLst>
                 <a:gs pos="0">
                   <a:schemeClr val="accent5">
-                    <a:alpha val="14000"/>
+                    <a:alpha val="11000"/>
                   </a:schemeClr>
                 </a:gs>
-                <a:gs pos="66000">
+                <a:gs pos="75000">
                   <a:schemeClr val="accent5">
                     <a:alpha val="0"/>
                   </a:schemeClr>
                 </a:gs>
                 <a:gs pos="36000">
                   <a:schemeClr val="accent5">
-                    <a:alpha val="7000"/>
+                    <a:alpha val="10000"/>
                   </a:schemeClr>
                 </a:gs>
               </a:gsLst>
@@ -4009,121 +3860,7 @@
         </p:sp>
         <p:sp>
           <p:nvSpPr>
-            <p:cNvPr id="18" name="Oval 17"/>
-            <p:cNvSpPr/>
-            <p:nvPr/>
-          </p:nvSpPr>
-          <p:spPr>
-            <a:xfrm>
-              <a:off x="8609012" y="1676400"/>
-              <a:ext cx="2819400" cy="2819400"/>
-            </a:xfrm>
-            <a:prstGeom prst="ellipse">
-              <a:avLst/>
-            </a:prstGeom>
-            <a:gradFill flip="none" rotWithShape="1">
-              <a:gsLst>
-                <a:gs pos="0">
-                  <a:schemeClr val="accent5">
-                    <a:alpha val="7000"/>
-                  </a:schemeClr>
-                </a:gs>
-                <a:gs pos="69000">
-                  <a:schemeClr val="accent5">
-                    <a:alpha val="0"/>
-                  </a:schemeClr>
-                </a:gs>
-                <a:gs pos="36000">
-                  <a:schemeClr val="accent5">
-                    <a:alpha val="6000"/>
-                  </a:schemeClr>
-                </a:gs>
-              </a:gsLst>
-              <a:path path="circle">
-                <a:fillToRect l="50000" t="50000" r="50000" b="50000"/>
-              </a:path>
-              <a:tileRect/>
-            </a:gradFill>
-            <a:ln>
-              <a:noFill/>
-            </a:ln>
-            <a:effectLst/>
-          </p:spPr>
-          <p:style>
-            <a:lnRef idx="1">
-              <a:schemeClr val="accent1"/>
-            </a:lnRef>
-            <a:fillRef idx="3">
-              <a:schemeClr val="accent1"/>
-            </a:fillRef>
-            <a:effectRef idx="2">
-              <a:schemeClr val="accent1"/>
-            </a:effectRef>
-            <a:fontRef idx="minor">
-              <a:schemeClr val="lt1"/>
-            </a:fontRef>
-          </p:style>
-        </p:sp>
-        <p:sp>
-          <p:nvSpPr>
-            <p:cNvPr id="19" name="Oval 18"/>
-            <p:cNvSpPr/>
-            <p:nvPr/>
-          </p:nvSpPr>
-          <p:spPr>
-            <a:xfrm>
-              <a:off x="7999412" y="8464"/>
-              <a:ext cx="1600200" cy="1600200"/>
-            </a:xfrm>
-            <a:prstGeom prst="ellipse">
-              <a:avLst/>
-            </a:prstGeom>
-            <a:gradFill flip="none" rotWithShape="1">
-              <a:gsLst>
-                <a:gs pos="0">
-                  <a:schemeClr val="accent5">
-                    <a:alpha val="14000"/>
-                  </a:schemeClr>
-                </a:gs>
-                <a:gs pos="73000">
-                  <a:schemeClr val="accent5">
-                    <a:alpha val="0"/>
-                  </a:schemeClr>
-                </a:gs>
-                <a:gs pos="36000">
-                  <a:schemeClr val="accent5">
-                    <a:alpha val="7000"/>
-                  </a:schemeClr>
-                </a:gs>
-              </a:gsLst>
-              <a:path path="circle">
-                <a:fillToRect l="50000" t="50000" r="50000" b="50000"/>
-              </a:path>
-              <a:tileRect/>
-            </a:gradFill>
-            <a:ln>
-              <a:noFill/>
-            </a:ln>
-            <a:effectLst/>
-          </p:spPr>
-          <p:style>
-            <a:lnRef idx="1">
-              <a:schemeClr val="accent1"/>
-            </a:lnRef>
-            <a:fillRef idx="3">
-              <a:schemeClr val="accent1"/>
-            </a:fillRef>
-            <a:effectRef idx="2">
-              <a:schemeClr val="accent1"/>
-            </a:effectRef>
-            <a:fontRef idx="minor">
-              <a:schemeClr val="lt1"/>
-            </a:fontRef>
-          </p:style>
-        </p:sp>
-        <p:sp>
-          <p:nvSpPr>
-            <p:cNvPr id="13" name="Freeform 5"/>
+            <p:cNvPr id="7" name="Freeform 5"/>
             <p:cNvSpPr/>
             <p:nvPr/>
           </p:nvSpPr>
@@ -4529,9 +4266,12 @@
         </p:nvSpPr>
         <p:spPr>
           <a:xfrm>
-            <a:off x="1154954" y="2370667"/>
-            <a:ext cx="8825660" cy="1822514"/>
+            <a:off x="1154954" y="2373525"/>
+            <a:ext cx="8865623" cy="1819656"/>
           </a:xfrm>
+          <a:prstGeom prst="rect">
+            <a:avLst/>
+          </a:prstGeom>
         </p:spPr>
         <p:txBody>
           <a:bodyPr anchor="b"/>
@@ -4561,7 +4301,7 @@
         </p:nvSpPr>
         <p:spPr>
           <a:xfrm>
-            <a:off x="1154954" y="5024967"/>
+            <a:off x="1154954" y="5029200"/>
             <a:ext cx="8825659" cy="860400"/>
           </a:xfrm>
         </p:spPr>
@@ -4572,10 +4312,7 @@
               <a:buNone/>
               <a:defRPr sz="2000" cap="none">
                 <a:solidFill>
-                  <a:schemeClr val="accent1">
-                    <a:lumMod val="60000"/>
-                    <a:lumOff val="40000"/>
-                  </a:schemeClr>
+                  <a:schemeClr val="accent1"/>
                 </a:solidFill>
               </a:defRPr>
             </a:lvl1pPr>
@@ -4686,7 +4423,7 @@
           <a:p>
             <a:fld id="{F8164D30-88BB-48DE-B6A4-E99F929B5FDA}" type="datetimeFigureOut">
               <a:rPr lang="es-ES" smtClean="0"/>
-              <a:t>11/05/2024</a:t>
+              <a:t>09/07/2024</a:t>
             </a:fld>
             <a:endParaRPr lang="es-ES"/>
           </a:p>
@@ -4713,7 +4450,7 @@
       </p:sp>
       <p:sp>
         <p:nvSpPr>
-          <p:cNvPr id="14" name="Rectangle 13"/>
+          <p:cNvPr id="10" name="Rectangle 9"/>
           <p:cNvSpPr/>
           <p:nvPr/>
         </p:nvSpPr>
@@ -4773,7 +4510,7 @@
     </p:spTree>
     <p:extLst>
       <p:ext uri="{BB962C8B-B14F-4D97-AF65-F5344CB8AC3E}">
-        <p14:creationId xmlns:p14="http://schemas.microsoft.com/office/powerpoint/2010/main" val="2471825503"/>
+        <p14:creationId xmlns:p14="http://schemas.microsoft.com/office/powerpoint/2010/main" val="2288455105"/>
       </p:ext>
     </p:extLst>
   </p:cSld>
@@ -4815,6 +4552,9 @@
             <a:off x="1154954" y="973668"/>
             <a:ext cx="8825659" cy="706964"/>
           </a:xfrm>
+          <a:prstGeom prst="rect">
+            <a:avLst/>
+          </a:prstGeom>
         </p:spPr>
         <p:txBody>
           <a:bodyPr/>
@@ -4844,8 +4584,8 @@
         </p:nvSpPr>
         <p:spPr>
           <a:xfrm>
-            <a:off x="1154954" y="2603502"/>
-            <a:ext cx="3141878" cy="576262"/>
+            <a:off x="1154954" y="2603500"/>
+            <a:ext cx="3129168" cy="576261"/>
           </a:xfrm>
         </p:spPr>
         <p:txBody>
@@ -4857,10 +4597,7 @@
               <a:buNone/>
               <a:defRPr sz="2400" b="0">
                 <a:solidFill>
-                  <a:schemeClr val="accent1">
-                    <a:lumMod val="60000"/>
-                    <a:lumOff val="40000"/>
-                  </a:schemeClr>
+                  <a:schemeClr val="accent1"/>
                 </a:solidFill>
               </a:defRPr>
             </a:lvl1pPr>
@@ -4918,8 +4655,8 @@
         </p:nvSpPr>
         <p:spPr>
           <a:xfrm>
-            <a:off x="1154953" y="3179764"/>
-            <a:ext cx="3141879" cy="2847293"/>
+            <a:off x="1154954" y="3179764"/>
+            <a:ext cx="3129168" cy="2847290"/>
           </a:xfrm>
         </p:spPr>
         <p:txBody>
@@ -4986,7 +4723,7 @@
         <p:spPr>
           <a:xfrm>
             <a:off x="4512721" y="2603500"/>
-            <a:ext cx="3147009" cy="576262"/>
+            <a:ext cx="3145380" cy="576261"/>
           </a:xfrm>
         </p:spPr>
         <p:txBody>
@@ -4998,10 +4735,7 @@
               <a:buNone/>
               <a:defRPr sz="2400" b="0">
                 <a:solidFill>
-                  <a:schemeClr val="accent1">
-                    <a:lumMod val="60000"/>
-                    <a:lumOff val="40000"/>
-                  </a:schemeClr>
+                  <a:schemeClr val="accent1"/>
                 </a:solidFill>
               </a:defRPr>
             </a:lvl1pPr>
@@ -5059,8 +4793,8 @@
         </p:nvSpPr>
         <p:spPr>
           <a:xfrm>
-            <a:off x="4512721" y="3179763"/>
-            <a:ext cx="3147009" cy="2847293"/>
+            <a:off x="4512721" y="3179764"/>
+            <a:ext cx="3145380" cy="2847290"/>
           </a:xfrm>
         </p:spPr>
         <p:txBody>
@@ -5126,8 +4860,8 @@
         </p:nvSpPr>
         <p:spPr>
           <a:xfrm>
-            <a:off x="7888135" y="2603501"/>
-            <a:ext cx="3145730" cy="576262"/>
+            <a:off x="7886700" y="2595032"/>
+            <a:ext cx="3161029" cy="584732"/>
           </a:xfrm>
         </p:spPr>
         <p:txBody>
@@ -5139,10 +4873,7 @@
               <a:buNone/>
               <a:defRPr sz="2400" b="0">
                 <a:solidFill>
-                  <a:schemeClr val="accent1">
-                    <a:lumMod val="60000"/>
-                    <a:lumOff val="40000"/>
-                  </a:schemeClr>
+                  <a:schemeClr val="accent1"/>
                 </a:solidFill>
               </a:defRPr>
             </a:lvl1pPr>
@@ -5200,8 +4931,8 @@
         </p:nvSpPr>
         <p:spPr>
           <a:xfrm>
-            <a:off x="7888329" y="3179762"/>
-            <a:ext cx="3145536" cy="2847293"/>
+            <a:off x="7886700" y="3179764"/>
+            <a:ext cx="3161029" cy="2847290"/>
           </a:xfrm>
         </p:spPr>
         <p:txBody>
@@ -5263,15 +4994,16 @@
         </p:nvCxnSpPr>
         <p:spPr>
           <a:xfrm>
-            <a:off x="4403971" y="2569633"/>
-            <a:ext cx="0" cy="3492499"/>
+            <a:off x="4384991" y="2603500"/>
+            <a:ext cx="32564" cy="3423554"/>
           </a:xfrm>
           <a:prstGeom prst="line">
             <a:avLst/>
           </a:prstGeom>
           <a:ln w="12700" cmpd="sng">
             <a:solidFill>
-              <a:schemeClr val="accent1">
+              <a:schemeClr val="tx1">
+                <a:lumMod val="75000"/>
                 <a:alpha val="40000"/>
               </a:schemeClr>
             </a:solidFill>
@@ -5300,15 +5032,16 @@
         </p:nvCxnSpPr>
         <p:spPr>
           <a:xfrm>
-            <a:off x="7772401" y="2569633"/>
-            <a:ext cx="0" cy="3492499"/>
+            <a:off x="7775824" y="2603500"/>
+            <a:ext cx="0" cy="3423554"/>
           </a:xfrm>
           <a:prstGeom prst="line">
             <a:avLst/>
           </a:prstGeom>
           <a:ln w="12700" cmpd="sng">
             <a:solidFill>
-              <a:schemeClr val="accent1">
+              <a:schemeClr val="tx1">
+                <a:lumMod val="75000"/>
                 <a:alpha val="40000"/>
               </a:schemeClr>
             </a:solidFill>
@@ -5346,7 +5079,7 @@
           <a:p>
             <a:fld id="{F8164D30-88BB-48DE-B6A4-E99F929B5FDA}" type="datetimeFigureOut">
               <a:rPr lang="es-ES" smtClean="0"/>
-              <a:t>11/05/2024</a:t>
+              <a:t>09/07/2024</a:t>
             </a:fld>
             <a:endParaRPr lang="es-ES"/>
           </a:p>
@@ -5397,7 +5130,7 @@
     </p:spTree>
     <p:extLst>
       <p:ext uri="{BB962C8B-B14F-4D97-AF65-F5344CB8AC3E}">
-        <p14:creationId xmlns:p14="http://schemas.microsoft.com/office/powerpoint/2010/main" val="3177213901"/>
+        <p14:creationId xmlns:p14="http://schemas.microsoft.com/office/powerpoint/2010/main" val="665904363"/>
       </p:ext>
     </p:extLst>
   </p:cSld>
@@ -5439,9 +5172,12 @@
             <a:off x="1154954" y="973668"/>
             <a:ext cx="8825659" cy="706964"/>
           </a:xfrm>
+          <a:prstGeom prst="rect">
+            <a:avLst/>
+          </a:prstGeom>
         </p:spPr>
         <p:txBody>
-          <a:bodyPr/>
+          <a:bodyPr anchor="ctr" anchorCtr="0"/>
           <a:lstStyle>
             <a:lvl1pPr>
               <a:defRPr sz="3600"/>
@@ -5468,7 +5204,224 @@
         </p:nvSpPr>
         <p:spPr>
           <a:xfrm>
-            <a:off x="1154954" y="4532844"/>
+            <a:off x="1154954" y="4532845"/>
+            <a:ext cx="3050438" cy="576260"/>
+          </a:xfrm>
+        </p:spPr>
+        <p:txBody>
+          <a:bodyPr anchor="b">
+            <a:noAutofit/>
+          </a:bodyPr>
+          <a:lstStyle>
+            <a:lvl1pPr marL="0" indent="0">
+              <a:buNone/>
+              <a:defRPr sz="2400" b="0">
+                <a:solidFill>
+                  <a:schemeClr val="accent1"/>
+                </a:solidFill>
+              </a:defRPr>
+            </a:lvl1pPr>
+            <a:lvl2pPr marL="457200" indent="0">
+              <a:buNone/>
+              <a:defRPr sz="2000" b="1"/>
+            </a:lvl2pPr>
+            <a:lvl3pPr marL="914400" indent="0">
+              <a:buNone/>
+              <a:defRPr sz="1800" b="1"/>
+            </a:lvl3pPr>
+            <a:lvl4pPr marL="1371600" indent="0">
+              <a:buNone/>
+              <a:defRPr sz="1600" b="1"/>
+            </a:lvl4pPr>
+            <a:lvl5pPr marL="1828800" indent="0">
+              <a:buNone/>
+              <a:defRPr sz="1600" b="1"/>
+            </a:lvl5pPr>
+            <a:lvl6pPr marL="2286000" indent="0">
+              <a:buNone/>
+              <a:defRPr sz="1600" b="1"/>
+            </a:lvl6pPr>
+            <a:lvl7pPr marL="2743200" indent="0">
+              <a:buNone/>
+              <a:defRPr sz="1600" b="1"/>
+            </a:lvl7pPr>
+            <a:lvl8pPr marL="3200400" indent="0">
+              <a:buNone/>
+              <a:defRPr sz="1600" b="1"/>
+            </a:lvl8pPr>
+            <a:lvl9pPr marL="3657600" indent="0">
+              <a:buNone/>
+              <a:defRPr sz="1600" b="1"/>
+            </a:lvl9pPr>
+          </a:lstStyle>
+          <a:p>
+            <a:pPr lvl="0"/>
+            <a:r>
+              <a:rPr lang="es-MX"/>
+              <a:t>Haga clic para modificar los estilos de texto del patrón</a:t>
+            </a:r>
+          </a:p>
+        </p:txBody>
+      </p:sp>
+      <p:sp>
+        <p:nvSpPr>
+          <p:cNvPr id="29" name="Picture Placeholder 2"/>
+          <p:cNvSpPr>
+            <a:spLocks noGrp="1" noChangeAspect="1"/>
+          </p:cNvSpPr>
+          <p:nvPr>
+            <p:ph type="pic" idx="15"/>
+          </p:nvPr>
+        </p:nvSpPr>
+        <p:spPr>
+          <a:xfrm>
+            <a:off x="1334552" y="2610916"/>
+            <a:ext cx="2691242" cy="1584094"/>
+          </a:xfrm>
+          <a:prstGeom prst="roundRect">
+            <a:avLst>
+              <a:gd name="adj" fmla="val 1858"/>
+            </a:avLst>
+          </a:prstGeom>
+          <a:effectLst>
+            <a:outerShdw blurRad="50800" dist="50800" dir="5400000" algn="tl" rotWithShape="0">
+              <a:srgbClr val="000000">
+                <a:alpha val="43000"/>
+              </a:srgbClr>
+            </a:outerShdw>
+          </a:effectLst>
+        </p:spPr>
+        <p:txBody>
+          <a:bodyPr anchor="t">
+            <a:normAutofit/>
+          </a:bodyPr>
+          <a:lstStyle>
+            <a:lvl1pPr marL="0" indent="0" algn="ctr">
+              <a:buNone/>
+              <a:defRPr sz="1600"/>
+            </a:lvl1pPr>
+            <a:lvl2pPr marL="457200" indent="0">
+              <a:buNone/>
+              <a:defRPr sz="1600"/>
+            </a:lvl2pPr>
+            <a:lvl3pPr marL="914400" indent="0">
+              <a:buNone/>
+              <a:defRPr sz="1600"/>
+            </a:lvl3pPr>
+            <a:lvl4pPr marL="1371600" indent="0">
+              <a:buNone/>
+              <a:defRPr sz="1600"/>
+            </a:lvl4pPr>
+            <a:lvl5pPr marL="1828800" indent="0">
+              <a:buNone/>
+              <a:defRPr sz="1600"/>
+            </a:lvl5pPr>
+            <a:lvl6pPr marL="2286000" indent="0">
+              <a:buNone/>
+              <a:defRPr sz="1600"/>
+            </a:lvl6pPr>
+            <a:lvl7pPr marL="2743200" indent="0">
+              <a:buNone/>
+              <a:defRPr sz="1600"/>
+            </a:lvl7pPr>
+            <a:lvl8pPr marL="3200400" indent="0">
+              <a:buNone/>
+              <a:defRPr sz="1600"/>
+            </a:lvl8pPr>
+            <a:lvl9pPr marL="3657600" indent="0">
+              <a:buNone/>
+              <a:defRPr sz="1600"/>
+            </a:lvl9pPr>
+          </a:lstStyle>
+          <a:p>
+            <a:r>
+              <a:rPr lang="es-MX"/>
+              <a:t>Haz clic en el icono para agregar una imagen</a:t>
+            </a:r>
+            <a:endParaRPr lang="en-US" dirty="0"/>
+          </a:p>
+        </p:txBody>
+      </p:sp>
+      <p:sp>
+        <p:nvSpPr>
+          <p:cNvPr id="22" name="Text Placeholder 3"/>
+          <p:cNvSpPr>
+            <a:spLocks noGrp="1"/>
+          </p:cNvSpPr>
+          <p:nvPr>
+            <p:ph type="body" sz="half" idx="18"/>
+          </p:nvPr>
+        </p:nvSpPr>
+        <p:spPr>
+          <a:xfrm>
+            <a:off x="1154954" y="5109107"/>
+            <a:ext cx="3050438" cy="917949"/>
+          </a:xfrm>
+        </p:spPr>
+        <p:txBody>
+          <a:bodyPr anchor="t">
+            <a:normAutofit/>
+          </a:bodyPr>
+          <a:lstStyle>
+            <a:lvl1pPr marL="0" indent="0">
+              <a:buNone/>
+              <a:defRPr sz="1400"/>
+            </a:lvl1pPr>
+            <a:lvl2pPr marL="457200" indent="0">
+              <a:buNone/>
+              <a:defRPr sz="1200"/>
+            </a:lvl2pPr>
+            <a:lvl3pPr marL="914400" indent="0">
+              <a:buNone/>
+              <a:defRPr sz="1000"/>
+            </a:lvl3pPr>
+            <a:lvl4pPr marL="1371600" indent="0">
+              <a:buNone/>
+              <a:defRPr sz="900"/>
+            </a:lvl4pPr>
+            <a:lvl5pPr marL="1828800" indent="0">
+              <a:buNone/>
+              <a:defRPr sz="900"/>
+            </a:lvl5pPr>
+            <a:lvl6pPr marL="2286000" indent="0">
+              <a:buNone/>
+              <a:defRPr sz="900"/>
+            </a:lvl6pPr>
+            <a:lvl7pPr marL="2743200" indent="0">
+              <a:buNone/>
+              <a:defRPr sz="900"/>
+            </a:lvl7pPr>
+            <a:lvl8pPr marL="3200400" indent="0">
+              <a:buNone/>
+              <a:defRPr sz="900"/>
+            </a:lvl8pPr>
+            <a:lvl9pPr marL="3657600" indent="0">
+              <a:buNone/>
+              <a:defRPr sz="900"/>
+            </a:lvl9pPr>
+          </a:lstStyle>
+          <a:p>
+            <a:pPr lvl="0"/>
+            <a:r>
+              <a:rPr lang="es-MX"/>
+              <a:t>Haga clic para modificar los estilos de texto del patrón</a:t>
+            </a:r>
+          </a:p>
+        </p:txBody>
+      </p:sp>
+      <p:sp>
+        <p:nvSpPr>
+          <p:cNvPr id="5" name="Text Placeholder 4"/>
+          <p:cNvSpPr>
+            <a:spLocks noGrp="1"/>
+          </p:cNvSpPr>
+          <p:nvPr>
+            <p:ph type="body" sz="quarter" idx="3"/>
+          </p:nvPr>
+        </p:nvSpPr>
+        <p:spPr>
+          <a:xfrm>
+            <a:off x="4568865" y="4532842"/>
             <a:ext cx="3050438" cy="576262"/>
           </a:xfrm>
         </p:spPr>
@@ -5481,10 +5434,7 @@
               <a:buNone/>
               <a:defRPr sz="2400" b="0">
                 <a:solidFill>
-                  <a:schemeClr val="accent1">
-                    <a:lumMod val="60000"/>
-                    <a:lumOff val="40000"/>
-                  </a:schemeClr>
+                  <a:schemeClr val="accent1"/>
                 </a:solidFill>
               </a:defRPr>
             </a:lvl1pPr>
@@ -5532,17 +5482,17 @@
       </p:sp>
       <p:sp>
         <p:nvSpPr>
-          <p:cNvPr id="19" name="Picture Placeholder 2"/>
+          <p:cNvPr id="30" name="Picture Placeholder 2"/>
           <p:cNvSpPr>
             <a:spLocks noGrp="1" noChangeAspect="1"/>
           </p:cNvSpPr>
           <p:nvPr>
-            <p:ph type="pic" idx="15"/>
+            <p:ph type="pic" idx="21"/>
           </p:nvPr>
         </p:nvSpPr>
         <p:spPr>
           <a:xfrm>
-            <a:off x="1334553" y="2603500"/>
+            <a:off x="4748463" y="2603500"/>
             <a:ext cx="2691242" cy="1591510"/>
           </a:xfrm>
           <a:prstGeom prst="roundRect">
@@ -5611,226 +5561,6 @@
       </p:sp>
       <p:sp>
         <p:nvSpPr>
-          <p:cNvPr id="22" name="Text Placeholder 3"/>
-          <p:cNvSpPr>
-            <a:spLocks noGrp="1"/>
-          </p:cNvSpPr>
-          <p:nvPr>
-            <p:ph type="body" sz="half" idx="18"/>
-          </p:nvPr>
-        </p:nvSpPr>
-        <p:spPr>
-          <a:xfrm>
-            <a:off x="1154954" y="5109106"/>
-            <a:ext cx="3050438" cy="917952"/>
-          </a:xfrm>
-        </p:spPr>
-        <p:txBody>
-          <a:bodyPr anchor="t">
-            <a:normAutofit/>
-          </a:bodyPr>
-          <a:lstStyle>
-            <a:lvl1pPr marL="0" indent="0">
-              <a:buNone/>
-              <a:defRPr sz="1400"/>
-            </a:lvl1pPr>
-            <a:lvl2pPr marL="457200" indent="0">
-              <a:buNone/>
-              <a:defRPr sz="1200"/>
-            </a:lvl2pPr>
-            <a:lvl3pPr marL="914400" indent="0">
-              <a:buNone/>
-              <a:defRPr sz="1000"/>
-            </a:lvl3pPr>
-            <a:lvl4pPr marL="1371600" indent="0">
-              <a:buNone/>
-              <a:defRPr sz="900"/>
-            </a:lvl4pPr>
-            <a:lvl5pPr marL="1828800" indent="0">
-              <a:buNone/>
-              <a:defRPr sz="900"/>
-            </a:lvl5pPr>
-            <a:lvl6pPr marL="2286000" indent="0">
-              <a:buNone/>
-              <a:defRPr sz="900"/>
-            </a:lvl6pPr>
-            <a:lvl7pPr marL="2743200" indent="0">
-              <a:buNone/>
-              <a:defRPr sz="900"/>
-            </a:lvl7pPr>
-            <a:lvl8pPr marL="3200400" indent="0">
-              <a:buNone/>
-              <a:defRPr sz="900"/>
-            </a:lvl8pPr>
-            <a:lvl9pPr marL="3657600" indent="0">
-              <a:buNone/>
-              <a:defRPr sz="900"/>
-            </a:lvl9pPr>
-          </a:lstStyle>
-          <a:p>
-            <a:pPr lvl="0"/>
-            <a:r>
-              <a:rPr lang="es-MX"/>
-              <a:t>Haga clic para modificar los estilos de texto del patrón</a:t>
-            </a:r>
-          </a:p>
-        </p:txBody>
-      </p:sp>
-      <p:sp>
-        <p:nvSpPr>
-          <p:cNvPr id="5" name="Text Placeholder 4"/>
-          <p:cNvSpPr>
-            <a:spLocks noGrp="1"/>
-          </p:cNvSpPr>
-          <p:nvPr>
-            <p:ph type="body" sz="quarter" idx="3"/>
-          </p:nvPr>
-        </p:nvSpPr>
-        <p:spPr>
-          <a:xfrm>
-            <a:off x="4568865" y="4532844"/>
-            <a:ext cx="3050438" cy="576263"/>
-          </a:xfrm>
-        </p:spPr>
-        <p:txBody>
-          <a:bodyPr anchor="b">
-            <a:noAutofit/>
-          </a:bodyPr>
-          <a:lstStyle>
-            <a:lvl1pPr marL="0" indent="0">
-              <a:buNone/>
-              <a:defRPr sz="2400" b="0">
-                <a:solidFill>
-                  <a:schemeClr val="accent1">
-                    <a:lumMod val="60000"/>
-                    <a:lumOff val="40000"/>
-                  </a:schemeClr>
-                </a:solidFill>
-              </a:defRPr>
-            </a:lvl1pPr>
-            <a:lvl2pPr marL="457200" indent="0">
-              <a:buNone/>
-              <a:defRPr sz="2000" b="1"/>
-            </a:lvl2pPr>
-            <a:lvl3pPr marL="914400" indent="0">
-              <a:buNone/>
-              <a:defRPr sz="1800" b="1"/>
-            </a:lvl3pPr>
-            <a:lvl4pPr marL="1371600" indent="0">
-              <a:buNone/>
-              <a:defRPr sz="1600" b="1"/>
-            </a:lvl4pPr>
-            <a:lvl5pPr marL="1828800" indent="0">
-              <a:buNone/>
-              <a:defRPr sz="1600" b="1"/>
-            </a:lvl5pPr>
-            <a:lvl6pPr marL="2286000" indent="0">
-              <a:buNone/>
-              <a:defRPr sz="1600" b="1"/>
-            </a:lvl6pPr>
-            <a:lvl7pPr marL="2743200" indent="0">
-              <a:buNone/>
-              <a:defRPr sz="1600" b="1"/>
-            </a:lvl7pPr>
-            <a:lvl8pPr marL="3200400" indent="0">
-              <a:buNone/>
-              <a:defRPr sz="1600" b="1"/>
-            </a:lvl8pPr>
-            <a:lvl9pPr marL="3657600" indent="0">
-              <a:buNone/>
-              <a:defRPr sz="1600" b="1"/>
-            </a:lvl9pPr>
-          </a:lstStyle>
-          <a:p>
-            <a:pPr lvl="0"/>
-            <a:r>
-              <a:rPr lang="es-MX"/>
-              <a:t>Haga clic para modificar los estilos de texto del patrón</a:t>
-            </a:r>
-          </a:p>
-        </p:txBody>
-      </p:sp>
-      <p:sp>
-        <p:nvSpPr>
-          <p:cNvPr id="41" name="Picture Placeholder 2"/>
-          <p:cNvSpPr>
-            <a:spLocks noGrp="1" noChangeAspect="1"/>
-          </p:cNvSpPr>
-          <p:nvPr>
-            <p:ph type="pic" idx="21"/>
-          </p:nvPr>
-        </p:nvSpPr>
-        <p:spPr>
-          <a:xfrm>
-            <a:off x="4748462" y="2603500"/>
-            <a:ext cx="2691243" cy="1591510"/>
-          </a:xfrm>
-          <a:prstGeom prst="roundRect">
-            <a:avLst>
-              <a:gd name="adj" fmla="val 1858"/>
-            </a:avLst>
-          </a:prstGeom>
-          <a:effectLst>
-            <a:outerShdw blurRad="50800" dist="50800" dir="5400000" algn="tl" rotWithShape="0">
-              <a:srgbClr val="000000">
-                <a:alpha val="43000"/>
-              </a:srgbClr>
-            </a:outerShdw>
-          </a:effectLst>
-        </p:spPr>
-        <p:txBody>
-          <a:bodyPr anchor="t">
-            <a:normAutofit/>
-          </a:bodyPr>
-          <a:lstStyle>
-            <a:lvl1pPr marL="0" indent="0" algn="ctr">
-              <a:buNone/>
-              <a:defRPr sz="1600"/>
-            </a:lvl1pPr>
-            <a:lvl2pPr marL="457200" indent="0">
-              <a:buNone/>
-              <a:defRPr sz="1600"/>
-            </a:lvl2pPr>
-            <a:lvl3pPr marL="914400" indent="0">
-              <a:buNone/>
-              <a:defRPr sz="1600"/>
-            </a:lvl3pPr>
-            <a:lvl4pPr marL="1371600" indent="0">
-              <a:buNone/>
-              <a:defRPr sz="1600"/>
-            </a:lvl4pPr>
-            <a:lvl5pPr marL="1828800" indent="0">
-              <a:buNone/>
-              <a:defRPr sz="1600"/>
-            </a:lvl5pPr>
-            <a:lvl6pPr marL="2286000" indent="0">
-              <a:buNone/>
-              <a:defRPr sz="1600"/>
-            </a:lvl6pPr>
-            <a:lvl7pPr marL="2743200" indent="0">
-              <a:buNone/>
-              <a:defRPr sz="1600"/>
-            </a:lvl7pPr>
-            <a:lvl8pPr marL="3200400" indent="0">
-              <a:buNone/>
-              <a:defRPr sz="1600"/>
-            </a:lvl8pPr>
-            <a:lvl9pPr marL="3657600" indent="0">
-              <a:buNone/>
-              <a:defRPr sz="1600"/>
-            </a:lvl9pPr>
-          </a:lstStyle>
-          <a:p>
-            <a:r>
-              <a:rPr lang="es-MX"/>
-              <a:t>Haz clic en el icono para agregar una imagen</a:t>
-            </a:r>
-            <a:endParaRPr lang="en-US" dirty="0"/>
-          </a:p>
-        </p:txBody>
-      </p:sp>
-      <p:sp>
-        <p:nvSpPr>
           <p:cNvPr id="23" name="Text Placeholder 3"/>
           <p:cNvSpPr>
             <a:spLocks noGrp="1"/>
@@ -5841,8 +5571,8 @@
         </p:nvSpPr>
         <p:spPr>
           <a:xfrm>
-            <a:off x="4570172" y="5109105"/>
-            <a:ext cx="3050438" cy="917952"/>
+            <a:off x="4568865" y="5109108"/>
+            <a:ext cx="3050438" cy="912578"/>
           </a:xfrm>
         </p:spPr>
         <p:txBody>
@@ -5908,8 +5638,8 @@
         </p:nvSpPr>
         <p:spPr>
           <a:xfrm>
-            <a:off x="7982775" y="4532845"/>
-            <a:ext cx="3051095" cy="576262"/>
+            <a:off x="7983433" y="4532842"/>
+            <a:ext cx="3050438" cy="576262"/>
           </a:xfrm>
         </p:spPr>
         <p:txBody>
@@ -5921,10 +5651,7 @@
               <a:buNone/>
               <a:defRPr sz="2400" b="0">
                 <a:solidFill>
-                  <a:schemeClr val="accent1">
-                    <a:lumMod val="60000"/>
-                    <a:lumOff val="40000"/>
-                  </a:schemeClr>
+                  <a:schemeClr val="accent1"/>
                 </a:solidFill>
               </a:defRPr>
             </a:lvl1pPr>
@@ -5972,7 +5699,7 @@
       </p:sp>
       <p:sp>
         <p:nvSpPr>
-          <p:cNvPr id="42" name="Picture Placeholder 2"/>
+          <p:cNvPr id="31" name="Picture Placeholder 2"/>
           <p:cNvSpPr>
             <a:spLocks noGrp="1" noChangeAspect="1"/>
           </p:cNvSpPr>
@@ -6061,8 +5788,8 @@
         </p:nvSpPr>
         <p:spPr>
           <a:xfrm>
-            <a:off x="7982775" y="5109104"/>
-            <a:ext cx="3051096" cy="917952"/>
+            <a:off x="7983433" y="5109107"/>
+            <a:ext cx="3050438" cy="917947"/>
           </a:xfrm>
         </p:spPr>
         <p:txBody>
@@ -6118,21 +5845,22 @@
       </p:sp>
       <p:cxnSp>
         <p:nvCxnSpPr>
-          <p:cNvPr id="43" name="Straight Connector 42"/>
+          <p:cNvPr id="17" name="Straight Connector 16"/>
           <p:cNvCxnSpPr/>
           <p:nvPr/>
         </p:nvCxnSpPr>
         <p:spPr>
           <a:xfrm>
-            <a:off x="4405831" y="2569633"/>
-            <a:ext cx="0" cy="3492499"/>
+            <a:off x="4384245" y="2603500"/>
+            <a:ext cx="1" cy="3461811"/>
           </a:xfrm>
           <a:prstGeom prst="line">
             <a:avLst/>
           </a:prstGeom>
           <a:ln w="12700" cmpd="sng">
             <a:solidFill>
-              <a:schemeClr val="accent1">
+              <a:schemeClr val="tx1">
+                <a:lumMod val="75000"/>
                 <a:alpha val="40000"/>
               </a:schemeClr>
             </a:solidFill>
@@ -6155,21 +5883,22 @@
       </p:cxnSp>
       <p:cxnSp>
         <p:nvCxnSpPr>
-          <p:cNvPr id="44" name="Straight Connector 43"/>
+          <p:cNvPr id="18" name="Straight Connector 17"/>
           <p:cNvCxnSpPr/>
           <p:nvPr/>
         </p:nvCxnSpPr>
         <p:spPr>
           <a:xfrm>
-            <a:off x="7797802" y="2569633"/>
-            <a:ext cx="0" cy="3492499"/>
+            <a:off x="7807352" y="2603500"/>
+            <a:ext cx="0" cy="3461811"/>
           </a:xfrm>
           <a:prstGeom prst="line">
             <a:avLst/>
           </a:prstGeom>
           <a:ln w="12700" cmpd="sng">
             <a:solidFill>
-              <a:schemeClr val="accent1">
+              <a:schemeClr val="tx1">
+                <a:lumMod val="75000"/>
                 <a:alpha val="40000"/>
               </a:schemeClr>
             </a:solidFill>
@@ -6207,7 +5936,7 @@
           <a:p>
             <a:fld id="{F8164D30-88BB-48DE-B6A4-E99F929B5FDA}" type="datetimeFigureOut">
               <a:rPr lang="es-ES" smtClean="0"/>
-              <a:t>11/05/2024</a:t>
+              <a:t>09/07/2024</a:t>
             </a:fld>
             <a:endParaRPr lang="es-ES"/>
           </a:p>
@@ -6223,12 +5952,7 @@
             <p:ph type="ftr" sz="quarter" idx="11"/>
           </p:nvPr>
         </p:nvSpPr>
-        <p:spPr>
-          <a:xfrm>
-            <a:off x="561111" y="6391838"/>
-            <a:ext cx="3644282" cy="304801"/>
-          </a:xfrm>
-        </p:spPr>
+        <p:spPr/>
         <p:txBody>
           <a:bodyPr/>
           <a:lstStyle/>
@@ -6263,7 +5987,7 @@
     </p:spTree>
     <p:extLst>
       <p:ext uri="{BB962C8B-B14F-4D97-AF65-F5344CB8AC3E}">
-        <p14:creationId xmlns:p14="http://schemas.microsoft.com/office/powerpoint/2010/main" val="769949460"/>
+        <p14:creationId xmlns:p14="http://schemas.microsoft.com/office/powerpoint/2010/main" val="3648248785"/>
       </p:ext>
     </p:extLst>
   </p:cSld>
@@ -6305,6 +6029,9 @@
             <a:off x="1154954" y="973668"/>
             <a:ext cx="8825659" cy="706964"/>
           </a:xfrm>
+          <a:prstGeom prst="rect">
+            <a:avLst/>
+          </a:prstGeom>
         </p:spPr>
         <p:txBody>
           <a:bodyPr/>
@@ -6330,8 +6057,8 @@
         </p:nvSpPr>
         <p:spPr>
           <a:xfrm>
-            <a:off x="1154954" y="2603500"/>
-            <a:ext cx="8825659" cy="3416300"/>
+            <a:off x="1154954" y="2595033"/>
+            <a:ext cx="8825659" cy="3424768"/>
           </a:xfrm>
         </p:spPr>
         <p:txBody>
@@ -6385,19 +6112,14 @@
             <p:ph type="dt" sz="half" idx="10"/>
           </p:nvPr>
         </p:nvSpPr>
-        <p:spPr>
-          <a:xfrm>
-            <a:off x="10695439" y="6391838"/>
-            <a:ext cx="990599" cy="304799"/>
-          </a:xfrm>
-        </p:spPr>
+        <p:spPr/>
         <p:txBody>
           <a:bodyPr/>
           <a:lstStyle/>
           <a:p>
             <a:fld id="{F8164D30-88BB-48DE-B6A4-E99F929B5FDA}" type="datetimeFigureOut">
               <a:rPr lang="es-ES" smtClean="0"/>
-              <a:t>11/05/2024</a:t>
+              <a:t>09/07/2024</a:t>
             </a:fld>
             <a:endParaRPr lang="es-ES"/>
           </a:p>
@@ -6448,7 +6170,7 @@
     </p:spTree>
     <p:extLst>
       <p:ext uri="{BB962C8B-B14F-4D97-AF65-F5344CB8AC3E}">
-        <p14:creationId xmlns:p14="http://schemas.microsoft.com/office/powerpoint/2010/main" val="140096715"/>
+        <p14:creationId xmlns:p14="http://schemas.microsoft.com/office/powerpoint/2010/main" val="924024227"/>
       </p:ext>
     </p:extLst>
   </p:cSld>
@@ -6477,21 +6199,21 @@
       </p:grpSpPr>
       <p:grpSp>
         <p:nvGrpSpPr>
-          <p:cNvPr id="9" name="Group 8"/>
+          <p:cNvPr id="8" name="Group 7"/>
           <p:cNvGrpSpPr/>
           <p:nvPr/>
         </p:nvGrpSpPr>
         <p:grpSpPr>
           <a:xfrm>
-            <a:off x="0" y="0"/>
-            <a:ext cx="12192000" cy="6858000"/>
-            <a:chOff x="0" y="0"/>
-            <a:chExt cx="12192000" cy="6858000"/>
+            <a:off x="-1588" y="0"/>
+            <a:ext cx="12193588" cy="6861555"/>
+            <a:chOff x="-1588" y="0"/>
+            <a:chExt cx="12193588" cy="6861555"/>
           </a:xfrm>
         </p:grpSpPr>
         <p:sp>
           <p:nvSpPr>
-            <p:cNvPr id="12" name="Rectangle 11"/>
+            <p:cNvPr id="15" name="Rectangle 14"/>
             <p:cNvSpPr/>
             <p:nvPr/>
           </p:nvSpPr>
@@ -6508,14 +6230,15 @@
                 <a:duotone>
                   <a:schemeClr val="dk2">
                     <a:shade val="69000"/>
-                    <a:hueMod val="91000"/>
+                    <a:hueMod val="108000"/>
                     <a:satMod val="164000"/>
                     <a:lumMod val="74000"/>
                   </a:schemeClr>
                   <a:schemeClr val="dk2">
-                    <a:hueMod val="124000"/>
+                    <a:tint val="96000"/>
+                    <a:hueMod val="88000"/>
                     <a:satMod val="140000"/>
-                    <a:lumMod val="142000"/>
+                    <a:lumMod val="132000"/>
                   </a:schemeClr>
                 </a:duotone>
               </a:blip>
@@ -6546,14 +6269,14 @@
         </p:sp>
         <p:sp>
           <p:nvSpPr>
-            <p:cNvPr id="15" name="Oval 14"/>
+            <p:cNvPr id="17" name="Oval 16"/>
             <p:cNvSpPr/>
             <p:nvPr/>
           </p:nvSpPr>
           <p:spPr>
             <a:xfrm>
-              <a:off x="0" y="2667000"/>
-              <a:ext cx="4191000" cy="4191000"/>
+              <a:off x="8761412" y="1828800"/>
+              <a:ext cx="2819400" cy="2819400"/>
             </a:xfrm>
             <a:prstGeom prst="ellipse">
               <a:avLst/>
@@ -6562,74 +6285,17 @@
               <a:gsLst>
                 <a:gs pos="0">
                   <a:schemeClr val="accent5">
-                    <a:alpha val="11000"/>
+                    <a:alpha val="7000"/>
                   </a:schemeClr>
                 </a:gs>
-                <a:gs pos="75000">
+                <a:gs pos="69000">
                   <a:schemeClr val="accent5">
                     <a:alpha val="0"/>
                   </a:schemeClr>
                 </a:gs>
                 <a:gs pos="36000">
                   <a:schemeClr val="accent5">
-                    <a:alpha val="10000"/>
-                  </a:schemeClr>
-                </a:gs>
-              </a:gsLst>
-              <a:path path="circle">
-                <a:fillToRect l="50000" t="50000" r="50000" b="50000"/>
-              </a:path>
-              <a:tileRect/>
-            </a:gradFill>
-            <a:ln>
-              <a:noFill/>
-            </a:ln>
-            <a:effectLst/>
-          </p:spPr>
-          <p:style>
-            <a:lnRef idx="1">
-              <a:schemeClr val="accent1"/>
-            </a:lnRef>
-            <a:fillRef idx="3">
-              <a:schemeClr val="accent1"/>
-            </a:fillRef>
-            <a:effectRef idx="2">
-              <a:schemeClr val="accent1"/>
-            </a:effectRef>
-            <a:fontRef idx="minor">
-              <a:schemeClr val="lt1"/>
-            </a:fontRef>
-          </p:style>
-        </p:sp>
-        <p:sp>
-          <p:nvSpPr>
-            <p:cNvPr id="16" name="Oval 15"/>
-            <p:cNvSpPr/>
-            <p:nvPr/>
-          </p:nvSpPr>
-          <p:spPr>
-            <a:xfrm>
-              <a:off x="0" y="2895600"/>
-              <a:ext cx="2362200" cy="2362200"/>
-            </a:xfrm>
-            <a:prstGeom prst="ellipse">
-              <a:avLst/>
-            </a:prstGeom>
-            <a:gradFill flip="none" rotWithShape="1">
-              <a:gsLst>
-                <a:gs pos="0">
-                  <a:schemeClr val="accent5">
-                    <a:alpha val="8000"/>
-                  </a:schemeClr>
-                </a:gs>
-                <a:gs pos="72000">
-                  <a:schemeClr val="accent5">
-                    <a:alpha val="0"/>
-                  </a:schemeClr>
-                </a:gs>
-                <a:gs pos="36000">
-                  <a:schemeClr val="accent5">
-                    <a:alpha val="8000"/>
+                    <a:alpha val="6000"/>
                   </a:schemeClr>
                 </a:gs>
               </a:gsLst>
@@ -6666,7 +6332,7 @@
           </p:nvSpPr>
           <p:spPr>
             <a:xfrm>
-              <a:off x="8609012" y="5867400"/>
+              <a:off x="8761412" y="5870955"/>
               <a:ext cx="990600" cy="990600"/>
             </a:xfrm>
             <a:prstGeom prst="ellipse">
@@ -6723,8 +6389,8 @@
           </p:nvSpPr>
           <p:spPr>
             <a:xfrm>
-              <a:off x="8609012" y="1676400"/>
-              <a:ext cx="2819400" cy="2819400"/>
+              <a:off x="-1588" y="2667000"/>
+              <a:ext cx="4191000" cy="4191000"/>
             </a:xfrm>
             <a:prstGeom prst="ellipse">
               <a:avLst/>
@@ -6733,17 +6399,17 @@
               <a:gsLst>
                 <a:gs pos="0">
                   <a:schemeClr val="accent5">
-                    <a:alpha val="7000"/>
+                    <a:alpha val="11000"/>
                   </a:schemeClr>
                 </a:gs>
-                <a:gs pos="69000">
+                <a:gs pos="75000">
                   <a:schemeClr val="accent5">
                     <a:alpha val="0"/>
                   </a:schemeClr>
                 </a:gs>
                 <a:gs pos="36000">
                   <a:schemeClr val="accent5">
-                    <a:alpha val="6000"/>
+                    <a:alpha val="10000"/>
                   </a:schemeClr>
                 </a:gs>
               </a:gsLst>
@@ -6774,68 +6440,158 @@
         </p:sp>
         <p:sp>
           <p:nvSpPr>
-            <p:cNvPr id="20" name="Oval 19"/>
+            <p:cNvPr id="12" name="Freeform 5"/>
+            <p:cNvSpPr/>
+            <p:nvPr/>
+          </p:nvSpPr>
+          <p:spPr bwMode="gray">
+            <a:xfrm rot="5101749">
+              <a:off x="6294738" y="4577737"/>
+              <a:ext cx="3299407" cy="440924"/>
+            </a:xfrm>
+            <a:custGeom>
+              <a:avLst/>
+              <a:gdLst/>
+              <a:ahLst/>
+              <a:cxnLst/>
+              <a:rect l="l" t="t" r="r" b="b"/>
+              <a:pathLst>
+                <a:path w="10000" h="5291">
+                  <a:moveTo>
+                    <a:pt x="85" y="2532"/>
+                  </a:moveTo>
+                  <a:cubicBezTo>
+                    <a:pt x="1736" y="3911"/>
+                    <a:pt x="7524" y="5298"/>
+                    <a:pt x="9958" y="5291"/>
+                  </a:cubicBezTo>
+                  <a:cubicBezTo>
+                    <a:pt x="9989" y="1958"/>
+                    <a:pt x="9969" y="3333"/>
+                    <a:pt x="10000" y="0"/>
+                  </a:cubicBezTo>
+                  <a:lnTo>
+                    <a:pt x="10000" y="0"/>
+                  </a:lnTo>
+                  <a:lnTo>
+                    <a:pt x="9667" y="204"/>
+                  </a:lnTo>
+                  <a:lnTo>
+                    <a:pt x="9334" y="400"/>
+                  </a:lnTo>
+                  <a:lnTo>
+                    <a:pt x="9001" y="590"/>
+                  </a:lnTo>
+                  <a:lnTo>
+                    <a:pt x="8667" y="753"/>
+                  </a:lnTo>
+                  <a:lnTo>
+                    <a:pt x="8333" y="917"/>
+                  </a:lnTo>
+                  <a:lnTo>
+                    <a:pt x="7999" y="1071"/>
+                  </a:lnTo>
+                  <a:lnTo>
+                    <a:pt x="7669" y="1202"/>
+                  </a:lnTo>
+                  <a:lnTo>
+                    <a:pt x="7333" y="1325"/>
+                  </a:lnTo>
+                  <a:lnTo>
+                    <a:pt x="7000" y="1440"/>
+                  </a:lnTo>
+                  <a:lnTo>
+                    <a:pt x="6673" y="1538"/>
+                  </a:lnTo>
+                  <a:lnTo>
+                    <a:pt x="6340" y="1636"/>
+                  </a:lnTo>
+                  <a:lnTo>
+                    <a:pt x="6013" y="1719"/>
+                  </a:lnTo>
+                  <a:lnTo>
+                    <a:pt x="5686" y="1784"/>
+                  </a:lnTo>
+                  <a:lnTo>
+                    <a:pt x="5359" y="1850"/>
+                  </a:lnTo>
+                  <a:lnTo>
+                    <a:pt x="5036" y="1906"/>
+                  </a:lnTo>
+                  <a:lnTo>
+                    <a:pt x="4717" y="1948"/>
+                  </a:lnTo>
+                  <a:lnTo>
+                    <a:pt x="4396" y="1980"/>
+                  </a:lnTo>
+                  <a:lnTo>
+                    <a:pt x="4079" y="2013"/>
+                  </a:lnTo>
+                  <a:lnTo>
+                    <a:pt x="3766" y="2029"/>
+                  </a:lnTo>
+                  <a:lnTo>
+                    <a:pt x="3454" y="2046"/>
+                  </a:lnTo>
+                  <a:lnTo>
+                    <a:pt x="3145" y="2053"/>
+                  </a:lnTo>
+                  <a:lnTo>
+                    <a:pt x="2839" y="2046"/>
+                  </a:lnTo>
+                  <a:lnTo>
+                    <a:pt x="2537" y="2046"/>
+                  </a:lnTo>
+                  <a:lnTo>
+                    <a:pt x="2238" y="2029"/>
+                  </a:lnTo>
+                  <a:lnTo>
+                    <a:pt x="1943" y="2004"/>
+                  </a:lnTo>
+                  <a:lnTo>
+                    <a:pt x="1653" y="1980"/>
+                  </a:lnTo>
+                  <a:lnTo>
+                    <a:pt x="1368" y="1955"/>
+                  </a:lnTo>
+                  <a:lnTo>
+                    <a:pt x="1085" y="1915"/>
+                  </a:lnTo>
+                  <a:lnTo>
+                    <a:pt x="806" y="1873"/>
+                  </a:lnTo>
+                  <a:lnTo>
+                    <a:pt x="533" y="1833"/>
+                  </a:lnTo>
+                  <a:lnTo>
+                    <a:pt x="0" y="1726"/>
+                  </a:lnTo>
+                  <a:cubicBezTo>
+                    <a:pt x="28" y="1995"/>
+                    <a:pt x="57" y="2263"/>
+                    <a:pt x="85" y="2532"/>
+                  </a:cubicBezTo>
+                  <a:close/>
+                </a:path>
+              </a:pathLst>
+            </a:custGeom>
+            <a:solidFill>
+              <a:schemeClr val="bg1">
+                <a:alpha val="20000"/>
+              </a:schemeClr>
+            </a:solidFill>
+            <a:ln>
+              <a:noFill/>
+            </a:ln>
+          </p:spPr>
+        </p:sp>
+        <p:sp>
+          <p:nvSpPr>
+            <p:cNvPr id="13" name="Rectangle 12"/>
             <p:cNvSpPr/>
             <p:nvPr/>
           </p:nvSpPr>
           <p:spPr>
-            <a:xfrm>
-              <a:off x="7999412" y="8464"/>
-              <a:ext cx="1600200" cy="1600200"/>
-            </a:xfrm>
-            <a:prstGeom prst="ellipse">
-              <a:avLst/>
-            </a:prstGeom>
-            <a:gradFill flip="none" rotWithShape="1">
-              <a:gsLst>
-                <a:gs pos="0">
-                  <a:schemeClr val="accent5">
-                    <a:alpha val="14000"/>
-                  </a:schemeClr>
-                </a:gs>
-                <a:gs pos="73000">
-                  <a:schemeClr val="accent5">
-                    <a:alpha val="0"/>
-                  </a:schemeClr>
-                </a:gs>
-                <a:gs pos="36000">
-                  <a:schemeClr val="accent5">
-                    <a:alpha val="7000"/>
-                  </a:schemeClr>
-                </a:gs>
-              </a:gsLst>
-              <a:path path="circle">
-                <a:fillToRect l="50000" t="50000" r="50000" b="50000"/>
-              </a:path>
-              <a:tileRect/>
-            </a:gradFill>
-            <a:ln>
-              <a:noFill/>
-            </a:ln>
-            <a:effectLst/>
-          </p:spPr>
-          <p:style>
-            <a:lnRef idx="1">
-              <a:schemeClr val="accent1"/>
-            </a:lnRef>
-            <a:fillRef idx="3">
-              <a:schemeClr val="accent1"/>
-            </a:fillRef>
-            <a:effectRef idx="2">
-              <a:schemeClr val="accent1"/>
-            </a:effectRef>
-            <a:fontRef idx="minor">
-              <a:schemeClr val="lt1"/>
-            </a:fontRef>
-          </p:style>
-        </p:sp>
-        <p:sp>
-          <p:nvSpPr>
-            <p:cNvPr id="7" name="Rectangle 6"/>
-            <p:cNvSpPr/>
-            <p:nvPr/>
-          </p:nvSpPr>
-          <p:spPr bwMode="gray">
             <a:xfrm>
               <a:off x="414867" y="402165"/>
               <a:ext cx="6510866" cy="6053670"/>
@@ -6868,154 +6624,7 @@
         </p:sp>
         <p:sp>
           <p:nvSpPr>
-            <p:cNvPr id="17" name="Freeform 5"/>
-            <p:cNvSpPr/>
-            <p:nvPr/>
-          </p:nvSpPr>
-          <p:spPr bwMode="gray">
-            <a:xfrm rot="5101749">
-              <a:off x="6294738" y="4577737"/>
-              <a:ext cx="3299407" cy="440924"/>
-            </a:xfrm>
-            <a:custGeom>
-              <a:avLst/>
-              <a:gdLst/>
-              <a:ahLst/>
-              <a:cxnLst/>
-              <a:rect l="l" t="t" r="r" b="b"/>
-              <a:pathLst>
-                <a:path w="10000" h="5291">
-                  <a:moveTo>
-                    <a:pt x="85" y="2532"/>
-                  </a:moveTo>
-                  <a:cubicBezTo>
-                    <a:pt x="1736" y="3911"/>
-                    <a:pt x="7524" y="5298"/>
-                    <a:pt x="9958" y="5291"/>
-                  </a:cubicBezTo>
-                  <a:cubicBezTo>
-                    <a:pt x="9989" y="1958"/>
-                    <a:pt x="9969" y="3333"/>
-                    <a:pt x="10000" y="0"/>
-                  </a:cubicBezTo>
-                  <a:lnTo>
-                    <a:pt x="10000" y="0"/>
-                  </a:lnTo>
-                  <a:lnTo>
-                    <a:pt x="9667" y="204"/>
-                  </a:lnTo>
-                  <a:lnTo>
-                    <a:pt x="9334" y="400"/>
-                  </a:lnTo>
-                  <a:lnTo>
-                    <a:pt x="9001" y="590"/>
-                  </a:lnTo>
-                  <a:lnTo>
-                    <a:pt x="8667" y="753"/>
-                  </a:lnTo>
-                  <a:lnTo>
-                    <a:pt x="8333" y="917"/>
-                  </a:lnTo>
-                  <a:lnTo>
-                    <a:pt x="7999" y="1071"/>
-                  </a:lnTo>
-                  <a:lnTo>
-                    <a:pt x="7669" y="1202"/>
-                  </a:lnTo>
-                  <a:lnTo>
-                    <a:pt x="7333" y="1325"/>
-                  </a:lnTo>
-                  <a:lnTo>
-                    <a:pt x="7000" y="1440"/>
-                  </a:lnTo>
-                  <a:lnTo>
-                    <a:pt x="6673" y="1538"/>
-                  </a:lnTo>
-                  <a:lnTo>
-                    <a:pt x="6340" y="1636"/>
-                  </a:lnTo>
-                  <a:lnTo>
-                    <a:pt x="6013" y="1719"/>
-                  </a:lnTo>
-                  <a:lnTo>
-                    <a:pt x="5686" y="1784"/>
-                  </a:lnTo>
-                  <a:lnTo>
-                    <a:pt x="5359" y="1850"/>
-                  </a:lnTo>
-                  <a:lnTo>
-                    <a:pt x="5036" y="1906"/>
-                  </a:lnTo>
-                  <a:lnTo>
-                    <a:pt x="4717" y="1948"/>
-                  </a:lnTo>
-                  <a:lnTo>
-                    <a:pt x="4396" y="1980"/>
-                  </a:lnTo>
-                  <a:lnTo>
-                    <a:pt x="4079" y="2013"/>
-                  </a:lnTo>
-                  <a:lnTo>
-                    <a:pt x="3766" y="2029"/>
-                  </a:lnTo>
-                  <a:lnTo>
-                    <a:pt x="3454" y="2046"/>
-                  </a:lnTo>
-                  <a:lnTo>
-                    <a:pt x="3145" y="2053"/>
-                  </a:lnTo>
-                  <a:lnTo>
-                    <a:pt x="2839" y="2046"/>
-                  </a:lnTo>
-                  <a:lnTo>
-                    <a:pt x="2537" y="2046"/>
-                  </a:lnTo>
-                  <a:lnTo>
-                    <a:pt x="2238" y="2029"/>
-                  </a:lnTo>
-                  <a:lnTo>
-                    <a:pt x="1943" y="2004"/>
-                  </a:lnTo>
-                  <a:lnTo>
-                    <a:pt x="1653" y="1980"/>
-                  </a:lnTo>
-                  <a:lnTo>
-                    <a:pt x="1368" y="1955"/>
-                  </a:lnTo>
-                  <a:lnTo>
-                    <a:pt x="1085" y="1915"/>
-                  </a:lnTo>
-                  <a:lnTo>
-                    <a:pt x="806" y="1873"/>
-                  </a:lnTo>
-                  <a:lnTo>
-                    <a:pt x="533" y="1833"/>
-                  </a:lnTo>
-                  <a:lnTo>
-                    <a:pt x="0" y="1726"/>
-                  </a:lnTo>
-                  <a:cubicBezTo>
-                    <a:pt x="28" y="1995"/>
-                    <a:pt x="57" y="2263"/>
-                    <a:pt x="85" y="2532"/>
-                  </a:cubicBezTo>
-                  <a:close/>
-                </a:path>
-              </a:pathLst>
-            </a:custGeom>
-            <a:solidFill>
-              <a:schemeClr val="bg1">
-                <a:alpha val="20000"/>
-              </a:schemeClr>
-            </a:solidFill>
-            <a:ln>
-              <a:noFill/>
-            </a:ln>
-          </p:spPr>
-        </p:sp>
-        <p:sp>
-          <p:nvSpPr>
-            <p:cNvPr id="10" name="Freeform 5"/>
+            <p:cNvPr id="14" name="Freeform 5"/>
             <p:cNvSpPr/>
             <p:nvPr/>
           </p:nvSpPr>
@@ -7199,7 +6808,7 @@
         </p:sp>
         <p:sp>
           <p:nvSpPr>
-            <p:cNvPr id="13" name="Freeform 5"/>
+            <p:cNvPr id="16" name="Freeform 5"/>
             <p:cNvSpPr>
               <a:spLocks noEditPoints="1"/>
             </p:cNvSpPr>
@@ -7274,9 +6883,12 @@
         </p:nvSpPr>
         <p:spPr>
           <a:xfrm>
-            <a:off x="8585235" y="1278467"/>
-            <a:ext cx="1409965" cy="4748590"/>
+            <a:off x="8576756" y="1278466"/>
+            <a:ext cx="1441567" cy="4748591"/>
           </a:xfrm>
+          <a:prstGeom prst="rect">
+            <a:avLst/>
+          </a:prstGeom>
         </p:spPr>
         <p:txBody>
           <a:bodyPr vert="eaVert" anchor="b" anchorCtr="0"/>
@@ -7302,8 +6914,8 @@
         </p:nvSpPr>
         <p:spPr>
           <a:xfrm>
-            <a:off x="1154954" y="1278467"/>
-            <a:ext cx="6256025" cy="4748590"/>
+            <a:off x="1154954" y="1278465"/>
+            <a:ext cx="6256025" cy="4748591"/>
           </a:xfrm>
         </p:spPr>
         <p:txBody>
@@ -7357,19 +6969,14 @@
             <p:ph type="dt" sz="half" idx="10"/>
           </p:nvPr>
         </p:nvSpPr>
-        <p:spPr>
-          <a:xfrm>
-            <a:off x="10653104" y="6391838"/>
-            <a:ext cx="992135" cy="304799"/>
-          </a:xfrm>
-        </p:spPr>
+        <p:spPr/>
         <p:txBody>
           <a:bodyPr/>
           <a:lstStyle/>
           <a:p>
             <a:fld id="{F8164D30-88BB-48DE-B6A4-E99F929B5FDA}" type="datetimeFigureOut">
               <a:rPr lang="es-ES" smtClean="0"/>
-              <a:t>11/05/2024</a:t>
+              <a:t>09/07/2024</a:t>
             </a:fld>
             <a:endParaRPr lang="es-ES"/>
           </a:p>
@@ -7396,7 +7003,7 @@
       </p:sp>
       <p:sp>
         <p:nvSpPr>
-          <p:cNvPr id="14" name="Rectangle 13"/>
+          <p:cNvPr id="20" name="Rectangle 19"/>
           <p:cNvSpPr/>
           <p:nvPr/>
         </p:nvSpPr>
@@ -7456,7 +7063,7 @@
     </p:spTree>
     <p:extLst>
       <p:ext uri="{BB962C8B-B14F-4D97-AF65-F5344CB8AC3E}">
-        <p14:creationId xmlns:p14="http://schemas.microsoft.com/office/powerpoint/2010/main" val="2098541052"/>
+        <p14:creationId xmlns:p14="http://schemas.microsoft.com/office/powerpoint/2010/main" val="3747198421"/>
       </p:ext>
     </p:extLst>
   </p:cSld>
@@ -7493,9 +7100,17 @@
             <p:ph type="title"/>
           </p:nvPr>
         </p:nvSpPr>
-        <p:spPr/>
+        <p:spPr>
+          <a:xfrm>
+            <a:off x="1154954" y="973669"/>
+            <a:ext cx="8825659" cy="706964"/>
+          </a:xfrm>
+          <a:prstGeom prst="rect">
+            <a:avLst/>
+          </a:prstGeom>
+        </p:spPr>
         <p:txBody>
-          <a:bodyPr/>
+          <a:bodyPr anchor="ctr"/>
           <a:lstStyle/>
           <a:p>
             <a:r>
@@ -7580,7 +7195,7 @@
           <a:p>
             <a:fld id="{F8164D30-88BB-48DE-B6A4-E99F929B5FDA}" type="datetimeFigureOut">
               <a:rPr lang="es-ES" smtClean="0"/>
-              <a:t>11/05/2024</a:t>
+              <a:t>09/07/2024</a:t>
             </a:fld>
             <a:endParaRPr lang="es-ES"/>
           </a:p>
@@ -7599,7 +7214,11 @@
         <p:spPr/>
         <p:txBody>
           <a:bodyPr/>
-          <a:lstStyle/>
+          <a:lstStyle>
+            <a:lvl1pPr>
+              <a:defRPr sz="1000" b="1"/>
+            </a:lvl1pPr>
+          </a:lstStyle>
           <a:p>
             <a:endParaRPr lang="es-ES"/>
           </a:p>
@@ -7631,7 +7250,7 @@
     </p:spTree>
     <p:extLst>
       <p:ext uri="{BB962C8B-B14F-4D97-AF65-F5344CB8AC3E}">
-        <p14:creationId xmlns:p14="http://schemas.microsoft.com/office/powerpoint/2010/main" val="1080594671"/>
+        <p14:creationId xmlns:p14="http://schemas.microsoft.com/office/powerpoint/2010/main" val="4004506441"/>
       </p:ext>
     </p:extLst>
   </p:cSld>
@@ -7660,21 +7279,21 @@
       </p:grpSpPr>
       <p:grpSp>
         <p:nvGrpSpPr>
-          <p:cNvPr id="8" name="Group 7"/>
+          <p:cNvPr id="17" name="Group 16"/>
           <p:cNvGrpSpPr/>
           <p:nvPr/>
         </p:nvGrpSpPr>
         <p:grpSpPr>
           <a:xfrm>
-            <a:off x="0" y="0"/>
-            <a:ext cx="12192000" cy="6858000"/>
-            <a:chOff x="0" y="0"/>
-            <a:chExt cx="12192000" cy="6858000"/>
+            <a:off x="-1588" y="0"/>
+            <a:ext cx="12193588" cy="6861555"/>
+            <a:chOff x="-1588" y="0"/>
+            <a:chExt cx="12193588" cy="6861555"/>
           </a:xfrm>
         </p:grpSpPr>
         <p:sp>
           <p:nvSpPr>
-            <p:cNvPr id="14" name="Rectangle 13"/>
+            <p:cNvPr id="12" name="Rectangle 11"/>
             <p:cNvSpPr/>
             <p:nvPr/>
           </p:nvSpPr>
@@ -7691,14 +7310,15 @@
                 <a:duotone>
                   <a:schemeClr val="dk2">
                     <a:shade val="69000"/>
-                    <a:hueMod val="91000"/>
+                    <a:hueMod val="108000"/>
                     <a:satMod val="164000"/>
                     <a:lumMod val="74000"/>
                   </a:schemeClr>
                   <a:schemeClr val="dk2">
-                    <a:hueMod val="124000"/>
+                    <a:tint val="96000"/>
+                    <a:hueMod val="88000"/>
                     <a:satMod val="140000"/>
-                    <a:lumMod val="142000"/>
+                    <a:lumMod val="132000"/>
                   </a:schemeClr>
                 </a:duotone>
               </a:blip>
@@ -7729,14 +7349,14 @@
         </p:sp>
         <p:sp>
           <p:nvSpPr>
-            <p:cNvPr id="17" name="Oval 16"/>
+            <p:cNvPr id="14" name="Oval 13"/>
             <p:cNvSpPr/>
             <p:nvPr/>
           </p:nvSpPr>
           <p:spPr>
             <a:xfrm>
-              <a:off x="0" y="2667000"/>
-              <a:ext cx="4191000" cy="4191000"/>
+              <a:off x="8761412" y="1828800"/>
+              <a:ext cx="2819400" cy="2819400"/>
             </a:xfrm>
             <a:prstGeom prst="ellipse">
               <a:avLst/>
@@ -7745,17 +7365,17 @@
               <a:gsLst>
                 <a:gs pos="0">
                   <a:schemeClr val="accent5">
-                    <a:alpha val="11000"/>
+                    <a:alpha val="7000"/>
                   </a:schemeClr>
                 </a:gs>
-                <a:gs pos="75000">
+                <a:gs pos="69000">
                   <a:schemeClr val="accent5">
                     <a:alpha val="0"/>
                   </a:schemeClr>
                 </a:gs>
                 <a:gs pos="36000">
                   <a:schemeClr val="accent5">
-                    <a:alpha val="10000"/>
+                    <a:alpha val="6000"/>
                   </a:schemeClr>
                 </a:gs>
               </a:gsLst>
@@ -7786,14 +7406,14 @@
         </p:sp>
         <p:sp>
           <p:nvSpPr>
-            <p:cNvPr id="18" name="Oval 17"/>
+            <p:cNvPr id="15" name="Oval 14"/>
             <p:cNvSpPr/>
             <p:nvPr/>
           </p:nvSpPr>
           <p:spPr>
             <a:xfrm>
-              <a:off x="0" y="2895600"/>
-              <a:ext cx="2362200" cy="2362200"/>
+              <a:off x="8761412" y="5870955"/>
+              <a:ext cx="990600" cy="990600"/>
             </a:xfrm>
             <a:prstGeom prst="ellipse">
               <a:avLst/>
@@ -7802,17 +7422,17 @@
               <a:gsLst>
                 <a:gs pos="0">
                   <a:schemeClr val="accent5">
-                    <a:alpha val="8000"/>
+                    <a:alpha val="14000"/>
                   </a:schemeClr>
                 </a:gs>
-                <a:gs pos="72000">
+                <a:gs pos="66000">
                   <a:schemeClr val="accent5">
                     <a:alpha val="0"/>
                   </a:schemeClr>
                 </a:gs>
                 <a:gs pos="36000">
                   <a:schemeClr val="accent5">
-                    <a:alpha val="8000"/>
+                    <a:alpha val="7000"/>
                   </a:schemeClr>
                 </a:gs>
               </a:gsLst>
@@ -7843,14 +7463,14 @@
         </p:sp>
         <p:sp>
           <p:nvSpPr>
-            <p:cNvPr id="19" name="Oval 18"/>
+            <p:cNvPr id="16" name="Oval 15"/>
             <p:cNvSpPr/>
             <p:nvPr/>
           </p:nvSpPr>
           <p:spPr>
             <a:xfrm>
-              <a:off x="8609012" y="5867400"/>
-              <a:ext cx="990600" cy="990600"/>
+              <a:off x="-1588" y="2667000"/>
+              <a:ext cx="4191000" cy="4191000"/>
             </a:xfrm>
             <a:prstGeom prst="ellipse">
               <a:avLst/>
@@ -7859,17 +7479,17 @@
               <a:gsLst>
                 <a:gs pos="0">
                   <a:schemeClr val="accent5">
-                    <a:alpha val="14000"/>
+                    <a:alpha val="11000"/>
                   </a:schemeClr>
                 </a:gs>
-                <a:gs pos="66000">
+                <a:gs pos="75000">
                   <a:schemeClr val="accent5">
                     <a:alpha val="0"/>
                   </a:schemeClr>
                 </a:gs>
                 <a:gs pos="36000">
                   <a:schemeClr val="accent5">
-                    <a:alpha val="7000"/>
+                    <a:alpha val="10000"/>
                   </a:schemeClr>
                 </a:gs>
               </a:gsLst>
@@ -7900,121 +7520,7 @@
         </p:sp>
         <p:sp>
           <p:nvSpPr>
-            <p:cNvPr id="20" name="Oval 19"/>
-            <p:cNvSpPr/>
-            <p:nvPr/>
-          </p:nvSpPr>
-          <p:spPr>
-            <a:xfrm>
-              <a:off x="8609012" y="1676400"/>
-              <a:ext cx="2819400" cy="2819400"/>
-            </a:xfrm>
-            <a:prstGeom prst="ellipse">
-              <a:avLst/>
-            </a:prstGeom>
-            <a:gradFill flip="none" rotWithShape="1">
-              <a:gsLst>
-                <a:gs pos="0">
-                  <a:schemeClr val="accent5">
-                    <a:alpha val="7000"/>
-                  </a:schemeClr>
-                </a:gs>
-                <a:gs pos="69000">
-                  <a:schemeClr val="accent5">
-                    <a:alpha val="0"/>
-                  </a:schemeClr>
-                </a:gs>
-                <a:gs pos="36000">
-                  <a:schemeClr val="accent5">
-                    <a:alpha val="6000"/>
-                  </a:schemeClr>
-                </a:gs>
-              </a:gsLst>
-              <a:path path="circle">
-                <a:fillToRect l="50000" t="50000" r="50000" b="50000"/>
-              </a:path>
-              <a:tileRect/>
-            </a:gradFill>
-            <a:ln>
-              <a:noFill/>
-            </a:ln>
-            <a:effectLst/>
-          </p:spPr>
-          <p:style>
-            <a:lnRef idx="1">
-              <a:schemeClr val="accent1"/>
-            </a:lnRef>
-            <a:fillRef idx="3">
-              <a:schemeClr val="accent1"/>
-            </a:fillRef>
-            <a:effectRef idx="2">
-              <a:schemeClr val="accent1"/>
-            </a:effectRef>
-            <a:fontRef idx="minor">
-              <a:schemeClr val="lt1"/>
-            </a:fontRef>
-          </p:style>
-        </p:sp>
-        <p:sp>
-          <p:nvSpPr>
-            <p:cNvPr id="21" name="Oval 20"/>
-            <p:cNvSpPr/>
-            <p:nvPr/>
-          </p:nvSpPr>
-          <p:spPr>
-            <a:xfrm>
-              <a:off x="7999412" y="8464"/>
-              <a:ext cx="1600200" cy="1600200"/>
-            </a:xfrm>
-            <a:prstGeom prst="ellipse">
-              <a:avLst/>
-            </a:prstGeom>
-            <a:gradFill flip="none" rotWithShape="1">
-              <a:gsLst>
-                <a:gs pos="0">
-                  <a:schemeClr val="accent5">
-                    <a:alpha val="14000"/>
-                  </a:schemeClr>
-                </a:gs>
-                <a:gs pos="73000">
-                  <a:schemeClr val="accent5">
-                    <a:alpha val="0"/>
-                  </a:schemeClr>
-                </a:gs>
-                <a:gs pos="36000">
-                  <a:schemeClr val="accent5">
-                    <a:alpha val="7000"/>
-                  </a:schemeClr>
-                </a:gs>
-              </a:gsLst>
-              <a:path path="circle">
-                <a:fillToRect l="50000" t="50000" r="50000" b="50000"/>
-              </a:path>
-              <a:tileRect/>
-            </a:gradFill>
-            <a:ln>
-              <a:noFill/>
-            </a:ln>
-            <a:effectLst/>
-          </p:spPr>
-          <p:style>
-            <a:lnRef idx="1">
-              <a:schemeClr val="accent1"/>
-            </a:lnRef>
-            <a:fillRef idx="3">
-              <a:schemeClr val="accent1"/>
-            </a:fillRef>
-            <a:effectRef idx="2">
-              <a:schemeClr val="accent1"/>
-            </a:effectRef>
-            <a:fontRef idx="minor">
-              <a:schemeClr val="lt1"/>
-            </a:fontRef>
-          </p:style>
-        </p:sp>
-        <p:sp>
-          <p:nvSpPr>
-            <p:cNvPr id="10" name="Rectangle 9"/>
+            <p:cNvPr id="9" name="Rectangle 8"/>
             <p:cNvSpPr/>
             <p:nvPr/>
           </p:nvSpPr>
@@ -8051,191 +7557,7 @@
         </p:sp>
         <p:sp>
           <p:nvSpPr>
-            <p:cNvPr id="11" name="Freeform 5"/>
-            <p:cNvSpPr/>
-            <p:nvPr/>
-          </p:nvSpPr>
-          <p:spPr bwMode="gray">
-            <a:xfrm rot="16200000">
-              <a:off x="3787244" y="2801721"/>
-              <a:ext cx="6053670" cy="1254558"/>
-            </a:xfrm>
-            <a:custGeom>
-              <a:avLst/>
-              <a:gdLst/>
-              <a:ahLst/>
-              <a:cxnLst/>
-              <a:rect l="l" t="t" r="r" b="b"/>
-              <a:pathLst>
-                <a:path w="10000" h="8000">
-                  <a:moveTo>
-                    <a:pt x="0" y="0"/>
-                  </a:moveTo>
-                  <a:lnTo>
-                    <a:pt x="0" y="7970"/>
-                  </a:lnTo>
-                  <a:lnTo>
-                    <a:pt x="10000" y="8000"/>
-                  </a:lnTo>
-                  <a:lnTo>
-                    <a:pt x="10000" y="7"/>
-                  </a:lnTo>
-                  <a:lnTo>
-                    <a:pt x="10000" y="7"/>
-                  </a:lnTo>
-                  <a:lnTo>
-                    <a:pt x="9773" y="156"/>
-                  </a:lnTo>
-                  <a:lnTo>
-                    <a:pt x="9547" y="298"/>
-                  </a:lnTo>
-                  <a:lnTo>
-                    <a:pt x="9320" y="437"/>
-                  </a:lnTo>
-                  <a:lnTo>
-                    <a:pt x="9092" y="556"/>
-                  </a:lnTo>
-                  <a:lnTo>
-                    <a:pt x="8865" y="676"/>
-                  </a:lnTo>
-                  <a:lnTo>
-                    <a:pt x="8637" y="788"/>
-                  </a:lnTo>
-                  <a:lnTo>
-                    <a:pt x="8412" y="884"/>
-                  </a:lnTo>
-                  <a:lnTo>
-                    <a:pt x="8184" y="975"/>
-                  </a:lnTo>
-                  <a:lnTo>
-                    <a:pt x="7957" y="1058"/>
-                  </a:lnTo>
-                  <a:lnTo>
-                    <a:pt x="7734" y="1130"/>
-                  </a:lnTo>
-                  <a:lnTo>
-                    <a:pt x="7508" y="1202"/>
-                  </a:lnTo>
-                  <a:lnTo>
-                    <a:pt x="7285" y="1262"/>
-                  </a:lnTo>
-                  <a:lnTo>
-                    <a:pt x="7062" y="1309"/>
-                  </a:lnTo>
-                  <a:lnTo>
-                    <a:pt x="6840" y="1358"/>
-                  </a:lnTo>
-                  <a:lnTo>
-                    <a:pt x="6620" y="1399"/>
-                  </a:lnTo>
-                  <a:lnTo>
-                    <a:pt x="6402" y="1428"/>
-                  </a:lnTo>
-                  <a:lnTo>
-                    <a:pt x="6184" y="1453"/>
-                  </a:lnTo>
-                  <a:lnTo>
-                    <a:pt x="5968" y="1477"/>
-                  </a:lnTo>
-                  <a:lnTo>
-                    <a:pt x="5755" y="1488"/>
-                  </a:lnTo>
-                  <a:lnTo>
-                    <a:pt x="5542" y="1500"/>
-                  </a:lnTo>
-                  <a:lnTo>
-                    <a:pt x="5332" y="1506"/>
-                  </a:lnTo>
-                  <a:lnTo>
-                    <a:pt x="5124" y="1500"/>
-                  </a:lnTo>
-                  <a:lnTo>
-                    <a:pt x="4918" y="1500"/>
-                  </a:lnTo>
-                  <a:lnTo>
-                    <a:pt x="4714" y="1488"/>
-                  </a:lnTo>
-                  <a:lnTo>
-                    <a:pt x="4514" y="1470"/>
-                  </a:lnTo>
-                  <a:lnTo>
-                    <a:pt x="4316" y="1453"/>
-                  </a:lnTo>
-                  <a:lnTo>
-                    <a:pt x="4122" y="1434"/>
-                  </a:lnTo>
-                  <a:lnTo>
-                    <a:pt x="3929" y="1405"/>
-                  </a:lnTo>
-                  <a:lnTo>
-                    <a:pt x="3739" y="1374"/>
-                  </a:lnTo>
-                  <a:lnTo>
-                    <a:pt x="3553" y="1346"/>
-                  </a:lnTo>
-                  <a:lnTo>
-                    <a:pt x="3190" y="1267"/>
-                  </a:lnTo>
-                  <a:lnTo>
-                    <a:pt x="2842" y="1183"/>
-                  </a:lnTo>
-                  <a:lnTo>
-                    <a:pt x="2508" y="1095"/>
-                  </a:lnTo>
-                  <a:lnTo>
-                    <a:pt x="2192" y="998"/>
-                  </a:lnTo>
-                  <a:lnTo>
-                    <a:pt x="1890" y="897"/>
-                  </a:lnTo>
-                  <a:lnTo>
-                    <a:pt x="1610" y="788"/>
-                  </a:lnTo>
-                  <a:lnTo>
-                    <a:pt x="1347" y="681"/>
-                  </a:lnTo>
-                  <a:lnTo>
-                    <a:pt x="1105" y="574"/>
-                  </a:lnTo>
-                  <a:lnTo>
-                    <a:pt x="883" y="473"/>
-                  </a:lnTo>
-                  <a:lnTo>
-                    <a:pt x="686" y="377"/>
-                  </a:lnTo>
-                  <a:lnTo>
-                    <a:pt x="508" y="286"/>
-                  </a:lnTo>
-                  <a:lnTo>
-                    <a:pt x="358" y="210"/>
-                  </a:lnTo>
-                  <a:lnTo>
-                    <a:pt x="232" y="138"/>
-                  </a:lnTo>
-                  <a:lnTo>
-                    <a:pt x="59" y="35"/>
-                  </a:lnTo>
-                  <a:lnTo>
-                    <a:pt x="0" y="0"/>
-                  </a:lnTo>
-                  <a:lnTo>
-                    <a:pt x="0" y="0"/>
-                  </a:lnTo>
-                  <a:close/>
-                </a:path>
-              </a:pathLst>
-            </a:custGeom>
-            <a:solidFill>
-              <a:schemeClr val="bg1"/>
-            </a:solidFill>
-            <a:ln>
-              <a:noFill/>
-            </a:ln>
-          </p:spPr>
-        </p:sp>
-        <p:sp>
-          <p:nvSpPr>
-            <p:cNvPr id="12" name="Freeform 5"/>
+            <p:cNvPr id="8" name="Freeform 5"/>
             <p:cNvSpPr/>
             <p:nvPr/>
           </p:nvSpPr>
@@ -8382,7 +7704,191 @@
         </p:sp>
         <p:sp>
           <p:nvSpPr>
-            <p:cNvPr id="15" name="Freeform 5"/>
+            <p:cNvPr id="7" name="Freeform 5"/>
+            <p:cNvSpPr/>
+            <p:nvPr/>
+          </p:nvSpPr>
+          <p:spPr bwMode="gray">
+            <a:xfrm rot="16200000">
+              <a:off x="3787244" y="2801721"/>
+              <a:ext cx="6053670" cy="1254558"/>
+            </a:xfrm>
+            <a:custGeom>
+              <a:avLst/>
+              <a:gdLst/>
+              <a:ahLst/>
+              <a:cxnLst/>
+              <a:rect l="l" t="t" r="r" b="b"/>
+              <a:pathLst>
+                <a:path w="10000" h="8000">
+                  <a:moveTo>
+                    <a:pt x="0" y="0"/>
+                  </a:moveTo>
+                  <a:lnTo>
+                    <a:pt x="0" y="7970"/>
+                  </a:lnTo>
+                  <a:lnTo>
+                    <a:pt x="10000" y="8000"/>
+                  </a:lnTo>
+                  <a:lnTo>
+                    <a:pt x="10000" y="7"/>
+                  </a:lnTo>
+                  <a:lnTo>
+                    <a:pt x="10000" y="7"/>
+                  </a:lnTo>
+                  <a:lnTo>
+                    <a:pt x="9773" y="156"/>
+                  </a:lnTo>
+                  <a:lnTo>
+                    <a:pt x="9547" y="298"/>
+                  </a:lnTo>
+                  <a:lnTo>
+                    <a:pt x="9320" y="437"/>
+                  </a:lnTo>
+                  <a:lnTo>
+                    <a:pt x="9092" y="556"/>
+                  </a:lnTo>
+                  <a:lnTo>
+                    <a:pt x="8865" y="676"/>
+                  </a:lnTo>
+                  <a:lnTo>
+                    <a:pt x="8637" y="788"/>
+                  </a:lnTo>
+                  <a:lnTo>
+                    <a:pt x="8412" y="884"/>
+                  </a:lnTo>
+                  <a:lnTo>
+                    <a:pt x="8184" y="975"/>
+                  </a:lnTo>
+                  <a:lnTo>
+                    <a:pt x="7957" y="1058"/>
+                  </a:lnTo>
+                  <a:lnTo>
+                    <a:pt x="7734" y="1130"/>
+                  </a:lnTo>
+                  <a:lnTo>
+                    <a:pt x="7508" y="1202"/>
+                  </a:lnTo>
+                  <a:lnTo>
+                    <a:pt x="7285" y="1262"/>
+                  </a:lnTo>
+                  <a:lnTo>
+                    <a:pt x="7062" y="1309"/>
+                  </a:lnTo>
+                  <a:lnTo>
+                    <a:pt x="6840" y="1358"/>
+                  </a:lnTo>
+                  <a:lnTo>
+                    <a:pt x="6620" y="1399"/>
+                  </a:lnTo>
+                  <a:lnTo>
+                    <a:pt x="6402" y="1428"/>
+                  </a:lnTo>
+                  <a:lnTo>
+                    <a:pt x="6184" y="1453"/>
+                  </a:lnTo>
+                  <a:lnTo>
+                    <a:pt x="5968" y="1477"/>
+                  </a:lnTo>
+                  <a:lnTo>
+                    <a:pt x="5755" y="1488"/>
+                  </a:lnTo>
+                  <a:lnTo>
+                    <a:pt x="5542" y="1500"/>
+                  </a:lnTo>
+                  <a:lnTo>
+                    <a:pt x="5332" y="1506"/>
+                  </a:lnTo>
+                  <a:lnTo>
+                    <a:pt x="5124" y="1500"/>
+                  </a:lnTo>
+                  <a:lnTo>
+                    <a:pt x="4918" y="1500"/>
+                  </a:lnTo>
+                  <a:lnTo>
+                    <a:pt x="4714" y="1488"/>
+                  </a:lnTo>
+                  <a:lnTo>
+                    <a:pt x="4514" y="1470"/>
+                  </a:lnTo>
+                  <a:lnTo>
+                    <a:pt x="4316" y="1453"/>
+                  </a:lnTo>
+                  <a:lnTo>
+                    <a:pt x="4122" y="1434"/>
+                  </a:lnTo>
+                  <a:lnTo>
+                    <a:pt x="3929" y="1405"/>
+                  </a:lnTo>
+                  <a:lnTo>
+                    <a:pt x="3739" y="1374"/>
+                  </a:lnTo>
+                  <a:lnTo>
+                    <a:pt x="3553" y="1346"/>
+                  </a:lnTo>
+                  <a:lnTo>
+                    <a:pt x="3190" y="1267"/>
+                  </a:lnTo>
+                  <a:lnTo>
+                    <a:pt x="2842" y="1183"/>
+                  </a:lnTo>
+                  <a:lnTo>
+                    <a:pt x="2508" y="1095"/>
+                  </a:lnTo>
+                  <a:lnTo>
+                    <a:pt x="2192" y="998"/>
+                  </a:lnTo>
+                  <a:lnTo>
+                    <a:pt x="1890" y="897"/>
+                  </a:lnTo>
+                  <a:lnTo>
+                    <a:pt x="1610" y="788"/>
+                  </a:lnTo>
+                  <a:lnTo>
+                    <a:pt x="1347" y="681"/>
+                  </a:lnTo>
+                  <a:lnTo>
+                    <a:pt x="1105" y="574"/>
+                  </a:lnTo>
+                  <a:lnTo>
+                    <a:pt x="883" y="473"/>
+                  </a:lnTo>
+                  <a:lnTo>
+                    <a:pt x="686" y="377"/>
+                  </a:lnTo>
+                  <a:lnTo>
+                    <a:pt x="508" y="286"/>
+                  </a:lnTo>
+                  <a:lnTo>
+                    <a:pt x="358" y="210"/>
+                  </a:lnTo>
+                  <a:lnTo>
+                    <a:pt x="232" y="138"/>
+                  </a:lnTo>
+                  <a:lnTo>
+                    <a:pt x="59" y="35"/>
+                  </a:lnTo>
+                  <a:lnTo>
+                    <a:pt x="0" y="0"/>
+                  </a:lnTo>
+                  <a:lnTo>
+                    <a:pt x="0" y="0"/>
+                  </a:lnTo>
+                  <a:close/>
+                </a:path>
+              </a:pathLst>
+            </a:custGeom>
+            <a:solidFill>
+              <a:schemeClr val="bg1"/>
+            </a:solidFill>
+            <a:ln>
+              <a:noFill/>
+            </a:ln>
+          </p:spPr>
+        </p:sp>
+        <p:sp>
+          <p:nvSpPr>
+            <p:cNvPr id="13" name="Freeform 5"/>
             <p:cNvSpPr>
               <a:spLocks noEditPoints="1"/>
             </p:cNvSpPr>
@@ -8457,12 +7963,15 @@
         </p:nvSpPr>
         <p:spPr>
           <a:xfrm>
-            <a:off x="1154954" y="2677645"/>
-            <a:ext cx="4351025" cy="2283824"/>
+            <a:off x="1154956" y="2679192"/>
+            <a:ext cx="4343400" cy="2286000"/>
           </a:xfrm>
+          <a:prstGeom prst="rect">
+            <a:avLst/>
+          </a:prstGeom>
         </p:spPr>
         <p:txBody>
-          <a:bodyPr anchor="ctr"/>
+          <a:bodyPr anchor="ctr" anchorCtr="0"/>
           <a:lstStyle>
             <a:lvl1pPr algn="l">
               <a:defRPr sz="4000" b="0" cap="none"/>
@@ -8489,21 +7998,18 @@
         </p:nvSpPr>
         <p:spPr>
           <a:xfrm>
-            <a:off x="6895559" y="2677644"/>
-            <a:ext cx="3757545" cy="2283824"/>
+            <a:off x="6894576" y="2679192"/>
+            <a:ext cx="3758184" cy="2286000"/>
           </a:xfrm>
         </p:spPr>
         <p:txBody>
-          <a:bodyPr anchor="ctr"/>
+          <a:bodyPr anchor="ctr" anchorCtr="0"/>
           <a:lstStyle>
             <a:lvl1pPr marL="0" indent="0" algn="l">
               <a:buNone/>
               <a:defRPr sz="2000" cap="all">
                 <a:solidFill>
-                  <a:schemeClr val="accent1">
-                    <a:lumMod val="60000"/>
-                    <a:lumOff val="40000"/>
-                  </a:schemeClr>
+                  <a:schemeClr val="accent1"/>
                 </a:solidFill>
               </a:defRPr>
             </a:lvl1pPr>
@@ -8614,7 +8120,7 @@
           <a:p>
             <a:fld id="{F8164D30-88BB-48DE-B6A4-E99F929B5FDA}" type="datetimeFigureOut">
               <a:rPr lang="es-ES" smtClean="0"/>
-              <a:t>11/05/2024</a:t>
+              <a:t>09/07/2024</a:t>
             </a:fld>
             <a:endParaRPr lang="es-ES"/>
           </a:p>
@@ -8633,7 +8139,11 @@
         <p:spPr/>
         <p:txBody>
           <a:bodyPr/>
-          <a:lstStyle/>
+          <a:lstStyle>
+            <a:lvl1pPr>
+              <a:defRPr sz="1000" b="1"/>
+            </a:lvl1pPr>
+          </a:lstStyle>
           <a:p>
             <a:endParaRPr lang="es-ES"/>
           </a:p>
@@ -8641,7 +8151,7 @@
       </p:sp>
       <p:sp>
         <p:nvSpPr>
-          <p:cNvPr id="16" name="Rectangle 15"/>
+          <p:cNvPr id="10" name="Rectangle 9"/>
           <p:cNvSpPr/>
           <p:nvPr/>
         </p:nvSpPr>
@@ -8701,7 +8211,7 @@
     </p:spTree>
     <p:extLst>
       <p:ext uri="{BB962C8B-B14F-4D97-AF65-F5344CB8AC3E}">
-        <p14:creationId xmlns:p14="http://schemas.microsoft.com/office/powerpoint/2010/main" val="3663622043"/>
+        <p14:creationId xmlns:p14="http://schemas.microsoft.com/office/powerpoint/2010/main" val="2535341054"/>
       </p:ext>
     </p:extLst>
   </p:cSld>
@@ -8738,7 +8248,15 @@
             <p:ph type="title"/>
           </p:nvPr>
         </p:nvSpPr>
-        <p:spPr/>
+        <p:spPr>
+          <a:xfrm>
+            <a:off x="1154953" y="969264"/>
+            <a:ext cx="8825659" cy="704088"/>
+          </a:xfrm>
+          <a:prstGeom prst="rect">
+            <a:avLst/>
+          </a:prstGeom>
+        </p:spPr>
         <p:txBody>
           <a:bodyPr/>
           <a:lstStyle/>
@@ -8764,7 +8282,7 @@
         <p:spPr>
           <a:xfrm>
             <a:off x="1154954" y="2603500"/>
-            <a:ext cx="4825158" cy="3416301"/>
+            <a:ext cx="4828032" cy="3416301"/>
           </a:xfrm>
         </p:spPr>
         <p:txBody>
@@ -8822,8 +8340,8 @@
         </p:nvSpPr>
         <p:spPr>
           <a:xfrm>
-            <a:off x="6208712" y="2603500"/>
-            <a:ext cx="4825159" cy="3416300"/>
+            <a:off x="6208776" y="2603500"/>
+            <a:ext cx="4828032" cy="3416300"/>
           </a:xfrm>
         </p:spPr>
         <p:txBody>
@@ -8886,7 +8404,7 @@
           <a:p>
             <a:fld id="{F8164D30-88BB-48DE-B6A4-E99F929B5FDA}" type="datetimeFigureOut">
               <a:rPr lang="es-ES" smtClean="0"/>
-              <a:t>11/05/2024</a:t>
+              <a:t>09/07/2024</a:t>
             </a:fld>
             <a:endParaRPr lang="es-ES"/>
           </a:p>
@@ -8937,7 +8455,7 @@
     </p:spTree>
     <p:extLst>
       <p:ext uri="{BB962C8B-B14F-4D97-AF65-F5344CB8AC3E}">
-        <p14:creationId xmlns:p14="http://schemas.microsoft.com/office/powerpoint/2010/main" val="4181897493"/>
+        <p14:creationId xmlns:p14="http://schemas.microsoft.com/office/powerpoint/2010/main" val="3006452550"/>
       </p:ext>
     </p:extLst>
   </p:cSld>
@@ -8974,7 +8492,15 @@
             <p:ph type="title"/>
           </p:nvPr>
         </p:nvSpPr>
-        <p:spPr/>
+        <p:spPr>
+          <a:xfrm>
+            <a:off x="1154954" y="969264"/>
+            <a:ext cx="8825659" cy="704088"/>
+          </a:xfrm>
+          <a:prstGeom prst="rect">
+            <a:avLst/>
+          </a:prstGeom>
+        </p:spPr>
         <p:txBody>
           <a:bodyPr/>
           <a:lstStyle>
@@ -9003,8 +8529,8 @@
         </p:nvSpPr>
         <p:spPr>
           <a:xfrm>
-            <a:off x="1154954" y="2603500"/>
-            <a:ext cx="4825157" cy="576262"/>
+            <a:off x="1154954" y="2606040"/>
+            <a:ext cx="4828032" cy="576262"/>
           </a:xfrm>
         </p:spPr>
         <p:txBody>
@@ -9074,8 +8600,8 @@
         </p:nvSpPr>
         <p:spPr>
           <a:xfrm>
-            <a:off x="1154954" y="3179762"/>
-            <a:ext cx="4825158" cy="2840039"/>
+            <a:off x="1154954" y="3198448"/>
+            <a:ext cx="4828032" cy="2843784"/>
           </a:xfrm>
         </p:spPr>
         <p:txBody>
@@ -9133,8 +8659,8 @@
         </p:nvSpPr>
         <p:spPr>
           <a:xfrm>
-            <a:off x="6208712" y="2603500"/>
-            <a:ext cx="4825159" cy="576262"/>
+            <a:off x="6208776" y="2606040"/>
+            <a:ext cx="4828032" cy="576262"/>
           </a:xfrm>
         </p:spPr>
         <p:txBody>
@@ -9204,43 +8730,15 @@
         </p:nvSpPr>
         <p:spPr>
           <a:xfrm>
-            <a:off x="6208712" y="3179762"/>
-            <a:ext cx="4825159" cy="2840039"/>
+            <a:off x="6208711" y="3187921"/>
+            <a:ext cx="4825160" cy="2854311"/>
           </a:xfrm>
         </p:spPr>
         <p:txBody>
           <a:bodyPr>
             <a:normAutofit/>
           </a:bodyPr>
-          <a:lstStyle>
-            <a:lvl1pPr>
-              <a:defRPr sz="1800"/>
-            </a:lvl1pPr>
-            <a:lvl2pPr>
-              <a:defRPr sz="1600"/>
-            </a:lvl2pPr>
-            <a:lvl3pPr>
-              <a:defRPr sz="1400"/>
-            </a:lvl3pPr>
-            <a:lvl4pPr>
-              <a:defRPr sz="1200"/>
-            </a:lvl4pPr>
-            <a:lvl5pPr>
-              <a:defRPr sz="1200"/>
-            </a:lvl5pPr>
-            <a:lvl6pPr>
-              <a:defRPr sz="1200"/>
-            </a:lvl6pPr>
-            <a:lvl7pPr>
-              <a:defRPr sz="1200"/>
-            </a:lvl7pPr>
-            <a:lvl8pPr>
-              <a:defRPr sz="1200"/>
-            </a:lvl8pPr>
-            <a:lvl9pPr>
-              <a:defRPr sz="1200"/>
-            </a:lvl9pPr>
-          </a:lstStyle>
+          <a:lstStyle/>
           <a:p>
             <a:pPr lvl="0"/>
             <a:r>
@@ -9296,7 +8794,7 @@
           <a:p>
             <a:fld id="{F8164D30-88BB-48DE-B6A4-E99F929B5FDA}" type="datetimeFigureOut">
               <a:rPr lang="es-ES" smtClean="0"/>
-              <a:t>11/05/2024</a:t>
+              <a:t>09/07/2024</a:t>
             </a:fld>
             <a:endParaRPr lang="es-ES"/>
           </a:p>
@@ -9347,7 +8845,7 @@
     </p:spTree>
     <p:extLst>
       <p:ext uri="{BB962C8B-B14F-4D97-AF65-F5344CB8AC3E}">
-        <p14:creationId xmlns:p14="http://schemas.microsoft.com/office/powerpoint/2010/main" val="2781828148"/>
+        <p14:creationId xmlns:p14="http://schemas.microsoft.com/office/powerpoint/2010/main" val="4047370162"/>
       </p:ext>
     </p:extLst>
   </p:cSld>
@@ -9376,7 +8874,7 @@
       </p:grpSpPr>
       <p:sp>
         <p:nvSpPr>
-          <p:cNvPr id="9" name="Title 1"/>
+          <p:cNvPr id="2" name="Title 1"/>
           <p:cNvSpPr>
             <a:spLocks noGrp="1"/>
           </p:cNvSpPr>
@@ -9386,17 +8884,16 @@
         </p:nvSpPr>
         <p:spPr>
           <a:xfrm>
-            <a:off x="1154954" y="973668"/>
-            <a:ext cx="8761413" cy="706964"/>
+            <a:off x="1152144" y="969264"/>
+            <a:ext cx="8825659" cy="704088"/>
           </a:xfrm>
+          <a:prstGeom prst="rect">
+            <a:avLst/>
+          </a:prstGeom>
         </p:spPr>
         <p:txBody>
           <a:bodyPr/>
-          <a:lstStyle>
-            <a:lvl1pPr>
-              <a:defRPr/>
-            </a:lvl1pPr>
-          </a:lstStyle>
+          <a:lstStyle/>
           <a:p>
             <a:r>
               <a:rPr lang="es-MX"/>
@@ -9423,7 +8920,7 @@
           <a:p>
             <a:fld id="{F8164D30-88BB-48DE-B6A4-E99F929B5FDA}" type="datetimeFigureOut">
               <a:rPr lang="es-ES" smtClean="0"/>
-              <a:t>11/05/2024</a:t>
+              <a:t>09/07/2024</a:t>
             </a:fld>
             <a:endParaRPr lang="es-ES"/>
           </a:p>
@@ -9474,7 +8971,7 @@
     </p:spTree>
     <p:extLst>
       <p:ext uri="{BB962C8B-B14F-4D97-AF65-F5344CB8AC3E}">
-        <p14:creationId xmlns:p14="http://schemas.microsoft.com/office/powerpoint/2010/main" val="2570254770"/>
+        <p14:creationId xmlns:p14="http://schemas.microsoft.com/office/powerpoint/2010/main" val="2231881000"/>
       </p:ext>
     </p:extLst>
   </p:cSld>
@@ -9518,7 +9015,7 @@
           <a:p>
             <a:fld id="{F8164D30-88BB-48DE-B6A4-E99F929B5FDA}" type="datetimeFigureOut">
               <a:rPr lang="es-ES" smtClean="0"/>
-              <a:t>11/05/2024</a:t>
+              <a:t>09/07/2024</a:t>
             </a:fld>
             <a:endParaRPr lang="es-ES"/>
           </a:p>
@@ -9545,7 +9042,7 @@
       </p:sp>
       <p:sp>
         <p:nvSpPr>
-          <p:cNvPr id="7" name="Rectangle 6"/>
+          <p:cNvPr id="6" name="Rectangle 5"/>
           <p:cNvSpPr/>
           <p:nvPr/>
         </p:nvSpPr>
@@ -9605,7 +9102,7 @@
     </p:spTree>
     <p:extLst>
       <p:ext uri="{BB962C8B-B14F-4D97-AF65-F5344CB8AC3E}">
-        <p14:creationId xmlns:p14="http://schemas.microsoft.com/office/powerpoint/2010/main" val="4038541643"/>
+        <p14:creationId xmlns:p14="http://schemas.microsoft.com/office/powerpoint/2010/main" val="1052119665"/>
       </p:ext>
     </p:extLst>
   </p:cSld>
@@ -9634,21 +9131,21 @@
       </p:grpSpPr>
       <p:grpSp>
         <p:nvGrpSpPr>
-          <p:cNvPr id="9" name="Group 8"/>
+          <p:cNvPr id="18" name="Group 17"/>
           <p:cNvGrpSpPr/>
           <p:nvPr/>
         </p:nvGrpSpPr>
         <p:grpSpPr>
           <a:xfrm>
-            <a:off x="0" y="0"/>
-            <a:ext cx="12192000" cy="6858000"/>
-            <a:chOff x="0" y="0"/>
-            <a:chExt cx="12192000" cy="6858000"/>
+            <a:off x="-1588" y="0"/>
+            <a:ext cx="12193588" cy="6861555"/>
+            <a:chOff x="-1588" y="0"/>
+            <a:chExt cx="12193588" cy="6861555"/>
           </a:xfrm>
         </p:grpSpPr>
         <p:sp>
           <p:nvSpPr>
-            <p:cNvPr id="14" name="Rectangle 13"/>
+            <p:cNvPr id="12" name="Rectangle 11"/>
             <p:cNvSpPr/>
             <p:nvPr/>
           </p:nvSpPr>
@@ -9665,14 +9162,15 @@
                 <a:duotone>
                   <a:schemeClr val="dk2">
                     <a:shade val="69000"/>
-                    <a:hueMod val="91000"/>
+                    <a:hueMod val="108000"/>
                     <a:satMod val="164000"/>
                     <a:lumMod val="74000"/>
                   </a:schemeClr>
                   <a:schemeClr val="dk2">
-                    <a:hueMod val="124000"/>
+                    <a:tint val="96000"/>
+                    <a:hueMod val="88000"/>
                     <a:satMod val="140000"/>
-                    <a:lumMod val="142000"/>
+                    <a:lumMod val="132000"/>
                   </a:schemeClr>
                 </a:duotone>
               </a:blip>
@@ -9703,14 +9201,14 @@
         </p:sp>
         <p:sp>
           <p:nvSpPr>
-            <p:cNvPr id="17" name="Oval 16"/>
+            <p:cNvPr id="15" name="Oval 14"/>
             <p:cNvSpPr/>
             <p:nvPr/>
           </p:nvSpPr>
           <p:spPr>
             <a:xfrm>
-              <a:off x="0" y="2667000"/>
-              <a:ext cx="4191000" cy="4191000"/>
+              <a:off x="8761412" y="1828800"/>
+              <a:ext cx="2819400" cy="2819400"/>
             </a:xfrm>
             <a:prstGeom prst="ellipse">
               <a:avLst/>
@@ -9719,17 +9217,17 @@
               <a:gsLst>
                 <a:gs pos="0">
                   <a:schemeClr val="accent5">
-                    <a:alpha val="11000"/>
+                    <a:alpha val="7000"/>
                   </a:schemeClr>
                 </a:gs>
-                <a:gs pos="75000">
+                <a:gs pos="69000">
                   <a:schemeClr val="accent5">
                     <a:alpha val="0"/>
                   </a:schemeClr>
                 </a:gs>
                 <a:gs pos="36000">
                   <a:schemeClr val="accent5">
-                    <a:alpha val="10000"/>
+                    <a:alpha val="6000"/>
                   </a:schemeClr>
                 </a:gs>
               </a:gsLst>
@@ -9760,14 +9258,14 @@
         </p:sp>
         <p:sp>
           <p:nvSpPr>
-            <p:cNvPr id="19" name="Oval 18"/>
+            <p:cNvPr id="16" name="Oval 15"/>
             <p:cNvSpPr/>
             <p:nvPr/>
           </p:nvSpPr>
           <p:spPr>
             <a:xfrm>
-              <a:off x="0" y="2895600"/>
-              <a:ext cx="2362200" cy="2362200"/>
+              <a:off x="8761412" y="5870955"/>
+              <a:ext cx="990600" cy="990600"/>
             </a:xfrm>
             <a:prstGeom prst="ellipse">
               <a:avLst/>
@@ -9776,17 +9274,17 @@
               <a:gsLst>
                 <a:gs pos="0">
                   <a:schemeClr val="accent5">
-                    <a:alpha val="8000"/>
+                    <a:alpha val="14000"/>
                   </a:schemeClr>
                 </a:gs>
-                <a:gs pos="72000">
+                <a:gs pos="66000">
                   <a:schemeClr val="accent5">
                     <a:alpha val="0"/>
                   </a:schemeClr>
                 </a:gs>
                 <a:gs pos="36000">
                   <a:schemeClr val="accent5">
-                    <a:alpha val="8000"/>
+                    <a:alpha val="7000"/>
                   </a:schemeClr>
                 </a:gs>
               </a:gsLst>
@@ -9817,14 +9315,14 @@
         </p:sp>
         <p:sp>
           <p:nvSpPr>
-            <p:cNvPr id="20" name="Oval 19"/>
+            <p:cNvPr id="17" name="Oval 16"/>
             <p:cNvSpPr/>
             <p:nvPr/>
           </p:nvSpPr>
           <p:spPr>
             <a:xfrm>
-              <a:off x="8609012" y="5867400"/>
-              <a:ext cx="990600" cy="990600"/>
+              <a:off x="-1588" y="2667000"/>
+              <a:ext cx="4191000" cy="4191000"/>
             </a:xfrm>
             <a:prstGeom prst="ellipse">
               <a:avLst/>
@@ -9833,17 +9331,17 @@
               <a:gsLst>
                 <a:gs pos="0">
                   <a:schemeClr val="accent5">
-                    <a:alpha val="14000"/>
+                    <a:alpha val="11000"/>
                   </a:schemeClr>
                 </a:gs>
-                <a:gs pos="66000">
+                <a:gs pos="75000">
                   <a:schemeClr val="accent5">
                     <a:alpha val="0"/>
                   </a:schemeClr>
                 </a:gs>
                 <a:gs pos="36000">
                   <a:schemeClr val="accent5">
-                    <a:alpha val="7000"/>
+                    <a:alpha val="10000"/>
                   </a:schemeClr>
                 </a:gs>
               </a:gsLst>
@@ -9874,125 +9372,11 @@
         </p:sp>
         <p:sp>
           <p:nvSpPr>
-            <p:cNvPr id="21" name="Oval 20"/>
+            <p:cNvPr id="8" name="Rectangle 7"/>
             <p:cNvSpPr/>
             <p:nvPr/>
           </p:nvSpPr>
           <p:spPr>
-            <a:xfrm>
-              <a:off x="8609012" y="1676400"/>
-              <a:ext cx="2819400" cy="2819400"/>
-            </a:xfrm>
-            <a:prstGeom prst="ellipse">
-              <a:avLst/>
-            </a:prstGeom>
-            <a:gradFill flip="none" rotWithShape="1">
-              <a:gsLst>
-                <a:gs pos="0">
-                  <a:schemeClr val="accent5">
-                    <a:alpha val="7000"/>
-                  </a:schemeClr>
-                </a:gs>
-                <a:gs pos="69000">
-                  <a:schemeClr val="accent5">
-                    <a:alpha val="0"/>
-                  </a:schemeClr>
-                </a:gs>
-                <a:gs pos="36000">
-                  <a:schemeClr val="accent5">
-                    <a:alpha val="6000"/>
-                  </a:schemeClr>
-                </a:gs>
-              </a:gsLst>
-              <a:path path="circle">
-                <a:fillToRect l="50000" t="50000" r="50000" b="50000"/>
-              </a:path>
-              <a:tileRect/>
-            </a:gradFill>
-            <a:ln>
-              <a:noFill/>
-            </a:ln>
-            <a:effectLst/>
-          </p:spPr>
-          <p:style>
-            <a:lnRef idx="1">
-              <a:schemeClr val="accent1"/>
-            </a:lnRef>
-            <a:fillRef idx="3">
-              <a:schemeClr val="accent1"/>
-            </a:fillRef>
-            <a:effectRef idx="2">
-              <a:schemeClr val="accent1"/>
-            </a:effectRef>
-            <a:fontRef idx="minor">
-              <a:schemeClr val="lt1"/>
-            </a:fontRef>
-          </p:style>
-        </p:sp>
-        <p:sp>
-          <p:nvSpPr>
-            <p:cNvPr id="22" name="Oval 21"/>
-            <p:cNvSpPr/>
-            <p:nvPr/>
-          </p:nvSpPr>
-          <p:spPr>
-            <a:xfrm>
-              <a:off x="7999412" y="8464"/>
-              <a:ext cx="1600200" cy="1600200"/>
-            </a:xfrm>
-            <a:prstGeom prst="ellipse">
-              <a:avLst/>
-            </a:prstGeom>
-            <a:gradFill flip="none" rotWithShape="1">
-              <a:gsLst>
-                <a:gs pos="0">
-                  <a:schemeClr val="accent5">
-                    <a:alpha val="14000"/>
-                  </a:schemeClr>
-                </a:gs>
-                <a:gs pos="73000">
-                  <a:schemeClr val="accent5">
-                    <a:alpha val="0"/>
-                  </a:schemeClr>
-                </a:gs>
-                <a:gs pos="36000">
-                  <a:schemeClr val="accent5">
-                    <a:alpha val="7000"/>
-                  </a:schemeClr>
-                </a:gs>
-              </a:gsLst>
-              <a:path path="circle">
-                <a:fillToRect l="50000" t="50000" r="50000" b="50000"/>
-              </a:path>
-              <a:tileRect/>
-            </a:gradFill>
-            <a:ln>
-              <a:noFill/>
-            </a:ln>
-            <a:effectLst/>
-          </p:spPr>
-          <p:style>
-            <a:lnRef idx="1">
-              <a:schemeClr val="accent1"/>
-            </a:lnRef>
-            <a:fillRef idx="3">
-              <a:schemeClr val="accent1"/>
-            </a:fillRef>
-            <a:effectRef idx="2">
-              <a:schemeClr val="accent1"/>
-            </a:effectRef>
-            <a:fontRef idx="minor">
-              <a:schemeClr val="lt1"/>
-            </a:fontRef>
-          </p:style>
-        </p:sp>
-        <p:sp>
-          <p:nvSpPr>
-            <p:cNvPr id="11" name="Rectangle 10"/>
-            <p:cNvSpPr/>
-            <p:nvPr/>
-          </p:nvSpPr>
-          <p:spPr bwMode="gray">
             <a:xfrm>
               <a:off x="5713412" y="402165"/>
               <a:ext cx="6055253" cy="6053670"/>
@@ -10025,7 +9409,191 @@
         </p:sp>
         <p:sp>
           <p:nvSpPr>
-            <p:cNvPr id="18" name="Freeform 5"/>
+            <p:cNvPr id="9" name="Freeform 5"/>
+            <p:cNvSpPr/>
+            <p:nvPr/>
+          </p:nvSpPr>
+          <p:spPr bwMode="gray">
+            <a:xfrm rot="16200000">
+              <a:off x="2229377" y="2801721"/>
+              <a:ext cx="6053670" cy="1254558"/>
+            </a:xfrm>
+            <a:custGeom>
+              <a:avLst/>
+              <a:gdLst/>
+              <a:ahLst/>
+              <a:cxnLst/>
+              <a:rect l="l" t="t" r="r" b="b"/>
+              <a:pathLst>
+                <a:path w="10000" h="8000">
+                  <a:moveTo>
+                    <a:pt x="0" y="0"/>
+                  </a:moveTo>
+                  <a:lnTo>
+                    <a:pt x="0" y="7970"/>
+                  </a:lnTo>
+                  <a:lnTo>
+                    <a:pt x="10000" y="8000"/>
+                  </a:lnTo>
+                  <a:lnTo>
+                    <a:pt x="10000" y="7"/>
+                  </a:lnTo>
+                  <a:lnTo>
+                    <a:pt x="10000" y="7"/>
+                  </a:lnTo>
+                  <a:lnTo>
+                    <a:pt x="9773" y="156"/>
+                  </a:lnTo>
+                  <a:lnTo>
+                    <a:pt x="9547" y="298"/>
+                  </a:lnTo>
+                  <a:lnTo>
+                    <a:pt x="9320" y="437"/>
+                  </a:lnTo>
+                  <a:lnTo>
+                    <a:pt x="9092" y="556"/>
+                  </a:lnTo>
+                  <a:lnTo>
+                    <a:pt x="8865" y="676"/>
+                  </a:lnTo>
+                  <a:lnTo>
+                    <a:pt x="8637" y="788"/>
+                  </a:lnTo>
+                  <a:lnTo>
+                    <a:pt x="8412" y="884"/>
+                  </a:lnTo>
+                  <a:lnTo>
+                    <a:pt x="8184" y="975"/>
+                  </a:lnTo>
+                  <a:lnTo>
+                    <a:pt x="7957" y="1058"/>
+                  </a:lnTo>
+                  <a:lnTo>
+                    <a:pt x="7734" y="1130"/>
+                  </a:lnTo>
+                  <a:lnTo>
+                    <a:pt x="7508" y="1202"/>
+                  </a:lnTo>
+                  <a:lnTo>
+                    <a:pt x="7285" y="1262"/>
+                  </a:lnTo>
+                  <a:lnTo>
+                    <a:pt x="7062" y="1309"/>
+                  </a:lnTo>
+                  <a:lnTo>
+                    <a:pt x="6840" y="1358"/>
+                  </a:lnTo>
+                  <a:lnTo>
+                    <a:pt x="6620" y="1399"/>
+                  </a:lnTo>
+                  <a:lnTo>
+                    <a:pt x="6402" y="1428"/>
+                  </a:lnTo>
+                  <a:lnTo>
+                    <a:pt x="6184" y="1453"/>
+                  </a:lnTo>
+                  <a:lnTo>
+                    <a:pt x="5968" y="1477"/>
+                  </a:lnTo>
+                  <a:lnTo>
+                    <a:pt x="5755" y="1488"/>
+                  </a:lnTo>
+                  <a:lnTo>
+                    <a:pt x="5542" y="1500"/>
+                  </a:lnTo>
+                  <a:lnTo>
+                    <a:pt x="5332" y="1506"/>
+                  </a:lnTo>
+                  <a:lnTo>
+                    <a:pt x="5124" y="1500"/>
+                  </a:lnTo>
+                  <a:lnTo>
+                    <a:pt x="4918" y="1500"/>
+                  </a:lnTo>
+                  <a:lnTo>
+                    <a:pt x="4714" y="1488"/>
+                  </a:lnTo>
+                  <a:lnTo>
+                    <a:pt x="4514" y="1470"/>
+                  </a:lnTo>
+                  <a:lnTo>
+                    <a:pt x="4316" y="1453"/>
+                  </a:lnTo>
+                  <a:lnTo>
+                    <a:pt x="4122" y="1434"/>
+                  </a:lnTo>
+                  <a:lnTo>
+                    <a:pt x="3929" y="1405"/>
+                  </a:lnTo>
+                  <a:lnTo>
+                    <a:pt x="3739" y="1374"/>
+                  </a:lnTo>
+                  <a:lnTo>
+                    <a:pt x="3553" y="1346"/>
+                  </a:lnTo>
+                  <a:lnTo>
+                    <a:pt x="3190" y="1267"/>
+                  </a:lnTo>
+                  <a:lnTo>
+                    <a:pt x="2842" y="1183"/>
+                  </a:lnTo>
+                  <a:lnTo>
+                    <a:pt x="2508" y="1095"/>
+                  </a:lnTo>
+                  <a:lnTo>
+                    <a:pt x="2192" y="998"/>
+                  </a:lnTo>
+                  <a:lnTo>
+                    <a:pt x="1890" y="897"/>
+                  </a:lnTo>
+                  <a:lnTo>
+                    <a:pt x="1610" y="788"/>
+                  </a:lnTo>
+                  <a:lnTo>
+                    <a:pt x="1347" y="681"/>
+                  </a:lnTo>
+                  <a:lnTo>
+                    <a:pt x="1105" y="574"/>
+                  </a:lnTo>
+                  <a:lnTo>
+                    <a:pt x="883" y="473"/>
+                  </a:lnTo>
+                  <a:lnTo>
+                    <a:pt x="686" y="377"/>
+                  </a:lnTo>
+                  <a:lnTo>
+                    <a:pt x="508" y="286"/>
+                  </a:lnTo>
+                  <a:lnTo>
+                    <a:pt x="358" y="210"/>
+                  </a:lnTo>
+                  <a:lnTo>
+                    <a:pt x="232" y="138"/>
+                  </a:lnTo>
+                  <a:lnTo>
+                    <a:pt x="59" y="35"/>
+                  </a:lnTo>
+                  <a:lnTo>
+                    <a:pt x="0" y="0"/>
+                  </a:lnTo>
+                  <a:lnTo>
+                    <a:pt x="0" y="0"/>
+                  </a:lnTo>
+                  <a:close/>
+                </a:path>
+              </a:pathLst>
+            </a:custGeom>
+            <a:solidFill>
+              <a:schemeClr val="bg1"/>
+            </a:solidFill>
+            <a:ln>
+              <a:noFill/>
+            </a:ln>
+          </p:spPr>
+        </p:sp>
+        <p:sp>
+          <p:nvSpPr>
+            <p:cNvPr id="10" name="Freeform 5"/>
             <p:cNvSpPr/>
             <p:nvPr/>
           </p:nvSpPr>
@@ -10172,191 +9740,7 @@
         </p:sp>
         <p:sp>
           <p:nvSpPr>
-            <p:cNvPr id="12" name="Freeform 5"/>
-            <p:cNvSpPr/>
-            <p:nvPr/>
-          </p:nvSpPr>
-          <p:spPr bwMode="gray">
-            <a:xfrm rot="16200000">
-              <a:off x="2229377" y="2801721"/>
-              <a:ext cx="6053670" cy="1254558"/>
-            </a:xfrm>
-            <a:custGeom>
-              <a:avLst/>
-              <a:gdLst/>
-              <a:ahLst/>
-              <a:cxnLst/>
-              <a:rect l="l" t="t" r="r" b="b"/>
-              <a:pathLst>
-                <a:path w="10000" h="8000">
-                  <a:moveTo>
-                    <a:pt x="0" y="0"/>
-                  </a:moveTo>
-                  <a:lnTo>
-                    <a:pt x="0" y="7970"/>
-                  </a:lnTo>
-                  <a:lnTo>
-                    <a:pt x="10000" y="8000"/>
-                  </a:lnTo>
-                  <a:lnTo>
-                    <a:pt x="10000" y="7"/>
-                  </a:lnTo>
-                  <a:lnTo>
-                    <a:pt x="10000" y="7"/>
-                  </a:lnTo>
-                  <a:lnTo>
-                    <a:pt x="9773" y="156"/>
-                  </a:lnTo>
-                  <a:lnTo>
-                    <a:pt x="9547" y="298"/>
-                  </a:lnTo>
-                  <a:lnTo>
-                    <a:pt x="9320" y="437"/>
-                  </a:lnTo>
-                  <a:lnTo>
-                    <a:pt x="9092" y="556"/>
-                  </a:lnTo>
-                  <a:lnTo>
-                    <a:pt x="8865" y="676"/>
-                  </a:lnTo>
-                  <a:lnTo>
-                    <a:pt x="8637" y="788"/>
-                  </a:lnTo>
-                  <a:lnTo>
-                    <a:pt x="8412" y="884"/>
-                  </a:lnTo>
-                  <a:lnTo>
-                    <a:pt x="8184" y="975"/>
-                  </a:lnTo>
-                  <a:lnTo>
-                    <a:pt x="7957" y="1058"/>
-                  </a:lnTo>
-                  <a:lnTo>
-                    <a:pt x="7734" y="1130"/>
-                  </a:lnTo>
-                  <a:lnTo>
-                    <a:pt x="7508" y="1202"/>
-                  </a:lnTo>
-                  <a:lnTo>
-                    <a:pt x="7285" y="1262"/>
-                  </a:lnTo>
-                  <a:lnTo>
-                    <a:pt x="7062" y="1309"/>
-                  </a:lnTo>
-                  <a:lnTo>
-                    <a:pt x="6840" y="1358"/>
-                  </a:lnTo>
-                  <a:lnTo>
-                    <a:pt x="6620" y="1399"/>
-                  </a:lnTo>
-                  <a:lnTo>
-                    <a:pt x="6402" y="1428"/>
-                  </a:lnTo>
-                  <a:lnTo>
-                    <a:pt x="6184" y="1453"/>
-                  </a:lnTo>
-                  <a:lnTo>
-                    <a:pt x="5968" y="1477"/>
-                  </a:lnTo>
-                  <a:lnTo>
-                    <a:pt x="5755" y="1488"/>
-                  </a:lnTo>
-                  <a:lnTo>
-                    <a:pt x="5542" y="1500"/>
-                  </a:lnTo>
-                  <a:lnTo>
-                    <a:pt x="5332" y="1506"/>
-                  </a:lnTo>
-                  <a:lnTo>
-                    <a:pt x="5124" y="1500"/>
-                  </a:lnTo>
-                  <a:lnTo>
-                    <a:pt x="4918" y="1500"/>
-                  </a:lnTo>
-                  <a:lnTo>
-                    <a:pt x="4714" y="1488"/>
-                  </a:lnTo>
-                  <a:lnTo>
-                    <a:pt x="4514" y="1470"/>
-                  </a:lnTo>
-                  <a:lnTo>
-                    <a:pt x="4316" y="1453"/>
-                  </a:lnTo>
-                  <a:lnTo>
-                    <a:pt x="4122" y="1434"/>
-                  </a:lnTo>
-                  <a:lnTo>
-                    <a:pt x="3929" y="1405"/>
-                  </a:lnTo>
-                  <a:lnTo>
-                    <a:pt x="3739" y="1374"/>
-                  </a:lnTo>
-                  <a:lnTo>
-                    <a:pt x="3553" y="1346"/>
-                  </a:lnTo>
-                  <a:lnTo>
-                    <a:pt x="3190" y="1267"/>
-                  </a:lnTo>
-                  <a:lnTo>
-                    <a:pt x="2842" y="1183"/>
-                  </a:lnTo>
-                  <a:lnTo>
-                    <a:pt x="2508" y="1095"/>
-                  </a:lnTo>
-                  <a:lnTo>
-                    <a:pt x="2192" y="998"/>
-                  </a:lnTo>
-                  <a:lnTo>
-                    <a:pt x="1890" y="897"/>
-                  </a:lnTo>
-                  <a:lnTo>
-                    <a:pt x="1610" y="788"/>
-                  </a:lnTo>
-                  <a:lnTo>
-                    <a:pt x="1347" y="681"/>
-                  </a:lnTo>
-                  <a:lnTo>
-                    <a:pt x="1105" y="574"/>
-                  </a:lnTo>
-                  <a:lnTo>
-                    <a:pt x="883" y="473"/>
-                  </a:lnTo>
-                  <a:lnTo>
-                    <a:pt x="686" y="377"/>
-                  </a:lnTo>
-                  <a:lnTo>
-                    <a:pt x="508" y="286"/>
-                  </a:lnTo>
-                  <a:lnTo>
-                    <a:pt x="358" y="210"/>
-                  </a:lnTo>
-                  <a:lnTo>
-                    <a:pt x="232" y="138"/>
-                  </a:lnTo>
-                  <a:lnTo>
-                    <a:pt x="59" y="35"/>
-                  </a:lnTo>
-                  <a:lnTo>
-                    <a:pt x="0" y="0"/>
-                  </a:lnTo>
-                  <a:lnTo>
-                    <a:pt x="0" y="0"/>
-                  </a:lnTo>
-                  <a:close/>
-                </a:path>
-              </a:pathLst>
-            </a:custGeom>
-            <a:solidFill>
-              <a:schemeClr val="bg1"/>
-            </a:solidFill>
-            <a:ln>
-              <a:noFill/>
-            </a:ln>
-          </p:spPr>
-        </p:sp>
-        <p:sp>
-          <p:nvSpPr>
-            <p:cNvPr id="15" name="Freeform 5"/>
+            <p:cNvPr id="14" name="Freeform 5"/>
             <p:cNvSpPr>
               <a:spLocks noEditPoints="1"/>
             </p:cNvSpPr>
@@ -10431,9 +9815,12 @@
         </p:nvSpPr>
         <p:spPr>
           <a:xfrm>
-            <a:off x="1154955" y="1295400"/>
-            <a:ext cx="2793158" cy="1600200"/>
+            <a:off x="1154953" y="1298448"/>
+            <a:ext cx="2793159" cy="1597152"/>
           </a:xfrm>
+          <a:prstGeom prst="rect">
+            <a:avLst/>
+          </a:prstGeom>
         </p:spPr>
         <p:txBody>
           <a:bodyPr anchor="b"/>
@@ -10463,8 +9850,8 @@
         </p:nvSpPr>
         <p:spPr>
           <a:xfrm>
-            <a:off x="5781146" y="1447800"/>
-            <a:ext cx="5190066" cy="4572000"/>
+            <a:off x="5779008" y="1447800"/>
+            <a:ext cx="5195997" cy="4572000"/>
           </a:xfrm>
         </p:spPr>
         <p:txBody>
@@ -10522,8 +9909,8 @@
         </p:nvSpPr>
         <p:spPr bwMode="gray">
           <a:xfrm>
-            <a:off x="1154954" y="3129280"/>
-            <a:ext cx="2793158" cy="2895599"/>
+            <a:off x="1154953" y="3129280"/>
+            <a:ext cx="2793159" cy="2895599"/>
           </a:xfrm>
         </p:spPr>
         <p:txBody>
@@ -10533,9 +9920,9 @@
               <a:buNone/>
               <a:defRPr sz="1400">
                 <a:solidFill>
-                  <a:schemeClr val="accent1">
-                    <a:lumMod val="60000"/>
-                    <a:lumOff val="40000"/>
+                  <a:schemeClr val="tx2">
+                    <a:lumMod val="40000"/>
+                    <a:lumOff val="60000"/>
                   </a:schemeClr>
                 </a:solidFill>
               </a:defRPr>
@@ -10599,7 +9986,7 @@
           <a:p>
             <a:fld id="{F8164D30-88BB-48DE-B6A4-E99F929B5FDA}" type="datetimeFigureOut">
               <a:rPr lang="es-ES" smtClean="0"/>
-              <a:t>11/05/2024</a:t>
+              <a:t>09/07/2024</a:t>
             </a:fld>
             <a:endParaRPr lang="es-ES"/>
           </a:p>
@@ -10626,7 +10013,7 @@
       </p:sp>
       <p:sp>
         <p:nvSpPr>
-          <p:cNvPr id="16" name="Rectangle 15"/>
+          <p:cNvPr id="13" name="Rectangle 12"/>
           <p:cNvSpPr/>
           <p:nvPr/>
         </p:nvSpPr>
@@ -10686,7 +10073,7 @@
     </p:spTree>
     <p:extLst>
       <p:ext uri="{BB962C8B-B14F-4D97-AF65-F5344CB8AC3E}">
-        <p14:creationId xmlns:p14="http://schemas.microsoft.com/office/powerpoint/2010/main" val="3631828958"/>
+        <p14:creationId xmlns:p14="http://schemas.microsoft.com/office/powerpoint/2010/main" val="1443563606"/>
       </p:ext>
     </p:extLst>
   </p:cSld>
@@ -10715,21 +10102,21 @@
       </p:grpSpPr>
       <p:grpSp>
         <p:nvGrpSpPr>
-          <p:cNvPr id="9" name="Group 8"/>
+          <p:cNvPr id="18" name="Group 17"/>
           <p:cNvGrpSpPr/>
           <p:nvPr/>
         </p:nvGrpSpPr>
         <p:grpSpPr>
           <a:xfrm>
-            <a:off x="0" y="0"/>
-            <a:ext cx="12192000" cy="6858000"/>
-            <a:chOff x="0" y="0"/>
-            <a:chExt cx="12192000" cy="6858000"/>
+            <a:off x="-1588" y="0"/>
+            <a:ext cx="12193588" cy="6861555"/>
+            <a:chOff x="-1588" y="0"/>
+            <a:chExt cx="12193588" cy="6861555"/>
           </a:xfrm>
         </p:grpSpPr>
         <p:sp>
           <p:nvSpPr>
-            <p:cNvPr id="14" name="Rectangle 13"/>
+            <p:cNvPr id="12" name="Rectangle 11"/>
             <p:cNvSpPr/>
             <p:nvPr/>
           </p:nvSpPr>
@@ -10746,14 +10133,15 @@
                 <a:duotone>
                   <a:schemeClr val="dk2">
                     <a:shade val="69000"/>
-                    <a:hueMod val="91000"/>
+                    <a:hueMod val="108000"/>
                     <a:satMod val="164000"/>
                     <a:lumMod val="74000"/>
                   </a:schemeClr>
                   <a:schemeClr val="dk2">
-                    <a:hueMod val="124000"/>
+                    <a:tint val="96000"/>
+                    <a:hueMod val="88000"/>
                     <a:satMod val="140000"/>
-                    <a:lumMod val="142000"/>
+                    <a:lumMod val="132000"/>
                   </a:schemeClr>
                 </a:duotone>
               </a:blip>
@@ -10784,14 +10172,14 @@
         </p:sp>
         <p:sp>
           <p:nvSpPr>
-            <p:cNvPr id="17" name="Oval 16"/>
+            <p:cNvPr id="15" name="Oval 14"/>
             <p:cNvSpPr/>
             <p:nvPr/>
           </p:nvSpPr>
           <p:spPr>
             <a:xfrm>
-              <a:off x="0" y="2667000"/>
-              <a:ext cx="4191000" cy="4191000"/>
+              <a:off x="8761412" y="1828800"/>
+              <a:ext cx="2819400" cy="2819400"/>
             </a:xfrm>
             <a:prstGeom prst="ellipse">
               <a:avLst/>
@@ -10800,17 +10188,17 @@
               <a:gsLst>
                 <a:gs pos="0">
                   <a:schemeClr val="accent5">
-                    <a:alpha val="11000"/>
+                    <a:alpha val="7000"/>
                   </a:schemeClr>
                 </a:gs>
-                <a:gs pos="75000">
+                <a:gs pos="69000">
                   <a:schemeClr val="accent5">
                     <a:alpha val="0"/>
                   </a:schemeClr>
                 </a:gs>
                 <a:gs pos="36000">
                   <a:schemeClr val="accent5">
-                    <a:alpha val="10000"/>
+                    <a:alpha val="6000"/>
                   </a:schemeClr>
                 </a:gs>
               </a:gsLst>
@@ -10841,14 +10229,14 @@
         </p:sp>
         <p:sp>
           <p:nvSpPr>
-            <p:cNvPr id="18" name="Oval 17"/>
+            <p:cNvPr id="16" name="Oval 15"/>
             <p:cNvSpPr/>
             <p:nvPr/>
           </p:nvSpPr>
           <p:spPr>
             <a:xfrm>
-              <a:off x="0" y="2895600"/>
-              <a:ext cx="2362200" cy="2362200"/>
+              <a:off x="8761412" y="5870955"/>
+              <a:ext cx="990600" cy="990600"/>
             </a:xfrm>
             <a:prstGeom prst="ellipse">
               <a:avLst/>
@@ -10857,17 +10245,17 @@
               <a:gsLst>
                 <a:gs pos="0">
                   <a:schemeClr val="accent5">
-                    <a:alpha val="8000"/>
+                    <a:alpha val="14000"/>
                   </a:schemeClr>
                 </a:gs>
-                <a:gs pos="72000">
+                <a:gs pos="66000">
                   <a:schemeClr val="accent5">
                     <a:alpha val="0"/>
                   </a:schemeClr>
                 </a:gs>
                 <a:gs pos="36000">
                   <a:schemeClr val="accent5">
-                    <a:alpha val="8000"/>
+                    <a:alpha val="7000"/>
                   </a:schemeClr>
                 </a:gs>
               </a:gsLst>
@@ -10898,14 +10286,14 @@
         </p:sp>
         <p:sp>
           <p:nvSpPr>
-            <p:cNvPr id="19" name="Oval 18"/>
+            <p:cNvPr id="17" name="Oval 16"/>
             <p:cNvSpPr/>
             <p:nvPr/>
           </p:nvSpPr>
           <p:spPr>
             <a:xfrm>
-              <a:off x="8609012" y="5867400"/>
-              <a:ext cx="990600" cy="990600"/>
+              <a:off x="-1588" y="2667000"/>
+              <a:ext cx="4191000" cy="4191000"/>
             </a:xfrm>
             <a:prstGeom prst="ellipse">
               <a:avLst/>
@@ -10914,17 +10302,17 @@
               <a:gsLst>
                 <a:gs pos="0">
                   <a:schemeClr val="accent5">
-                    <a:alpha val="14000"/>
+                    <a:alpha val="11000"/>
                   </a:schemeClr>
                 </a:gs>
-                <a:gs pos="66000">
+                <a:gs pos="75000">
                   <a:schemeClr val="accent5">
                     <a:alpha val="0"/>
                   </a:schemeClr>
                 </a:gs>
                 <a:gs pos="36000">
                   <a:schemeClr val="accent5">
-                    <a:alpha val="7000"/>
+                    <a:alpha val="10000"/>
                   </a:schemeClr>
                 </a:gs>
               </a:gsLst>
@@ -10955,125 +10343,11 @@
         </p:sp>
         <p:sp>
           <p:nvSpPr>
-            <p:cNvPr id="20" name="Oval 19"/>
+            <p:cNvPr id="8" name="Rectangle 7"/>
             <p:cNvSpPr/>
             <p:nvPr/>
           </p:nvSpPr>
           <p:spPr>
-            <a:xfrm>
-              <a:off x="8609012" y="1676400"/>
-              <a:ext cx="2819400" cy="2819400"/>
-            </a:xfrm>
-            <a:prstGeom prst="ellipse">
-              <a:avLst/>
-            </a:prstGeom>
-            <a:gradFill flip="none" rotWithShape="1">
-              <a:gsLst>
-                <a:gs pos="0">
-                  <a:schemeClr val="accent5">
-                    <a:alpha val="7000"/>
-                  </a:schemeClr>
-                </a:gs>
-                <a:gs pos="69000">
-                  <a:schemeClr val="accent5">
-                    <a:alpha val="0"/>
-                  </a:schemeClr>
-                </a:gs>
-                <a:gs pos="36000">
-                  <a:schemeClr val="accent5">
-                    <a:alpha val="6000"/>
-                  </a:schemeClr>
-                </a:gs>
-              </a:gsLst>
-              <a:path path="circle">
-                <a:fillToRect l="50000" t="50000" r="50000" b="50000"/>
-              </a:path>
-              <a:tileRect/>
-            </a:gradFill>
-            <a:ln>
-              <a:noFill/>
-            </a:ln>
-            <a:effectLst/>
-          </p:spPr>
-          <p:style>
-            <a:lnRef idx="1">
-              <a:schemeClr val="accent1"/>
-            </a:lnRef>
-            <a:fillRef idx="3">
-              <a:schemeClr val="accent1"/>
-            </a:fillRef>
-            <a:effectRef idx="2">
-              <a:schemeClr val="accent1"/>
-            </a:effectRef>
-            <a:fontRef idx="minor">
-              <a:schemeClr val="lt1"/>
-            </a:fontRef>
-          </p:style>
-        </p:sp>
-        <p:sp>
-          <p:nvSpPr>
-            <p:cNvPr id="21" name="Oval 20"/>
-            <p:cNvSpPr/>
-            <p:nvPr/>
-          </p:nvSpPr>
-          <p:spPr>
-            <a:xfrm>
-              <a:off x="7999412" y="8464"/>
-              <a:ext cx="1600200" cy="1600200"/>
-            </a:xfrm>
-            <a:prstGeom prst="ellipse">
-              <a:avLst/>
-            </a:prstGeom>
-            <a:gradFill flip="none" rotWithShape="1">
-              <a:gsLst>
-                <a:gs pos="0">
-                  <a:schemeClr val="accent5">
-                    <a:alpha val="14000"/>
-                  </a:schemeClr>
-                </a:gs>
-                <a:gs pos="73000">
-                  <a:schemeClr val="accent5">
-                    <a:alpha val="0"/>
-                  </a:schemeClr>
-                </a:gs>
-                <a:gs pos="36000">
-                  <a:schemeClr val="accent5">
-                    <a:alpha val="7000"/>
-                  </a:schemeClr>
-                </a:gs>
-              </a:gsLst>
-              <a:path path="circle">
-                <a:fillToRect l="50000" t="50000" r="50000" b="50000"/>
-              </a:path>
-              <a:tileRect/>
-            </a:gradFill>
-            <a:ln>
-              <a:noFill/>
-            </a:ln>
-            <a:effectLst/>
-          </p:spPr>
-          <p:style>
-            <a:lnRef idx="1">
-              <a:schemeClr val="accent1"/>
-            </a:lnRef>
-            <a:fillRef idx="3">
-              <a:schemeClr val="accent1"/>
-            </a:fillRef>
-            <a:effectRef idx="2">
-              <a:schemeClr val="accent1"/>
-            </a:effectRef>
-            <a:fontRef idx="minor">
-              <a:schemeClr val="lt1"/>
-            </a:fontRef>
-          </p:style>
-        </p:sp>
-        <p:sp>
-          <p:nvSpPr>
-            <p:cNvPr id="11" name="Rectangle 10"/>
-            <p:cNvSpPr/>
-            <p:nvPr/>
-          </p:nvSpPr>
-          <p:spPr bwMode="gray">
             <a:xfrm>
               <a:off x="6172200" y="402165"/>
               <a:ext cx="5596465" cy="6053670"/>
@@ -11106,7 +10380,191 @@
         </p:sp>
         <p:sp>
           <p:nvSpPr>
-            <p:cNvPr id="22" name="Freeform 5"/>
+            <p:cNvPr id="9" name="Freeform 5"/>
+            <p:cNvSpPr/>
+            <p:nvPr/>
+          </p:nvSpPr>
+          <p:spPr bwMode="gray">
+            <a:xfrm rot="16200000">
+              <a:off x="3295432" y="2801721"/>
+              <a:ext cx="6053670" cy="1254558"/>
+            </a:xfrm>
+            <a:custGeom>
+              <a:avLst/>
+              <a:gdLst/>
+              <a:ahLst/>
+              <a:cxnLst/>
+              <a:rect l="l" t="t" r="r" b="b"/>
+              <a:pathLst>
+                <a:path w="10000" h="8000">
+                  <a:moveTo>
+                    <a:pt x="0" y="0"/>
+                  </a:moveTo>
+                  <a:lnTo>
+                    <a:pt x="0" y="7970"/>
+                  </a:lnTo>
+                  <a:lnTo>
+                    <a:pt x="10000" y="8000"/>
+                  </a:lnTo>
+                  <a:lnTo>
+                    <a:pt x="10000" y="7"/>
+                  </a:lnTo>
+                  <a:lnTo>
+                    <a:pt x="10000" y="7"/>
+                  </a:lnTo>
+                  <a:lnTo>
+                    <a:pt x="9773" y="156"/>
+                  </a:lnTo>
+                  <a:lnTo>
+                    <a:pt x="9547" y="298"/>
+                  </a:lnTo>
+                  <a:lnTo>
+                    <a:pt x="9320" y="437"/>
+                  </a:lnTo>
+                  <a:lnTo>
+                    <a:pt x="9092" y="556"/>
+                  </a:lnTo>
+                  <a:lnTo>
+                    <a:pt x="8865" y="676"/>
+                  </a:lnTo>
+                  <a:lnTo>
+                    <a:pt x="8637" y="788"/>
+                  </a:lnTo>
+                  <a:lnTo>
+                    <a:pt x="8412" y="884"/>
+                  </a:lnTo>
+                  <a:lnTo>
+                    <a:pt x="8184" y="975"/>
+                  </a:lnTo>
+                  <a:lnTo>
+                    <a:pt x="7957" y="1058"/>
+                  </a:lnTo>
+                  <a:lnTo>
+                    <a:pt x="7734" y="1130"/>
+                  </a:lnTo>
+                  <a:lnTo>
+                    <a:pt x="7508" y="1202"/>
+                  </a:lnTo>
+                  <a:lnTo>
+                    <a:pt x="7285" y="1262"/>
+                  </a:lnTo>
+                  <a:lnTo>
+                    <a:pt x="7062" y="1309"/>
+                  </a:lnTo>
+                  <a:lnTo>
+                    <a:pt x="6840" y="1358"/>
+                  </a:lnTo>
+                  <a:lnTo>
+                    <a:pt x="6620" y="1399"/>
+                  </a:lnTo>
+                  <a:lnTo>
+                    <a:pt x="6402" y="1428"/>
+                  </a:lnTo>
+                  <a:lnTo>
+                    <a:pt x="6184" y="1453"/>
+                  </a:lnTo>
+                  <a:lnTo>
+                    <a:pt x="5968" y="1477"/>
+                  </a:lnTo>
+                  <a:lnTo>
+                    <a:pt x="5755" y="1488"/>
+                  </a:lnTo>
+                  <a:lnTo>
+                    <a:pt x="5542" y="1500"/>
+                  </a:lnTo>
+                  <a:lnTo>
+                    <a:pt x="5332" y="1506"/>
+                  </a:lnTo>
+                  <a:lnTo>
+                    <a:pt x="5124" y="1500"/>
+                  </a:lnTo>
+                  <a:lnTo>
+                    <a:pt x="4918" y="1500"/>
+                  </a:lnTo>
+                  <a:lnTo>
+                    <a:pt x="4714" y="1488"/>
+                  </a:lnTo>
+                  <a:lnTo>
+                    <a:pt x="4514" y="1470"/>
+                  </a:lnTo>
+                  <a:lnTo>
+                    <a:pt x="4316" y="1453"/>
+                  </a:lnTo>
+                  <a:lnTo>
+                    <a:pt x="4122" y="1434"/>
+                  </a:lnTo>
+                  <a:lnTo>
+                    <a:pt x="3929" y="1405"/>
+                  </a:lnTo>
+                  <a:lnTo>
+                    <a:pt x="3739" y="1374"/>
+                  </a:lnTo>
+                  <a:lnTo>
+                    <a:pt x="3553" y="1346"/>
+                  </a:lnTo>
+                  <a:lnTo>
+                    <a:pt x="3190" y="1267"/>
+                  </a:lnTo>
+                  <a:lnTo>
+                    <a:pt x="2842" y="1183"/>
+                  </a:lnTo>
+                  <a:lnTo>
+                    <a:pt x="2508" y="1095"/>
+                  </a:lnTo>
+                  <a:lnTo>
+                    <a:pt x="2192" y="998"/>
+                  </a:lnTo>
+                  <a:lnTo>
+                    <a:pt x="1890" y="897"/>
+                  </a:lnTo>
+                  <a:lnTo>
+                    <a:pt x="1610" y="788"/>
+                  </a:lnTo>
+                  <a:lnTo>
+                    <a:pt x="1347" y="681"/>
+                  </a:lnTo>
+                  <a:lnTo>
+                    <a:pt x="1105" y="574"/>
+                  </a:lnTo>
+                  <a:lnTo>
+                    <a:pt x="883" y="473"/>
+                  </a:lnTo>
+                  <a:lnTo>
+                    <a:pt x="686" y="377"/>
+                  </a:lnTo>
+                  <a:lnTo>
+                    <a:pt x="508" y="286"/>
+                  </a:lnTo>
+                  <a:lnTo>
+                    <a:pt x="358" y="210"/>
+                  </a:lnTo>
+                  <a:lnTo>
+                    <a:pt x="232" y="138"/>
+                  </a:lnTo>
+                  <a:lnTo>
+                    <a:pt x="59" y="35"/>
+                  </a:lnTo>
+                  <a:lnTo>
+                    <a:pt x="0" y="0"/>
+                  </a:lnTo>
+                  <a:lnTo>
+                    <a:pt x="0" y="0"/>
+                  </a:lnTo>
+                  <a:close/>
+                </a:path>
+              </a:pathLst>
+            </a:custGeom>
+            <a:solidFill>
+              <a:schemeClr val="bg1"/>
+            </a:solidFill>
+            <a:ln>
+              <a:noFill/>
+            </a:ln>
+          </p:spPr>
+        </p:sp>
+        <p:sp>
+          <p:nvSpPr>
+            <p:cNvPr id="10" name="Freeform 5"/>
             <p:cNvSpPr/>
             <p:nvPr/>
           </p:nvSpPr>
@@ -11253,191 +10711,7 @@
         </p:sp>
         <p:sp>
           <p:nvSpPr>
-            <p:cNvPr id="12" name="Freeform 5"/>
-            <p:cNvSpPr/>
-            <p:nvPr/>
-          </p:nvSpPr>
-          <p:spPr bwMode="gray">
-            <a:xfrm rot="16200000">
-              <a:off x="3295432" y="2801721"/>
-              <a:ext cx="6053670" cy="1254558"/>
-            </a:xfrm>
-            <a:custGeom>
-              <a:avLst/>
-              <a:gdLst/>
-              <a:ahLst/>
-              <a:cxnLst/>
-              <a:rect l="l" t="t" r="r" b="b"/>
-              <a:pathLst>
-                <a:path w="10000" h="8000">
-                  <a:moveTo>
-                    <a:pt x="0" y="0"/>
-                  </a:moveTo>
-                  <a:lnTo>
-                    <a:pt x="0" y="7970"/>
-                  </a:lnTo>
-                  <a:lnTo>
-                    <a:pt x="10000" y="8000"/>
-                  </a:lnTo>
-                  <a:lnTo>
-                    <a:pt x="10000" y="7"/>
-                  </a:lnTo>
-                  <a:lnTo>
-                    <a:pt x="10000" y="7"/>
-                  </a:lnTo>
-                  <a:lnTo>
-                    <a:pt x="9773" y="156"/>
-                  </a:lnTo>
-                  <a:lnTo>
-                    <a:pt x="9547" y="298"/>
-                  </a:lnTo>
-                  <a:lnTo>
-                    <a:pt x="9320" y="437"/>
-                  </a:lnTo>
-                  <a:lnTo>
-                    <a:pt x="9092" y="556"/>
-                  </a:lnTo>
-                  <a:lnTo>
-                    <a:pt x="8865" y="676"/>
-                  </a:lnTo>
-                  <a:lnTo>
-                    <a:pt x="8637" y="788"/>
-                  </a:lnTo>
-                  <a:lnTo>
-                    <a:pt x="8412" y="884"/>
-                  </a:lnTo>
-                  <a:lnTo>
-                    <a:pt x="8184" y="975"/>
-                  </a:lnTo>
-                  <a:lnTo>
-                    <a:pt x="7957" y="1058"/>
-                  </a:lnTo>
-                  <a:lnTo>
-                    <a:pt x="7734" y="1130"/>
-                  </a:lnTo>
-                  <a:lnTo>
-                    <a:pt x="7508" y="1202"/>
-                  </a:lnTo>
-                  <a:lnTo>
-                    <a:pt x="7285" y="1262"/>
-                  </a:lnTo>
-                  <a:lnTo>
-                    <a:pt x="7062" y="1309"/>
-                  </a:lnTo>
-                  <a:lnTo>
-                    <a:pt x="6840" y="1358"/>
-                  </a:lnTo>
-                  <a:lnTo>
-                    <a:pt x="6620" y="1399"/>
-                  </a:lnTo>
-                  <a:lnTo>
-                    <a:pt x="6402" y="1428"/>
-                  </a:lnTo>
-                  <a:lnTo>
-                    <a:pt x="6184" y="1453"/>
-                  </a:lnTo>
-                  <a:lnTo>
-                    <a:pt x="5968" y="1477"/>
-                  </a:lnTo>
-                  <a:lnTo>
-                    <a:pt x="5755" y="1488"/>
-                  </a:lnTo>
-                  <a:lnTo>
-                    <a:pt x="5542" y="1500"/>
-                  </a:lnTo>
-                  <a:lnTo>
-                    <a:pt x="5332" y="1506"/>
-                  </a:lnTo>
-                  <a:lnTo>
-                    <a:pt x="5124" y="1500"/>
-                  </a:lnTo>
-                  <a:lnTo>
-                    <a:pt x="4918" y="1500"/>
-                  </a:lnTo>
-                  <a:lnTo>
-                    <a:pt x="4714" y="1488"/>
-                  </a:lnTo>
-                  <a:lnTo>
-                    <a:pt x="4514" y="1470"/>
-                  </a:lnTo>
-                  <a:lnTo>
-                    <a:pt x="4316" y="1453"/>
-                  </a:lnTo>
-                  <a:lnTo>
-                    <a:pt x="4122" y="1434"/>
-                  </a:lnTo>
-                  <a:lnTo>
-                    <a:pt x="3929" y="1405"/>
-                  </a:lnTo>
-                  <a:lnTo>
-                    <a:pt x="3739" y="1374"/>
-                  </a:lnTo>
-                  <a:lnTo>
-                    <a:pt x="3553" y="1346"/>
-                  </a:lnTo>
-                  <a:lnTo>
-                    <a:pt x="3190" y="1267"/>
-                  </a:lnTo>
-                  <a:lnTo>
-                    <a:pt x="2842" y="1183"/>
-                  </a:lnTo>
-                  <a:lnTo>
-                    <a:pt x="2508" y="1095"/>
-                  </a:lnTo>
-                  <a:lnTo>
-                    <a:pt x="2192" y="998"/>
-                  </a:lnTo>
-                  <a:lnTo>
-                    <a:pt x="1890" y="897"/>
-                  </a:lnTo>
-                  <a:lnTo>
-                    <a:pt x="1610" y="788"/>
-                  </a:lnTo>
-                  <a:lnTo>
-                    <a:pt x="1347" y="681"/>
-                  </a:lnTo>
-                  <a:lnTo>
-                    <a:pt x="1105" y="574"/>
-                  </a:lnTo>
-                  <a:lnTo>
-                    <a:pt x="883" y="473"/>
-                  </a:lnTo>
-                  <a:lnTo>
-                    <a:pt x="686" y="377"/>
-                  </a:lnTo>
-                  <a:lnTo>
-                    <a:pt x="508" y="286"/>
-                  </a:lnTo>
-                  <a:lnTo>
-                    <a:pt x="358" y="210"/>
-                  </a:lnTo>
-                  <a:lnTo>
-                    <a:pt x="232" y="138"/>
-                  </a:lnTo>
-                  <a:lnTo>
-                    <a:pt x="59" y="35"/>
-                  </a:lnTo>
-                  <a:lnTo>
-                    <a:pt x="0" y="0"/>
-                  </a:lnTo>
-                  <a:lnTo>
-                    <a:pt x="0" y="0"/>
-                  </a:lnTo>
-                  <a:close/>
-                </a:path>
-              </a:pathLst>
-            </a:custGeom>
-            <a:solidFill>
-              <a:schemeClr val="bg1"/>
-            </a:solidFill>
-            <a:ln>
-              <a:noFill/>
-            </a:ln>
-          </p:spPr>
-        </p:sp>
-        <p:sp>
-          <p:nvSpPr>
-            <p:cNvPr id="15" name="Freeform 5"/>
+            <p:cNvPr id="14" name="Freeform 5"/>
             <p:cNvSpPr>
               <a:spLocks noEditPoints="1"/>
             </p:cNvSpPr>
@@ -11512,9 +10786,12 @@
         </p:nvSpPr>
         <p:spPr>
           <a:xfrm>
-            <a:off x="1154955" y="1693333"/>
-            <a:ext cx="3865134" cy="1735667"/>
+            <a:off x="1153907" y="1693332"/>
+            <a:ext cx="3860259" cy="1735668"/>
           </a:xfrm>
+          <a:prstGeom prst="rect">
+            <a:avLst/>
+          </a:prstGeom>
         </p:spPr>
         <p:txBody>
           <a:bodyPr anchor="b">
@@ -11605,9 +10882,6 @@
             </a:lvl9pPr>
           </a:lstStyle>
           <a:p>
-            <a:pPr marL="0" lvl="0" indent="0" algn="ctr">
-              <a:buNone/>
-            </a:pPr>
             <a:r>
               <a:rPr lang="es-MX"/>
               <a:t>Haz clic en el icono para agregar una imagen</a:t>
@@ -11628,7 +10902,7 @@
         </p:nvSpPr>
         <p:spPr bwMode="gray">
           <a:xfrm>
-            <a:off x="1154954" y="3657600"/>
+            <a:off x="1154955" y="3657600"/>
             <a:ext cx="3859212" cy="1371600"/>
           </a:xfrm>
         </p:spPr>
@@ -11641,9 +10915,9 @@
               <a:buNone/>
               <a:defRPr sz="1400">
                 <a:solidFill>
-                  <a:schemeClr val="accent1">
-                    <a:lumMod val="60000"/>
-                    <a:lumOff val="40000"/>
+                  <a:schemeClr val="tx2">
+                    <a:lumMod val="40000"/>
+                    <a:lumOff val="60000"/>
                   </a:schemeClr>
                 </a:solidFill>
               </a:defRPr>
@@ -11707,7 +10981,7 @@
           <a:p>
             <a:fld id="{F8164D30-88BB-48DE-B6A4-E99F929B5FDA}" type="datetimeFigureOut">
               <a:rPr lang="es-ES" smtClean="0"/>
-              <a:t>11/05/2024</a:t>
+              <a:t>09/07/2024</a:t>
             </a:fld>
             <a:endParaRPr lang="es-ES"/>
           </a:p>
@@ -11734,7 +11008,7 @@
       </p:sp>
       <p:sp>
         <p:nvSpPr>
-          <p:cNvPr id="16" name="Rectangle 15"/>
+          <p:cNvPr id="13" name="Rectangle 12"/>
           <p:cNvSpPr/>
           <p:nvPr/>
         </p:nvSpPr>
@@ -11794,7 +11068,7 @@
     </p:spTree>
     <p:extLst>
       <p:ext uri="{BB962C8B-B14F-4D97-AF65-F5344CB8AC3E}">
-        <p14:creationId xmlns:p14="http://schemas.microsoft.com/office/powerpoint/2010/main" val="693637921"/>
+        <p14:creationId xmlns:p14="http://schemas.microsoft.com/office/powerpoint/2010/main" val="1233610522"/>
       </p:ext>
     </p:extLst>
   </p:cSld>
@@ -11828,21 +11102,21 @@
       </p:grpSpPr>
       <p:grpSp>
         <p:nvGrpSpPr>
-          <p:cNvPr id="8" name="Group 7"/>
+          <p:cNvPr id="2" name="Group 1"/>
           <p:cNvGrpSpPr/>
           <p:nvPr/>
         </p:nvGrpSpPr>
         <p:grpSpPr>
           <a:xfrm>
-            <a:off x="0" y="0"/>
-            <a:ext cx="12192000" cy="6858000"/>
-            <a:chOff x="0" y="0"/>
-            <a:chExt cx="12192000" cy="6858000"/>
+            <a:off x="-1588" y="0"/>
+            <a:ext cx="12193588" cy="6861555"/>
+            <a:chOff x="-1588" y="0"/>
+            <a:chExt cx="12193588" cy="6861555"/>
           </a:xfrm>
         </p:grpSpPr>
         <p:sp>
           <p:nvSpPr>
-            <p:cNvPr id="7" name="Rectangle 6"/>
+            <p:cNvPr id="12" name="Rectangle 11"/>
             <p:cNvSpPr/>
             <p:nvPr/>
           </p:nvSpPr>
@@ -11859,14 +11133,15 @@
                 <a:duotone>
                   <a:schemeClr val="dk2">
                     <a:shade val="69000"/>
-                    <a:hueMod val="91000"/>
+                    <a:hueMod val="108000"/>
                     <a:satMod val="164000"/>
                     <a:lumMod val="74000"/>
                   </a:schemeClr>
                   <a:schemeClr val="dk2">
-                    <a:hueMod val="124000"/>
+                    <a:tint val="96000"/>
+                    <a:hueMod val="88000"/>
                     <a:satMod val="140000"/>
-                    <a:lumMod val="142000"/>
+                    <a:lumMod val="132000"/>
                   </a:schemeClr>
                 </a:duotone>
               </a:blip>
@@ -11897,14 +11172,14 @@
         </p:sp>
         <p:sp>
           <p:nvSpPr>
-            <p:cNvPr id="13" name="Oval 12"/>
+            <p:cNvPr id="21" name="Oval 20"/>
             <p:cNvSpPr/>
             <p:nvPr/>
           </p:nvSpPr>
           <p:spPr>
             <a:xfrm>
-              <a:off x="0" y="2667000"/>
-              <a:ext cx="4191000" cy="4191000"/>
+              <a:off x="8761412" y="1828800"/>
+              <a:ext cx="2819400" cy="2819400"/>
             </a:xfrm>
             <a:prstGeom prst="ellipse">
               <a:avLst/>
@@ -11913,17 +11188,17 @@
               <a:gsLst>
                 <a:gs pos="0">
                   <a:schemeClr val="accent5">
-                    <a:alpha val="11000"/>
+                    <a:alpha val="7000"/>
                   </a:schemeClr>
                 </a:gs>
-                <a:gs pos="75000">
+                <a:gs pos="69000">
                   <a:schemeClr val="accent5">
                     <a:alpha val="0"/>
                   </a:schemeClr>
                 </a:gs>
                 <a:gs pos="36000">
                   <a:schemeClr val="accent5">
-                    <a:alpha val="10000"/>
+                    <a:alpha val="6000"/>
                   </a:schemeClr>
                 </a:gs>
               </a:gsLst>
@@ -11954,14 +11229,14 @@
         </p:sp>
         <p:sp>
           <p:nvSpPr>
-            <p:cNvPr id="15" name="Oval 14"/>
+            <p:cNvPr id="23" name="Oval 22"/>
             <p:cNvSpPr/>
             <p:nvPr/>
           </p:nvSpPr>
           <p:spPr>
             <a:xfrm>
-              <a:off x="0" y="2895600"/>
-              <a:ext cx="2362200" cy="2362200"/>
+              <a:off x="8761412" y="5870955"/>
+              <a:ext cx="990600" cy="990600"/>
             </a:xfrm>
             <a:prstGeom prst="ellipse">
               <a:avLst/>
@@ -11970,17 +11245,17 @@
               <a:gsLst>
                 <a:gs pos="0">
                   <a:schemeClr val="accent5">
-                    <a:alpha val="8000"/>
+                    <a:alpha val="14000"/>
                   </a:schemeClr>
                 </a:gs>
-                <a:gs pos="72000">
+                <a:gs pos="66000">
                   <a:schemeClr val="accent5">
                     <a:alpha val="0"/>
                   </a:schemeClr>
                 </a:gs>
                 <a:gs pos="36000">
                   <a:schemeClr val="accent5">
-                    <a:alpha val="8000"/>
+                    <a:alpha val="7000"/>
                   </a:schemeClr>
                 </a:gs>
               </a:gsLst>
@@ -12011,14 +11286,14 @@
         </p:sp>
         <p:sp>
           <p:nvSpPr>
-            <p:cNvPr id="18" name="Oval 17"/>
+            <p:cNvPr id="20" name="Oval 19"/>
             <p:cNvSpPr/>
             <p:nvPr/>
           </p:nvSpPr>
           <p:spPr>
             <a:xfrm>
-              <a:off x="8609012" y="5867400"/>
-              <a:ext cx="990600" cy="990600"/>
+              <a:off x="-1588" y="2667000"/>
+              <a:ext cx="4191000" cy="4191000"/>
             </a:xfrm>
             <a:prstGeom prst="ellipse">
               <a:avLst/>
@@ -12027,17 +11302,17 @@
               <a:gsLst>
                 <a:gs pos="0">
                   <a:schemeClr val="accent5">
-                    <a:alpha val="14000"/>
+                    <a:alpha val="11000"/>
                   </a:schemeClr>
                 </a:gs>
-                <a:gs pos="66000">
+                <a:gs pos="75000">
                   <a:schemeClr val="accent5">
                     <a:alpha val="0"/>
                   </a:schemeClr>
                 </a:gs>
                 <a:gs pos="36000">
                   <a:schemeClr val="accent5">
-                    <a:alpha val="7000"/>
+                    <a:alpha val="10000"/>
                   </a:schemeClr>
                 </a:gs>
               </a:gsLst>
@@ -12068,121 +11343,7 @@
         </p:sp>
         <p:sp>
           <p:nvSpPr>
-            <p:cNvPr id="16" name="Oval 15"/>
-            <p:cNvSpPr/>
-            <p:nvPr/>
-          </p:nvSpPr>
-          <p:spPr>
-            <a:xfrm>
-              <a:off x="8609012" y="1676400"/>
-              <a:ext cx="2819400" cy="2819400"/>
-            </a:xfrm>
-            <a:prstGeom prst="ellipse">
-              <a:avLst/>
-            </a:prstGeom>
-            <a:gradFill flip="none" rotWithShape="1">
-              <a:gsLst>
-                <a:gs pos="0">
-                  <a:schemeClr val="accent5">
-                    <a:alpha val="7000"/>
-                  </a:schemeClr>
-                </a:gs>
-                <a:gs pos="69000">
-                  <a:schemeClr val="accent5">
-                    <a:alpha val="0"/>
-                  </a:schemeClr>
-                </a:gs>
-                <a:gs pos="36000">
-                  <a:schemeClr val="accent5">
-                    <a:alpha val="6000"/>
-                  </a:schemeClr>
-                </a:gs>
-              </a:gsLst>
-              <a:path path="circle">
-                <a:fillToRect l="50000" t="50000" r="50000" b="50000"/>
-              </a:path>
-              <a:tileRect/>
-            </a:gradFill>
-            <a:ln>
-              <a:noFill/>
-            </a:ln>
-            <a:effectLst/>
-          </p:spPr>
-          <p:style>
-            <a:lnRef idx="1">
-              <a:schemeClr val="accent1"/>
-            </a:lnRef>
-            <a:fillRef idx="3">
-              <a:schemeClr val="accent1"/>
-            </a:fillRef>
-            <a:effectRef idx="2">
-              <a:schemeClr val="accent1"/>
-            </a:effectRef>
-            <a:fontRef idx="minor">
-              <a:schemeClr val="lt1"/>
-            </a:fontRef>
-          </p:style>
-        </p:sp>
-        <p:sp>
-          <p:nvSpPr>
-            <p:cNvPr id="17" name="Oval 16"/>
-            <p:cNvSpPr/>
-            <p:nvPr/>
-          </p:nvSpPr>
-          <p:spPr>
-            <a:xfrm>
-              <a:off x="7999412" y="8464"/>
-              <a:ext cx="1600200" cy="1600200"/>
-            </a:xfrm>
-            <a:prstGeom prst="ellipse">
-              <a:avLst/>
-            </a:prstGeom>
-            <a:gradFill flip="none" rotWithShape="1">
-              <a:gsLst>
-                <a:gs pos="0">
-                  <a:schemeClr val="accent5">
-                    <a:alpha val="14000"/>
-                  </a:schemeClr>
-                </a:gs>
-                <a:gs pos="73000">
-                  <a:schemeClr val="accent5">
-                    <a:alpha val="0"/>
-                  </a:schemeClr>
-                </a:gs>
-                <a:gs pos="36000">
-                  <a:schemeClr val="accent5">
-                    <a:alpha val="7000"/>
-                  </a:schemeClr>
-                </a:gs>
-              </a:gsLst>
-              <a:path path="circle">
-                <a:fillToRect l="50000" t="50000" r="50000" b="50000"/>
-              </a:path>
-              <a:tileRect/>
-            </a:gradFill>
-            <a:ln>
-              <a:noFill/>
-            </a:ln>
-            <a:effectLst/>
-          </p:spPr>
-          <p:style>
-            <a:lnRef idx="1">
-              <a:schemeClr val="accent1"/>
-            </a:lnRef>
-            <a:fillRef idx="3">
-              <a:schemeClr val="accent1"/>
-            </a:fillRef>
-            <a:effectRef idx="2">
-              <a:schemeClr val="accent1"/>
-            </a:effectRef>
-            <a:fontRef idx="minor">
-              <a:schemeClr val="lt1"/>
-            </a:fontRef>
-          </p:style>
-        </p:sp>
-        <p:sp>
-          <p:nvSpPr>
-            <p:cNvPr id="20" name="Freeform 5"/>
+            <p:cNvPr id="34" name="Freeform 5"/>
             <p:cNvSpPr/>
             <p:nvPr/>
           </p:nvSpPr>
@@ -12329,7 +11490,7 @@
         </p:sp>
         <p:sp>
           <p:nvSpPr>
-            <p:cNvPr id="19" name="Freeform 5"/>
+            <p:cNvPr id="27" name="Freeform 5"/>
             <p:cNvSpPr/>
             <p:nvPr/>
           </p:nvSpPr>
@@ -12513,7 +11674,7 @@
         </p:sp>
         <p:sp>
           <p:nvSpPr>
-            <p:cNvPr id="14" name="Freeform 5"/>
+            <p:cNvPr id="28" name="Freeform 5"/>
             <p:cNvSpPr>
               <a:spLocks noEditPoints="1"/>
             </p:cNvSpPr>
@@ -12578,7 +11739,7 @@
       </p:grpSp>
       <p:sp>
         <p:nvSpPr>
-          <p:cNvPr id="2" name="Title Placeholder 1"/>
+          <p:cNvPr id="30" name="Title Placeholder 1"/>
           <p:cNvSpPr>
             <a:spLocks noGrp="1"/>
           </p:cNvSpPr>
@@ -12683,7 +11844,7 @@
         </p:nvSpPr>
         <p:spPr>
           <a:xfrm>
-            <a:off x="10653104" y="6391838"/>
+            <a:off x="10652760" y="6391656"/>
             <a:ext cx="990599" cy="304799"/>
           </a:xfrm>
           <a:prstGeom prst="rect">
@@ -12691,7 +11852,7 @@
           </a:prstGeom>
         </p:spPr>
         <p:txBody>
-          <a:bodyPr vert="horz" lIns="91440" tIns="45720" rIns="91440" bIns="45720" rtlCol="0" anchor="ctr"/>
+          <a:bodyPr vert="horz" lIns="91440" tIns="45720" rIns="91440" bIns="45720" rtlCol="0" anchor="ctr" anchorCtr="0"/>
           <a:lstStyle>
             <a:lvl1pPr algn="r">
               <a:defRPr sz="1000" b="1" i="0">
@@ -12704,7 +11865,7 @@
           <a:p>
             <a:fld id="{F8164D30-88BB-48DE-B6A4-E99F929B5FDA}" type="datetimeFigureOut">
               <a:rPr lang="es-ES" smtClean="0"/>
-              <a:t>11/05/2024</a:t>
+              <a:t>09/07/2024</a:t>
             </a:fld>
             <a:endParaRPr lang="es-ES"/>
           </a:p>
@@ -12722,15 +11883,15 @@
         </p:nvSpPr>
         <p:spPr>
           <a:xfrm>
-            <a:off x="561110" y="6391838"/>
-            <a:ext cx="3859795" cy="304801"/>
+            <a:off x="557784" y="6391656"/>
+            <a:ext cx="3867912" cy="310896"/>
           </a:xfrm>
           <a:prstGeom prst="rect">
             <a:avLst/>
           </a:prstGeom>
         </p:spPr>
         <p:txBody>
-          <a:bodyPr vert="horz" lIns="91440" tIns="45720" rIns="91440" bIns="45720" rtlCol="0" anchor="ctr"/>
+          <a:bodyPr vert="horz" lIns="91440" tIns="45720" rIns="91440" bIns="45720" rtlCol="0" anchor="ctr" anchorCtr="0"/>
           <a:lstStyle>
             <a:lvl1pPr algn="l">
               <a:defRPr sz="1000" b="1" i="0">
@@ -12747,7 +11908,7 @@
       </p:sp>
       <p:sp>
         <p:nvSpPr>
-          <p:cNvPr id="21" name="Rectangle 20"/>
+          <p:cNvPr id="29" name="Rectangle 28"/>
           <p:cNvSpPr/>
           <p:nvPr/>
         </p:nvSpPr>
@@ -12823,29 +11984,29 @@
     </p:spTree>
     <p:extLst>
       <p:ext uri="{BB962C8B-B14F-4D97-AF65-F5344CB8AC3E}">
-        <p14:creationId xmlns:p14="http://schemas.microsoft.com/office/powerpoint/2010/main" val="1403958991"/>
+        <p14:creationId xmlns:p14="http://schemas.microsoft.com/office/powerpoint/2010/main" val="2679374912"/>
       </p:ext>
     </p:extLst>
   </p:cSld>
   <p:clrMap bg1="lt1" tx1="dk1" bg2="lt2" tx2="dk2" accent1="accent1" accent2="accent2" accent3="accent3" accent4="accent4" accent5="accent5" accent6="accent6" hlink="hlink" folHlink="folHlink"/>
   <p:sldLayoutIdLst>
-    <p:sldLayoutId id="2147483763" r:id="rId1"/>
-    <p:sldLayoutId id="2147483764" r:id="rId2"/>
-    <p:sldLayoutId id="2147483765" r:id="rId3"/>
-    <p:sldLayoutId id="2147483766" r:id="rId4"/>
-    <p:sldLayoutId id="2147483767" r:id="rId5"/>
-    <p:sldLayoutId id="2147483768" r:id="rId6"/>
-    <p:sldLayoutId id="2147483769" r:id="rId7"/>
-    <p:sldLayoutId id="2147483770" r:id="rId8"/>
-    <p:sldLayoutId id="2147483771" r:id="rId9"/>
-    <p:sldLayoutId id="2147483772" r:id="rId10"/>
-    <p:sldLayoutId id="2147483773" r:id="rId11"/>
-    <p:sldLayoutId id="2147483774" r:id="rId12"/>
-    <p:sldLayoutId id="2147483775" r:id="rId13"/>
-    <p:sldLayoutId id="2147483776" r:id="rId14"/>
-    <p:sldLayoutId id="2147483777" r:id="rId15"/>
-    <p:sldLayoutId id="2147483778" r:id="rId16"/>
-    <p:sldLayoutId id="2147483779" r:id="rId17"/>
+    <p:sldLayoutId id="2147483931" r:id="rId1"/>
+    <p:sldLayoutId id="2147483932" r:id="rId2"/>
+    <p:sldLayoutId id="2147483933" r:id="rId3"/>
+    <p:sldLayoutId id="2147483934" r:id="rId4"/>
+    <p:sldLayoutId id="2147483935" r:id="rId5"/>
+    <p:sldLayoutId id="2147483936" r:id="rId6"/>
+    <p:sldLayoutId id="2147483937" r:id="rId7"/>
+    <p:sldLayoutId id="2147483938" r:id="rId8"/>
+    <p:sldLayoutId id="2147483939" r:id="rId9"/>
+    <p:sldLayoutId id="2147483940" r:id="rId10"/>
+    <p:sldLayoutId id="2147483941" r:id="rId11"/>
+    <p:sldLayoutId id="2147483942" r:id="rId12"/>
+    <p:sldLayoutId id="2147483943" r:id="rId13"/>
+    <p:sldLayoutId id="2147483944" r:id="rId14"/>
+    <p:sldLayoutId id="2147483945" r:id="rId15"/>
+    <p:sldLayoutId id="2147483946" r:id="rId16"/>
+    <p:sldLayoutId id="2147483947" r:id="rId17"/>
   </p:sldLayoutIdLst>
   <p:txStyles>
     <p:titleStyle>
@@ -13345,6 +12506,53 @@
           </a:p>
         </p:txBody>
       </p:sp>
+      <p:pic>
+        <p:nvPicPr>
+          <p:cNvPr id="1026" name="Picture 2">
+            <a:extLst>
+              <a:ext uri="{FF2B5EF4-FFF2-40B4-BE49-F238E27FC236}">
+                <a16:creationId xmlns:a16="http://schemas.microsoft.com/office/drawing/2014/main" id="{C1D3CDBF-EBDE-F5AE-ED01-5D911CBCC37E}"/>
+              </a:ext>
+            </a:extLst>
+          </p:cNvPr>
+          <p:cNvPicPr>
+            <a:picLocks noChangeAspect="1" noChangeArrowheads="1"/>
+          </p:cNvPicPr>
+          <p:nvPr/>
+        </p:nvPicPr>
+        <p:blipFill>
+          <a:blip r:embed="rId2">
+            <a:extLst>
+              <a:ext uri="{28A0092B-C50C-407E-A947-70E740481C1C}">
+                <a14:useLocalDpi xmlns:a14="http://schemas.microsoft.com/office/drawing/2010/main" val="0"/>
+              </a:ext>
+            </a:extLst>
+          </a:blip>
+          <a:srcRect/>
+          <a:stretch>
+            <a:fillRect/>
+          </a:stretch>
+        </p:blipFill>
+        <p:spPr bwMode="auto">
+          <a:xfrm rot="1747733">
+            <a:off x="6429315" y="131909"/>
+            <a:ext cx="5274567" cy="4376057"/>
+          </a:xfrm>
+          <a:prstGeom prst="rect">
+            <a:avLst/>
+          </a:prstGeom>
+          <a:noFill/>
+          <a:extLst>
+            <a:ext uri="{909E8E84-426E-40DD-AFC4-6F175D3DCCD1}">
+              <a14:hiddenFill xmlns:a14="http://schemas.microsoft.com/office/drawing/2010/main">
+                <a:solidFill>
+                  <a:srgbClr val="FFFFFF"/>
+                </a:solidFill>
+              </a14:hiddenFill>
+            </a:ext>
+          </a:extLst>
+        </p:spPr>
+      </p:pic>
     </p:spTree>
     <p:extLst>
       <p:ext uri="{BB962C8B-B14F-4D97-AF65-F5344CB8AC3E}">
@@ -13359,6 +12567,67 @@
 </file>
 
 <file path=ppt/slides/slide10.xml><?xml version="1.0" encoding="utf-8"?>
+<p:sld xmlns:a="http://schemas.openxmlformats.org/drawingml/2006/main" xmlns:r="http://schemas.openxmlformats.org/officeDocument/2006/relationships" xmlns:p="http://schemas.openxmlformats.org/presentationml/2006/main">
+  <p:cSld>
+    <p:spTree>
+      <p:nvGrpSpPr>
+        <p:cNvPr id="1" name=""/>
+        <p:cNvGrpSpPr/>
+        <p:nvPr/>
+      </p:nvGrpSpPr>
+      <p:grpSpPr>
+        <a:xfrm>
+          <a:off x="0" y="0"/>
+          <a:ext cx="0" cy="0"/>
+          <a:chOff x="0" y="0"/>
+          <a:chExt cx="0" cy="0"/>
+        </a:xfrm>
+      </p:grpSpPr>
+      <p:sp>
+        <p:nvSpPr>
+          <p:cNvPr id="2" name="Título 1">
+            <a:extLst>
+              <a:ext uri="{FF2B5EF4-FFF2-40B4-BE49-F238E27FC236}">
+                <a16:creationId xmlns:a16="http://schemas.microsoft.com/office/drawing/2014/main" id="{A02AEE00-0D23-F421-782B-845D134F9822}"/>
+              </a:ext>
+            </a:extLst>
+          </p:cNvPr>
+          <p:cNvSpPr>
+            <a:spLocks noGrp="1"/>
+          </p:cNvSpPr>
+          <p:nvPr>
+            <p:ph type="title"/>
+          </p:nvPr>
+        </p:nvSpPr>
+        <p:spPr/>
+        <p:txBody>
+          <a:bodyPr vert="horz" lIns="91440" tIns="45720" rIns="91440" bIns="45720" rtlCol="0" anchor="b">
+            <a:normAutofit fontScale="90000"/>
+          </a:bodyPr>
+          <a:lstStyle/>
+          <a:p>
+            <a:r>
+              <a:rPr lang="en-US" sz="5400" dirty="0" err="1"/>
+              <a:t>Ejecución</a:t>
+            </a:r>
+            <a:endParaRPr lang="en-US" sz="5400" dirty="0"/>
+          </a:p>
+        </p:txBody>
+      </p:sp>
+    </p:spTree>
+    <p:extLst>
+      <p:ext uri="{BB962C8B-B14F-4D97-AF65-F5344CB8AC3E}">
+        <p14:creationId xmlns:p14="http://schemas.microsoft.com/office/powerpoint/2010/main" val="3963737407"/>
+      </p:ext>
+    </p:extLst>
+  </p:cSld>
+  <p:clrMapOvr>
+    <a:masterClrMapping/>
+  </p:clrMapOvr>
+</p:sld>
+</file>
+
+<file path=ppt/slides/slide11.xml><?xml version="1.0" encoding="utf-8"?>
 <p:sld xmlns:a="http://schemas.openxmlformats.org/drawingml/2006/main" xmlns:r="http://schemas.openxmlformats.org/officeDocument/2006/relationships" xmlns:p="http://schemas.openxmlformats.org/presentationml/2006/main">
   <p:cSld>
     <p:spTree>
@@ -13642,32 +12911,49 @@
       </p:pic>
       <p:pic>
         <p:nvPicPr>
-          <p:cNvPr id="4" name="Imagen 3">
+          <p:cNvPr id="3" name="Picture 2">
             <a:extLst>
               <a:ext uri="{FF2B5EF4-FFF2-40B4-BE49-F238E27FC236}">
-                <a16:creationId xmlns:a16="http://schemas.microsoft.com/office/drawing/2014/main" id="{E3AB378F-CDC5-C0D9-42FD-33577924E22A}"/>
+                <a16:creationId xmlns:a16="http://schemas.microsoft.com/office/drawing/2014/main" id="{C2F87EF9-CD11-267A-27A9-2D96C33CB2C6}"/>
               </a:ext>
             </a:extLst>
           </p:cNvPr>
           <p:cNvPicPr>
-            <a:picLocks noChangeAspect="1"/>
+            <a:picLocks noChangeAspect="1" noChangeArrowheads="1"/>
           </p:cNvPicPr>
           <p:nvPr/>
         </p:nvPicPr>
         <p:blipFill>
-          <a:blip r:embed="rId7"/>
+          <a:blip r:embed="rId7">
+            <a:extLst>
+              <a:ext uri="{28A0092B-C50C-407E-A947-70E740481C1C}">
+                <a14:useLocalDpi xmlns:a14="http://schemas.microsoft.com/office/drawing/2010/main" val="0"/>
+              </a:ext>
+            </a:extLst>
+          </a:blip>
+          <a:srcRect/>
           <a:stretch>
             <a:fillRect/>
           </a:stretch>
         </p:blipFill>
-        <p:spPr>
+        <p:spPr bwMode="auto">
           <a:xfrm>
-            <a:off x="4353107" y="4631270"/>
-            <a:ext cx="2978022" cy="1707427"/>
+            <a:off x="4215347" y="4053970"/>
+            <a:ext cx="3281823" cy="2722772"/>
           </a:xfrm>
           <a:prstGeom prst="rect">
             <a:avLst/>
           </a:prstGeom>
+          <a:noFill/>
+          <a:extLst>
+            <a:ext uri="{909E8E84-426E-40DD-AFC4-6F175D3DCCD1}">
+              <a14:hiddenFill xmlns:a14="http://schemas.microsoft.com/office/drawing/2010/main">
+                <a:solidFill>
+                  <a:srgbClr val="FFFFFF"/>
+                </a:solidFill>
+              </a14:hiddenFill>
+            </a:ext>
+          </a:extLst>
         </p:spPr>
       </p:pic>
     </p:spTree>
@@ -13752,11 +13038,7 @@
           <a:prstGeom prst="rect">
             <a:avLst/>
           </a:prstGeom>
-          <a:solidFill>
-            <a:srgbClr val="660066">
-              <a:alpha val="20000"/>
-            </a:srgbClr>
-          </a:solidFill>
+          <a:noFill/>
         </p:spPr>
         <p:txBody>
           <a:bodyPr/>
@@ -14017,7 +13299,7 @@
                   <a:schemeClr val="accent2"/>
                 </a:solidFill>
               </a:rPr>
-              <a:t>Requerimientos funcionales</a:t>
+              <a:t>Aspecto visual</a:t>
             </a:r>
           </a:p>
           <a:p>
@@ -14028,7 +13310,7 @@
                   <a:schemeClr val="accent2"/>
                 </a:solidFill>
               </a:rPr>
-              <a:t>Requerimientos no funcionales</a:t>
+              <a:t>Diagrama de flujo</a:t>
             </a:r>
           </a:p>
           <a:p>
@@ -14039,7 +13321,18 @@
                   <a:schemeClr val="accent2"/>
                 </a:solidFill>
               </a:rPr>
-              <a:t>Diagrama de clase</a:t>
+              <a:t>Diagrama de arquitectura</a:t>
+            </a:r>
+          </a:p>
+          <a:p>
+            <a:pPr algn="just"/>
+            <a:r>
+              <a:rPr lang="es-MX" dirty="0">
+                <a:solidFill>
+                  <a:schemeClr val="accent2"/>
+                </a:solidFill>
+              </a:rPr>
+              <a:t>Problema / Objetivos?</a:t>
             </a:r>
           </a:p>
           <a:p>
@@ -14193,11 +13486,7 @@
             <a:off x="853005" y="2446867"/>
             <a:ext cx="4572541" cy="3606799"/>
           </a:xfrm>
-          <a:solidFill>
-            <a:srgbClr val="660066">
-              <a:alpha val="20000"/>
-            </a:srgbClr>
-          </a:solidFill>
+          <a:noFill/>
         </p:spPr>
         <p:txBody>
           <a:bodyPr/>
@@ -14207,7 +13496,10 @@
             <a:r>
               <a:rPr lang="es-CL" cap="none" dirty="0" err="1">
                 <a:solidFill>
-                  <a:schemeClr val="accent2"/>
+                  <a:schemeClr val="accent1">
+                    <a:lumMod val="60000"/>
+                    <a:lumOff val="40000"/>
+                  </a:schemeClr>
                 </a:solidFill>
               </a:rPr>
               <a:t>Upgrade</a:t>
@@ -14215,14 +13507,20 @@
             <a:r>
               <a:rPr lang="es-CL" cap="none" dirty="0">
                 <a:solidFill>
-                  <a:schemeClr val="accent2"/>
+                  <a:schemeClr val="accent1">
+                    <a:lumMod val="60000"/>
+                    <a:lumOff val="40000"/>
+                  </a:schemeClr>
                 </a:solidFill>
               </a:rPr>
               <a:t> es una aplicación que busca  ayudar a los jugadores de videojuego de lucha con plataformas a mejorar su rendimiento a nivel más competitivo</a:t>
             </a:r>
             <a:endParaRPr lang="es-ES" cap="none" dirty="0">
               <a:solidFill>
-                <a:schemeClr val="accent2"/>
+                <a:schemeClr val="accent1">
+                  <a:lumMod val="60000"/>
+                  <a:lumOff val="40000"/>
+                </a:schemeClr>
               </a:solidFill>
             </a:endParaRPr>
           </a:p>
@@ -14381,12 +13679,22 @@
             <a:r>
               <a:rPr lang="es-MX" dirty="0">
                 <a:solidFill>
-                  <a:schemeClr val="accent2"/>
+                  <a:schemeClr val="accent1">
+                    <a:lumMod val="60000"/>
+                    <a:lumOff val="40000"/>
+                  </a:schemeClr>
                 </a:solidFill>
               </a:rPr>
               <a:t>Desarrollo de la app</a:t>
             </a:r>
-            <a:endParaRPr lang="es-ES" dirty="0"/>
+            <a:endParaRPr lang="es-ES" dirty="0">
+              <a:solidFill>
+                <a:schemeClr val="accent1">
+                  <a:lumMod val="60000"/>
+                  <a:lumOff val="40000"/>
+                </a:schemeClr>
+              </a:solidFill>
+            </a:endParaRPr>
           </a:p>
         </p:txBody>
       </p:sp>
@@ -14411,11 +13719,7 @@
             <a:off x="853005" y="2446867"/>
             <a:ext cx="4572541" cy="3606799"/>
           </a:xfrm>
-          <a:solidFill>
-            <a:srgbClr val="660066">
-              <a:alpha val="20000"/>
-            </a:srgbClr>
-          </a:solidFill>
+          <a:noFill/>
         </p:spPr>
         <p:txBody>
           <a:bodyPr/>
@@ -14425,7 +13729,10 @@
             <a:r>
               <a:rPr lang="es-CL" cap="none" dirty="0">
                 <a:solidFill>
-                  <a:schemeClr val="accent2"/>
+                  <a:schemeClr val="accent1">
+                    <a:lumMod val="60000"/>
+                    <a:lumOff val="40000"/>
+                  </a:schemeClr>
                 </a:solidFill>
               </a:rPr>
               <a:t>- Android </a:t>
@@ -14433,14 +13740,20 @@
             <a:r>
               <a:rPr lang="es-CL" cap="none" dirty="0" err="1">
                 <a:solidFill>
-                  <a:schemeClr val="accent2"/>
+                  <a:schemeClr val="accent1">
+                    <a:lumMod val="60000"/>
+                    <a:lumOff val="40000"/>
+                  </a:schemeClr>
                 </a:solidFill>
               </a:rPr>
               <a:t>studio</a:t>
             </a:r>
             <a:endParaRPr lang="es-CL" cap="none" dirty="0">
               <a:solidFill>
-                <a:schemeClr val="accent2"/>
+                <a:schemeClr val="accent1">
+                  <a:lumMod val="60000"/>
+                  <a:lumOff val="40000"/>
+                </a:schemeClr>
               </a:solidFill>
             </a:endParaRPr>
           </a:p>
@@ -14449,7 +13762,10 @@
             <a:r>
               <a:rPr lang="es-CL" cap="none" dirty="0">
                 <a:solidFill>
-                  <a:schemeClr val="accent2"/>
+                  <a:schemeClr val="accent1">
+                    <a:lumMod val="60000"/>
+                    <a:lumOff val="40000"/>
+                  </a:schemeClr>
                 </a:solidFill>
               </a:rPr>
               <a:t>- Visual </a:t>
@@ -14457,7 +13773,10 @@
             <a:r>
               <a:rPr lang="es-CL" cap="none" dirty="0" err="1">
                 <a:solidFill>
-                  <a:schemeClr val="accent2"/>
+                  <a:schemeClr val="accent1">
+                    <a:lumMod val="60000"/>
+                    <a:lumOff val="40000"/>
+                  </a:schemeClr>
                 </a:solidFill>
               </a:rPr>
               <a:t>studio</a:t>
@@ -14465,7 +13784,10 @@
             <a:r>
               <a:rPr lang="es-CL" cap="none" dirty="0">
                 <a:solidFill>
-                  <a:schemeClr val="accent2"/>
+                  <a:schemeClr val="accent1">
+                    <a:lumMod val="60000"/>
+                    <a:lumOff val="40000"/>
+                  </a:schemeClr>
                 </a:solidFill>
               </a:rPr>
               <a:t> </a:t>
@@ -14473,14 +13795,20 @@
             <a:r>
               <a:rPr lang="es-CL" cap="none" dirty="0" err="1">
                 <a:solidFill>
-                  <a:schemeClr val="accent2"/>
+                  <a:schemeClr val="accent1">
+                    <a:lumMod val="60000"/>
+                    <a:lumOff val="40000"/>
+                  </a:schemeClr>
                 </a:solidFill>
               </a:rPr>
               <a:t>code</a:t>
             </a:r>
             <a:endParaRPr lang="es-CL" cap="none" dirty="0">
               <a:solidFill>
-                <a:schemeClr val="accent2"/>
+                <a:schemeClr val="accent1">
+                  <a:lumMod val="60000"/>
+                  <a:lumOff val="40000"/>
+                </a:schemeClr>
               </a:solidFill>
             </a:endParaRPr>
           </a:p>
@@ -14489,7 +13817,10 @@
             <a:r>
               <a:rPr lang="es-ES" cap="none" dirty="0">
                 <a:solidFill>
-                  <a:schemeClr val="accent2"/>
+                  <a:schemeClr val="accent1">
+                    <a:lumMod val="60000"/>
+                    <a:lumOff val="40000"/>
+                  </a:schemeClr>
                 </a:solidFill>
               </a:rPr>
               <a:t>- </a:t>
@@ -14497,14 +13828,20 @@
             <a:r>
               <a:rPr lang="es-ES" cap="none" dirty="0" err="1">
                 <a:solidFill>
-                  <a:schemeClr val="accent2"/>
+                  <a:schemeClr val="accent1">
+                    <a:lumMod val="60000"/>
+                    <a:lumOff val="40000"/>
+                  </a:schemeClr>
                 </a:solidFill>
               </a:rPr>
               <a:t>Github</a:t>
             </a:r>
             <a:endParaRPr lang="es-ES" cap="none" dirty="0">
               <a:solidFill>
-                <a:schemeClr val="accent2"/>
+                <a:schemeClr val="accent1">
+                  <a:lumMod val="60000"/>
+                  <a:lumOff val="40000"/>
+                </a:schemeClr>
               </a:solidFill>
             </a:endParaRPr>
           </a:p>
@@ -14704,279 +14041,157 @@
           </a:xfrm>
         </p:spPr>
         <p:txBody>
-          <a:bodyPr/>
+          <a:bodyPr>
+            <a:normAutofit/>
+          </a:bodyPr>
           <a:lstStyle/>
           <a:p>
             <a:r>
               <a:rPr lang="es-MX" dirty="0">
                 <a:solidFill>
-                  <a:schemeClr val="accent2"/>
+                  <a:schemeClr val="accent1">
+                    <a:lumMod val="60000"/>
+                    <a:lumOff val="40000"/>
+                  </a:schemeClr>
                 </a:solidFill>
               </a:rPr>
-              <a:t>Requerimientos Funcionales</a:t>
+              <a:t>Aspecto visual</a:t>
             </a:r>
-            <a:endParaRPr lang="es-ES" dirty="0"/>
+            <a:endParaRPr lang="es-ES" dirty="0">
+              <a:solidFill>
+                <a:schemeClr val="accent1">
+                  <a:lumMod val="60000"/>
+                  <a:lumOff val="40000"/>
+                </a:schemeClr>
+              </a:solidFill>
+            </a:endParaRPr>
           </a:p>
         </p:txBody>
       </p:sp>
-      <p:sp>
-        <p:nvSpPr>
-          <p:cNvPr id="3" name="Marcador de texto 2">
+      <p:pic>
+        <p:nvPicPr>
+          <p:cNvPr id="2050" name="Picture 2">
             <a:extLst>
               <a:ext uri="{FF2B5EF4-FFF2-40B4-BE49-F238E27FC236}">
-                <a16:creationId xmlns:a16="http://schemas.microsoft.com/office/drawing/2014/main" id="{46816FFA-BC20-BD06-4EB6-5FB73703ECBC}"/>
+                <a16:creationId xmlns:a16="http://schemas.microsoft.com/office/drawing/2014/main" id="{394DB87D-3B4B-659F-236E-79DA4423AB28}"/>
               </a:ext>
             </a:extLst>
           </p:cNvPr>
-          <p:cNvSpPr>
-            <a:spLocks noGrp="1"/>
-          </p:cNvSpPr>
-          <p:nvPr>
-            <p:ph type="body" idx="1"/>
-          </p:nvPr>
-        </p:nvSpPr>
-        <p:spPr>
+          <p:cNvPicPr>
+            <a:picLocks noChangeAspect="1" noChangeArrowheads="1"/>
+          </p:cNvPicPr>
+          <p:nvPr/>
+        </p:nvPicPr>
+        <p:blipFill>
+          <a:blip r:embed="rId2">
+            <a:extLst>
+              <a:ext uri="{28A0092B-C50C-407E-A947-70E740481C1C}">
+                <a14:useLocalDpi xmlns:a14="http://schemas.microsoft.com/office/drawing/2010/main" val="0"/>
+              </a:ext>
+            </a:extLst>
+          </a:blip>
+          <a:srcRect/>
+          <a:stretch>
+            <a:fillRect/>
+          </a:stretch>
+        </p:blipFill>
+        <p:spPr bwMode="auto">
           <a:xfrm>
-            <a:off x="853005" y="2446867"/>
-            <a:ext cx="4572541" cy="3606799"/>
+            <a:off x="58057" y="4596490"/>
+            <a:ext cx="11229219" cy="1878847"/>
           </a:xfrm>
-          <a:solidFill>
-            <a:srgbClr val="660066">
-              <a:alpha val="20000"/>
-            </a:srgbClr>
-          </a:solidFill>
+          <a:prstGeom prst="rect">
+            <a:avLst/>
+          </a:prstGeom>
+          <a:noFill/>
+          <a:extLst>
+            <a:ext uri="{909E8E84-426E-40DD-AFC4-6F175D3DCCD1}">
+              <a14:hiddenFill xmlns:a14="http://schemas.microsoft.com/office/drawing/2010/main">
+                <a:solidFill>
+                  <a:srgbClr val="FFFFFF"/>
+                </a:solidFill>
+              </a14:hiddenFill>
+            </a:ext>
+          </a:extLst>
         </p:spPr>
-        <p:txBody>
-          <a:bodyPr/>
-          <a:lstStyle/>
-          <a:p>
-            <a:pPr marL="342900" indent="-342900" algn="just">
-              <a:buFont typeface="Arial" panose="020B0604020202020204" pitchFamily="34" charset="0"/>
-              <a:buChar char="•"/>
-            </a:pPr>
-            <a:r>
-              <a:rPr lang="es-MX" cap="none" dirty="0">
-                <a:solidFill>
-                  <a:schemeClr val="accent2"/>
-                </a:solidFill>
-                <a:latin typeface="Arial" panose="020B0604020202020204" pitchFamily="34" charset="0"/>
-                <a:cs typeface="Arial" panose="020B0604020202020204" pitchFamily="34" charset="0"/>
-              </a:rPr>
-              <a:t>Ingresa la selección de actividad</a:t>
-            </a:r>
-          </a:p>
-          <a:p>
-            <a:pPr marL="342900" indent="-342900" algn="just">
-              <a:buFont typeface="Arial" panose="020B0604020202020204" pitchFamily="34" charset="0"/>
-              <a:buChar char="•"/>
-            </a:pPr>
-            <a:r>
-              <a:rPr lang="es-MX" cap="none" dirty="0">
-                <a:solidFill>
-                  <a:schemeClr val="accent2"/>
-                </a:solidFill>
-                <a:latin typeface="Arial" panose="020B0604020202020204" pitchFamily="34" charset="0"/>
-                <a:cs typeface="Arial" panose="020B0604020202020204" pitchFamily="34" charset="0"/>
-              </a:rPr>
-              <a:t>Selección de videojuego</a:t>
-            </a:r>
-          </a:p>
-          <a:p>
-            <a:pPr marL="342900" indent="-342900" algn="just">
-              <a:buFont typeface="Arial" panose="020B0604020202020204" pitchFamily="34" charset="0"/>
-              <a:buChar char="•"/>
-            </a:pPr>
-            <a:r>
-              <a:rPr lang="es-MX" cap="none" dirty="0">
-                <a:solidFill>
-                  <a:schemeClr val="accent2"/>
-                </a:solidFill>
-                <a:latin typeface="Arial" panose="020B0604020202020204" pitchFamily="34" charset="0"/>
-                <a:cs typeface="Arial" panose="020B0604020202020204" pitchFamily="34" charset="0"/>
-              </a:rPr>
-              <a:t>Selección de personaje</a:t>
-            </a:r>
-          </a:p>
-          <a:p>
-            <a:pPr marL="342900" indent="-342900" algn="just">
-              <a:buFont typeface="Arial" panose="020B0604020202020204" pitchFamily="34" charset="0"/>
-              <a:buChar char="•"/>
-            </a:pPr>
-            <a:r>
-              <a:rPr lang="es-MX" cap="none" dirty="0">
-                <a:solidFill>
-                  <a:schemeClr val="accent2"/>
-                </a:solidFill>
-                <a:latin typeface="Arial" panose="020B0604020202020204" pitchFamily="34" charset="0"/>
-                <a:cs typeface="Arial" panose="020B0604020202020204" pitchFamily="34" charset="0"/>
-              </a:rPr>
-              <a:t>Registro de datos</a:t>
-            </a:r>
-          </a:p>
-          <a:p>
-            <a:pPr marL="342900" indent="-342900" algn="just">
-              <a:buFont typeface="Arial" panose="020B0604020202020204" pitchFamily="34" charset="0"/>
-              <a:buChar char="•"/>
-            </a:pPr>
-            <a:r>
-              <a:rPr lang="es-MX" cap="none" dirty="0">
-                <a:solidFill>
-                  <a:schemeClr val="accent2"/>
-                </a:solidFill>
-                <a:latin typeface="Arial" panose="020B0604020202020204" pitchFamily="34" charset="0"/>
-                <a:cs typeface="Arial" panose="020B0604020202020204" pitchFamily="34" charset="0"/>
-              </a:rPr>
-              <a:t>Recomendaciones</a:t>
-            </a:r>
-            <a:endParaRPr lang="es-ES" cap="none" dirty="0">
-              <a:solidFill>
-                <a:schemeClr val="accent2"/>
-              </a:solidFill>
-              <a:latin typeface="Arial" panose="020B0604020202020204" pitchFamily="34" charset="0"/>
-              <a:cs typeface="Arial" panose="020B0604020202020204" pitchFamily="34" charset="0"/>
-            </a:endParaRPr>
-          </a:p>
-        </p:txBody>
-      </p:sp>
-    </p:spTree>
-    <p:extLst>
-      <p:ext uri="{BB962C8B-B14F-4D97-AF65-F5344CB8AC3E}">
-        <p14:creationId xmlns:p14="http://schemas.microsoft.com/office/powerpoint/2010/main" val="1652626766"/>
-      </p:ext>
-    </p:extLst>
-  </p:cSld>
-  <p:clrMapOvr>
-    <a:masterClrMapping/>
-  </p:clrMapOvr>
-</p:sld>
-</file>
-
-<file path=ppt/slides/slide6.xml><?xml version="1.0" encoding="utf-8"?>
-<p:sld xmlns:a="http://schemas.openxmlformats.org/drawingml/2006/main" xmlns:r="http://schemas.openxmlformats.org/officeDocument/2006/relationships" xmlns:p="http://schemas.openxmlformats.org/presentationml/2006/main">
-  <p:cSld>
-    <p:spTree>
-      <p:nvGrpSpPr>
-        <p:cNvPr id="1" name=""/>
-        <p:cNvGrpSpPr/>
-        <p:nvPr/>
-      </p:nvGrpSpPr>
-      <p:grpSpPr>
-        <a:xfrm>
-          <a:off x="0" y="0"/>
-          <a:ext cx="0" cy="0"/>
-          <a:chOff x="0" y="0"/>
-          <a:chExt cx="0" cy="0"/>
-        </a:xfrm>
-      </p:grpSpPr>
-      <p:sp>
-        <p:nvSpPr>
-          <p:cNvPr id="2" name="Título 1">
+      </p:pic>
+      <p:pic>
+        <p:nvPicPr>
+          <p:cNvPr id="2052" name="Picture 4">
             <a:extLst>
               <a:ext uri="{FF2B5EF4-FFF2-40B4-BE49-F238E27FC236}">
-                <a16:creationId xmlns:a16="http://schemas.microsoft.com/office/drawing/2014/main" id="{A02AEE00-0D23-F421-782B-845D134F9822}"/>
+                <a16:creationId xmlns:a16="http://schemas.microsoft.com/office/drawing/2014/main" id="{341BE0B7-5B6A-E41A-AA60-EF74F7E2F26F}"/>
               </a:ext>
             </a:extLst>
           </p:cNvPr>
-          <p:cNvSpPr>
-            <a:spLocks noGrp="1"/>
-          </p:cNvSpPr>
-          <p:nvPr>
-            <p:ph type="title"/>
-          </p:nvPr>
-        </p:nvSpPr>
-        <p:spPr>
+          <p:cNvPicPr>
+            <a:picLocks noChangeAspect="1" noChangeArrowheads="1"/>
+          </p:cNvPicPr>
+          <p:nvPr/>
+        </p:nvPicPr>
+        <p:blipFill>
+          <a:blip r:embed="rId3">
+            <a:extLst>
+              <a:ext uri="{28A0092B-C50C-407E-A947-70E740481C1C}">
+                <a14:useLocalDpi xmlns:a14="http://schemas.microsoft.com/office/drawing/2010/main" val="0"/>
+              </a:ext>
+            </a:extLst>
+          </a:blip>
+          <a:srcRect/>
+          <a:stretch>
+            <a:fillRect/>
+          </a:stretch>
+        </p:blipFill>
+        <p:spPr bwMode="auto">
           <a:xfrm>
-            <a:off x="1074521" y="425511"/>
-            <a:ext cx="4351025" cy="2283824"/>
+            <a:off x="4523619" y="136567"/>
+            <a:ext cx="5375653" cy="4459923"/>
           </a:xfrm>
+          <a:prstGeom prst="rect">
+            <a:avLst/>
+          </a:prstGeom>
+          <a:noFill/>
+          <a:extLst>
+            <a:ext uri="{909E8E84-426E-40DD-AFC4-6F175D3DCCD1}">
+              <a14:hiddenFill xmlns:a14="http://schemas.microsoft.com/office/drawing/2010/main">
+                <a:solidFill>
+                  <a:srgbClr val="FFFFFF"/>
+                </a:solidFill>
+              </a14:hiddenFill>
+            </a:ext>
+          </a:extLst>
         </p:spPr>
-        <p:txBody>
-          <a:bodyPr/>
-          <a:lstStyle/>
-          <a:p>
-            <a:r>
-              <a:rPr lang="es-MX" dirty="0">
-                <a:solidFill>
-                  <a:schemeClr val="accent2"/>
-                </a:solidFill>
-              </a:rPr>
-              <a:t>Requerimientos No Funcionales</a:t>
-            </a:r>
-            <a:endParaRPr lang="es-ES" dirty="0"/>
-          </a:p>
-        </p:txBody>
-      </p:sp>
-      <p:sp>
-        <p:nvSpPr>
-          <p:cNvPr id="3" name="Marcador de texto 2">
+      </p:pic>
+      <p:pic>
+        <p:nvPicPr>
+          <p:cNvPr id="4" name="Imagen 3">
             <a:extLst>
               <a:ext uri="{FF2B5EF4-FFF2-40B4-BE49-F238E27FC236}">
-                <a16:creationId xmlns:a16="http://schemas.microsoft.com/office/drawing/2014/main" id="{46816FFA-BC20-BD06-4EB6-5FB73703ECBC}"/>
+                <a16:creationId xmlns:a16="http://schemas.microsoft.com/office/drawing/2014/main" id="{10D48181-B3D8-DD7B-8FAB-D056A79A5C6A}"/>
               </a:ext>
             </a:extLst>
           </p:cNvPr>
-          <p:cNvSpPr>
-            <a:spLocks noGrp="1"/>
-          </p:cNvSpPr>
-          <p:nvPr>
-            <p:ph type="body" idx="1"/>
-          </p:nvPr>
-        </p:nvSpPr>
+          <p:cNvPicPr>
+            <a:picLocks noChangeAspect="1"/>
+          </p:cNvPicPr>
+          <p:nvPr/>
+        </p:nvPicPr>
+        <p:blipFill>
+          <a:blip r:embed="rId4"/>
+          <a:stretch>
+            <a:fillRect/>
+          </a:stretch>
+        </p:blipFill>
         <p:spPr>
           <a:xfrm>
-            <a:off x="853005" y="2446867"/>
-            <a:ext cx="4572541" cy="3606799"/>
+            <a:off x="9704669" y="527726"/>
+            <a:ext cx="2223474" cy="3891080"/>
           </a:xfrm>
-          <a:solidFill>
-            <a:srgbClr val="660066">
-              <a:alpha val="20000"/>
-            </a:srgbClr>
-          </a:solidFill>
+          <a:prstGeom prst="rect">
+            <a:avLst/>
+          </a:prstGeom>
         </p:spPr>
-        <p:txBody>
-          <a:bodyPr/>
-          <a:lstStyle/>
-          <a:p>
-            <a:pPr marL="342900" indent="-342900" algn="just">
-              <a:buFont typeface="Arial" panose="020B0604020202020204" pitchFamily="34" charset="0"/>
-              <a:buChar char="•"/>
-            </a:pPr>
-            <a:r>
-              <a:rPr lang="es-MX" cap="none" dirty="0">
-                <a:solidFill>
-                  <a:schemeClr val="accent2"/>
-                </a:solidFill>
-                <a:latin typeface="Arial" panose="020B0604020202020204" pitchFamily="34" charset="0"/>
-                <a:cs typeface="Arial" panose="020B0604020202020204" pitchFamily="34" charset="0"/>
-              </a:rPr>
-              <a:t>Rendimiento</a:t>
-            </a:r>
-          </a:p>
-          <a:p>
-            <a:pPr marL="342900" indent="-342900" algn="just">
-              <a:buFont typeface="Arial" panose="020B0604020202020204" pitchFamily="34" charset="0"/>
-              <a:buChar char="•"/>
-            </a:pPr>
-            <a:r>
-              <a:rPr lang="es-MX" cap="none" dirty="0">
-                <a:solidFill>
-                  <a:schemeClr val="accent2"/>
-                </a:solidFill>
-                <a:latin typeface="Arial" panose="020B0604020202020204" pitchFamily="34" charset="0"/>
-                <a:cs typeface="Arial" panose="020B0604020202020204" pitchFamily="34" charset="0"/>
-              </a:rPr>
-              <a:t>Usabilidad </a:t>
-            </a:r>
-            <a:endParaRPr lang="es-ES" cap="none" dirty="0">
-              <a:solidFill>
-                <a:schemeClr val="accent2"/>
-              </a:solidFill>
-              <a:latin typeface="Arial" panose="020B0604020202020204" pitchFamily="34" charset="0"/>
-              <a:cs typeface="Arial" panose="020B0604020202020204" pitchFamily="34" charset="0"/>
-            </a:endParaRPr>
-          </a:p>
-        </p:txBody>
-      </p:sp>
+      </p:pic>
     </p:spTree>
     <p:extLst>
       <p:ext uri="{BB962C8B-B14F-4D97-AF65-F5344CB8AC3E}">
@@ -14990,7 +14205,7 @@
 </p:sld>
 </file>
 
-<file path=ppt/slides/slide7.xml><?xml version="1.0" encoding="utf-8"?>
+<file path=ppt/slides/slide6.xml><?xml version="1.0" encoding="utf-8"?>
 <p:sld xmlns:a="http://schemas.openxmlformats.org/drawingml/2006/main" xmlns:r="http://schemas.openxmlformats.org/officeDocument/2006/relationships" xmlns:p="http://schemas.openxmlformats.org/presentationml/2006/main">
   <p:cSld>
     <p:bg>
@@ -15017,10 +14232,10 @@
       </p:grpSpPr>
       <p:grpSp>
         <p:nvGrpSpPr>
-          <p:cNvPr id="37" name="Group 24">
+          <p:cNvPr id="29" name="Group 28">
             <a:extLst>
               <a:ext uri="{FF2B5EF4-FFF2-40B4-BE49-F238E27FC236}">
-                <a16:creationId xmlns:a16="http://schemas.microsoft.com/office/drawing/2014/main" id="{6503EB0F-2257-4A3E-A73B-E1DE769B459F}"/>
+                <a16:creationId xmlns:a16="http://schemas.microsoft.com/office/drawing/2014/main" id="{D83BBD7C-498A-4C5D-AB41-F426C68BC7AF}"/>
               </a:ext>
               <a:ext uri="{C183D7F6-B498-43B3-948B-1728B52AA6E4}">
                 <adec:decorative xmlns:adec="http://schemas.microsoft.com/office/drawing/2017/decorative" val="1"/>
@@ -15040,18 +14255,18 @@
         </p:nvGrpSpPr>
         <p:grpSpPr>
           <a:xfrm>
-            <a:off x="0" y="0"/>
-            <a:ext cx="12192000" cy="6858000"/>
-            <a:chOff x="0" y="0"/>
-            <a:chExt cx="12192000" cy="6858000"/>
+            <a:off x="-1588" y="0"/>
+            <a:ext cx="12193588" cy="6861555"/>
+            <a:chOff x="-1588" y="0"/>
+            <a:chExt cx="12193588" cy="6861555"/>
           </a:xfrm>
         </p:grpSpPr>
         <p:sp>
           <p:nvSpPr>
-            <p:cNvPr id="38" name="Rectangle 25">
+            <p:cNvPr id="30" name="Rectangle 29">
               <a:extLst>
                 <a:ext uri="{FF2B5EF4-FFF2-40B4-BE49-F238E27FC236}">
-                  <a16:creationId xmlns:a16="http://schemas.microsoft.com/office/drawing/2014/main" id="{77012B2A-0D78-433A-8C68-8889D3DCDDAF}"/>
+                  <a16:creationId xmlns:a16="http://schemas.microsoft.com/office/drawing/2014/main" id="{3C244CB4-82F8-408B-90CF-8790B49200CC}"/>
                 </a:ext>
                 <a:ext uri="{C183D7F6-B498-43B3-948B-1728B52AA6E4}">
                   <adec:decorative xmlns:adec="http://schemas.microsoft.com/office/drawing/2017/decorative" val="1"/>
@@ -15080,14 +14295,15 @@
                 <a:duotone>
                   <a:schemeClr val="dk2">
                     <a:shade val="69000"/>
-                    <a:hueMod val="91000"/>
+                    <a:hueMod val="108000"/>
                     <a:satMod val="164000"/>
                     <a:lumMod val="74000"/>
                   </a:schemeClr>
                   <a:schemeClr val="dk2">
-                    <a:hueMod val="124000"/>
+                    <a:tint val="96000"/>
+                    <a:hueMod val="88000"/>
                     <a:satMod val="140000"/>
-                    <a:lumMod val="142000"/>
+                    <a:lumMod val="132000"/>
                   </a:schemeClr>
                 </a:duotone>
               </a:blip>
@@ -15125,10 +14341,247 @@
         </p:sp>
         <p:sp>
           <p:nvSpPr>
-            <p:cNvPr id="39" name="Freeform 5">
+            <p:cNvPr id="31" name="Oval 30">
               <a:extLst>
                 <a:ext uri="{FF2B5EF4-FFF2-40B4-BE49-F238E27FC236}">
-                  <a16:creationId xmlns:a16="http://schemas.microsoft.com/office/drawing/2014/main" id="{119D0202-ED3F-47CC-90E9-4E963BCDAB91}"/>
+                  <a16:creationId xmlns:a16="http://schemas.microsoft.com/office/drawing/2014/main" id="{3AEB2EDF-947E-4C45-84CA-A7677672F8D3}"/>
+                </a:ext>
+                <a:ext uri="{C183D7F6-B498-43B3-948B-1728B52AA6E4}">
+                  <adec:decorative xmlns:adec="http://schemas.microsoft.com/office/drawing/2017/decorative" val="1"/>
+                </a:ext>
+              </a:extLst>
+            </p:cNvPr>
+            <p:cNvSpPr/>
+            <p:nvPr>
+              <p:extLst>
+                <p:ext uri="{386F3935-93C4-4BCD-93E2-E3B085C9AB24}">
+                  <p16:designElem xmlns:p16="http://schemas.microsoft.com/office/powerpoint/2015/main" val="1"/>
+                </p:ext>
+              </p:extLst>
+            </p:nvPr>
+          </p:nvSpPr>
+          <p:spPr>
+            <a:xfrm>
+              <a:off x="8761412" y="1828800"/>
+              <a:ext cx="2819400" cy="2819400"/>
+            </a:xfrm>
+            <a:prstGeom prst="ellipse">
+              <a:avLst/>
+            </a:prstGeom>
+            <a:gradFill flip="none" rotWithShape="1">
+              <a:gsLst>
+                <a:gs pos="0">
+                  <a:schemeClr val="accent5">
+                    <a:alpha val="7000"/>
+                  </a:schemeClr>
+                </a:gs>
+                <a:gs pos="69000">
+                  <a:schemeClr val="accent5">
+                    <a:alpha val="0"/>
+                  </a:schemeClr>
+                </a:gs>
+                <a:gs pos="36000">
+                  <a:schemeClr val="accent5">
+                    <a:alpha val="6000"/>
+                  </a:schemeClr>
+                </a:gs>
+              </a:gsLst>
+              <a:path path="circle">
+                <a:fillToRect l="50000" t="50000" r="50000" b="50000"/>
+              </a:path>
+              <a:tileRect/>
+            </a:gradFill>
+            <a:ln>
+              <a:noFill/>
+            </a:ln>
+            <a:effectLst/>
+          </p:spPr>
+          <p:style>
+            <a:lnRef idx="1">
+              <a:schemeClr val="accent1"/>
+            </a:lnRef>
+            <a:fillRef idx="3">
+              <a:schemeClr val="accent1"/>
+            </a:fillRef>
+            <a:effectRef idx="2">
+              <a:schemeClr val="accent1"/>
+            </a:effectRef>
+            <a:fontRef idx="minor">
+              <a:schemeClr val="lt1"/>
+            </a:fontRef>
+          </p:style>
+          <p:txBody>
+            <a:bodyPr/>
+            <a:lstStyle/>
+            <a:p>
+              <a:endParaRPr lang="es-ES"/>
+            </a:p>
+          </p:txBody>
+        </p:sp>
+        <p:sp>
+          <p:nvSpPr>
+            <p:cNvPr id="32" name="Oval 31">
+              <a:extLst>
+                <a:ext uri="{FF2B5EF4-FFF2-40B4-BE49-F238E27FC236}">
+                  <a16:creationId xmlns:a16="http://schemas.microsoft.com/office/drawing/2014/main" id="{D7E0AB0B-FFA9-4D57-AC8F-5F83219DA315}"/>
+                </a:ext>
+                <a:ext uri="{C183D7F6-B498-43B3-948B-1728B52AA6E4}">
+                  <adec:decorative xmlns:adec="http://schemas.microsoft.com/office/drawing/2017/decorative" val="1"/>
+                </a:ext>
+              </a:extLst>
+            </p:cNvPr>
+            <p:cNvSpPr/>
+            <p:nvPr>
+              <p:extLst>
+                <p:ext uri="{386F3935-93C4-4BCD-93E2-E3B085C9AB24}">
+                  <p16:designElem xmlns:p16="http://schemas.microsoft.com/office/powerpoint/2015/main" val="1"/>
+                </p:ext>
+              </p:extLst>
+            </p:nvPr>
+          </p:nvSpPr>
+          <p:spPr>
+            <a:xfrm>
+              <a:off x="8761412" y="5870955"/>
+              <a:ext cx="990600" cy="990600"/>
+            </a:xfrm>
+            <a:prstGeom prst="ellipse">
+              <a:avLst/>
+            </a:prstGeom>
+            <a:gradFill flip="none" rotWithShape="1">
+              <a:gsLst>
+                <a:gs pos="0">
+                  <a:schemeClr val="accent5">
+                    <a:alpha val="14000"/>
+                  </a:schemeClr>
+                </a:gs>
+                <a:gs pos="66000">
+                  <a:schemeClr val="accent5">
+                    <a:alpha val="0"/>
+                  </a:schemeClr>
+                </a:gs>
+                <a:gs pos="36000">
+                  <a:schemeClr val="accent5">
+                    <a:alpha val="7000"/>
+                  </a:schemeClr>
+                </a:gs>
+              </a:gsLst>
+              <a:path path="circle">
+                <a:fillToRect l="50000" t="50000" r="50000" b="50000"/>
+              </a:path>
+              <a:tileRect/>
+            </a:gradFill>
+            <a:ln>
+              <a:noFill/>
+            </a:ln>
+            <a:effectLst/>
+          </p:spPr>
+          <p:style>
+            <a:lnRef idx="1">
+              <a:schemeClr val="accent1"/>
+            </a:lnRef>
+            <a:fillRef idx="3">
+              <a:schemeClr val="accent1"/>
+            </a:fillRef>
+            <a:effectRef idx="2">
+              <a:schemeClr val="accent1"/>
+            </a:effectRef>
+            <a:fontRef idx="minor">
+              <a:schemeClr val="lt1"/>
+            </a:fontRef>
+          </p:style>
+          <p:txBody>
+            <a:bodyPr/>
+            <a:lstStyle/>
+            <a:p>
+              <a:endParaRPr lang="es-ES"/>
+            </a:p>
+          </p:txBody>
+        </p:sp>
+        <p:sp>
+          <p:nvSpPr>
+            <p:cNvPr id="33" name="Oval 32">
+              <a:extLst>
+                <a:ext uri="{FF2B5EF4-FFF2-40B4-BE49-F238E27FC236}">
+                  <a16:creationId xmlns:a16="http://schemas.microsoft.com/office/drawing/2014/main" id="{3AE4624A-38E2-4004-A68A-46B487FF7F6E}"/>
+                </a:ext>
+                <a:ext uri="{C183D7F6-B498-43B3-948B-1728B52AA6E4}">
+                  <adec:decorative xmlns:adec="http://schemas.microsoft.com/office/drawing/2017/decorative" val="1"/>
+                </a:ext>
+              </a:extLst>
+            </p:cNvPr>
+            <p:cNvSpPr/>
+            <p:nvPr>
+              <p:extLst>
+                <p:ext uri="{386F3935-93C4-4BCD-93E2-E3B085C9AB24}">
+                  <p16:designElem xmlns:p16="http://schemas.microsoft.com/office/powerpoint/2015/main" val="1"/>
+                </p:ext>
+              </p:extLst>
+            </p:nvPr>
+          </p:nvSpPr>
+          <p:spPr>
+            <a:xfrm>
+              <a:off x="-1588" y="2667000"/>
+              <a:ext cx="4191000" cy="4191000"/>
+            </a:xfrm>
+            <a:prstGeom prst="ellipse">
+              <a:avLst/>
+            </a:prstGeom>
+            <a:gradFill flip="none" rotWithShape="1">
+              <a:gsLst>
+                <a:gs pos="0">
+                  <a:schemeClr val="accent5">
+                    <a:alpha val="11000"/>
+                  </a:schemeClr>
+                </a:gs>
+                <a:gs pos="75000">
+                  <a:schemeClr val="accent5">
+                    <a:alpha val="0"/>
+                  </a:schemeClr>
+                </a:gs>
+                <a:gs pos="36000">
+                  <a:schemeClr val="accent5">
+                    <a:alpha val="10000"/>
+                  </a:schemeClr>
+                </a:gs>
+              </a:gsLst>
+              <a:path path="circle">
+                <a:fillToRect l="50000" t="50000" r="50000" b="50000"/>
+              </a:path>
+              <a:tileRect/>
+            </a:gradFill>
+            <a:ln>
+              <a:noFill/>
+            </a:ln>
+            <a:effectLst/>
+          </p:spPr>
+          <p:style>
+            <a:lnRef idx="1">
+              <a:schemeClr val="accent1"/>
+            </a:lnRef>
+            <a:fillRef idx="3">
+              <a:schemeClr val="accent1"/>
+            </a:fillRef>
+            <a:effectRef idx="2">
+              <a:schemeClr val="accent1"/>
+            </a:effectRef>
+            <a:fontRef idx="minor">
+              <a:schemeClr val="lt1"/>
+            </a:fontRef>
+          </p:style>
+          <p:txBody>
+            <a:bodyPr/>
+            <a:lstStyle/>
+            <a:p>
+              <a:endParaRPr lang="es-ES"/>
+            </a:p>
+          </p:txBody>
+        </p:sp>
+        <p:sp>
+          <p:nvSpPr>
+            <p:cNvPr id="34" name="Freeform 5">
+              <a:extLst>
+                <a:ext uri="{FF2B5EF4-FFF2-40B4-BE49-F238E27FC236}">
+                  <a16:creationId xmlns:a16="http://schemas.microsoft.com/office/drawing/2014/main" id="{D389D2B9-4681-43B1-B432-CF57F21B1205}"/>
                 </a:ext>
                 <a:ext uri="{C183D7F6-B498-43B3-948B-1728B52AA6E4}">
                   <adec:decorative xmlns:adec="http://schemas.microsoft.com/office/drawing/2017/decorative" val="1"/>
@@ -15212,10 +14665,10 @@
       </p:grpSp>
       <p:sp>
         <p:nvSpPr>
-          <p:cNvPr id="40" name="Rectangle 28">
+          <p:cNvPr id="36" name="Rectangle 35">
             <a:extLst>
               <a:ext uri="{FF2B5EF4-FFF2-40B4-BE49-F238E27FC236}">
-                <a16:creationId xmlns:a16="http://schemas.microsoft.com/office/drawing/2014/main" id="{670D6F2B-93AF-47D6-9378-5E54BE0AC69F}"/>
+                <a16:creationId xmlns:a16="http://schemas.microsoft.com/office/drawing/2014/main" id="{2243419A-744C-4016-8F12-40F0C0183142}"/>
               </a:ext>
               <a:ext uri="{C183D7F6-B498-43B3-948B-1728B52AA6E4}">
                 <adec:decorative xmlns:adec="http://schemas.microsoft.com/office/drawing/2017/decorative" val="1"/>
@@ -15272,375 +14725,10 @@
       </p:sp>
       <p:sp>
         <p:nvSpPr>
-          <p:cNvPr id="41" name="Freeform 5">
+          <p:cNvPr id="38" name="Freeform 5">
             <a:extLst>
               <a:ext uri="{FF2B5EF4-FFF2-40B4-BE49-F238E27FC236}">
-                <a16:creationId xmlns:a16="http://schemas.microsoft.com/office/drawing/2014/main" id="{2D529E20-662F-4915-ACD7-970C026FDB7F}"/>
-              </a:ext>
-              <a:ext uri="{C183D7F6-B498-43B3-948B-1728B52AA6E4}">
-                <adec:decorative xmlns:adec="http://schemas.microsoft.com/office/drawing/2017/decorative" val="1"/>
-              </a:ext>
-            </a:extLst>
-          </p:cNvPr>
-          <p:cNvSpPr>
-            <a:spLocks noGrp="1" noRot="1" noChangeAspect="1" noMove="1" noResize="1" noEditPoints="1" noAdjustHandles="1" noChangeArrowheads="1" noChangeShapeType="1" noTextEdit="1"/>
-          </p:cNvSpPr>
-          <p:nvPr>
-            <p:extLst>
-              <p:ext uri="{386F3935-93C4-4BCD-93E2-E3B085C9AB24}">
-                <p16:designElem xmlns:p16="http://schemas.microsoft.com/office/powerpoint/2015/main" val="1"/>
-              </p:ext>
-            </p:extLst>
-          </p:nvPr>
-        </p:nvSpPr>
-        <p:spPr bwMode="gray">
-          <a:xfrm rot="5677511" flipH="1">
-            <a:off x="3527283" y="1857885"/>
-            <a:ext cx="3299407" cy="440924"/>
-          </a:xfrm>
-          <a:custGeom>
-            <a:avLst/>
-            <a:gdLst/>
-            <a:ahLst/>
-            <a:cxnLst/>
-            <a:rect l="l" t="t" r="r" b="b"/>
-            <a:pathLst>
-              <a:path w="10000" h="5291">
-                <a:moveTo>
-                  <a:pt x="85" y="2532"/>
-                </a:moveTo>
-                <a:cubicBezTo>
-                  <a:pt x="1736" y="3911"/>
-                  <a:pt x="7524" y="5298"/>
-                  <a:pt x="9958" y="5291"/>
-                </a:cubicBezTo>
-                <a:cubicBezTo>
-                  <a:pt x="9989" y="1958"/>
-                  <a:pt x="9969" y="3333"/>
-                  <a:pt x="10000" y="0"/>
-                </a:cubicBezTo>
-                <a:lnTo>
-                  <a:pt x="10000" y="0"/>
-                </a:lnTo>
-                <a:lnTo>
-                  <a:pt x="9667" y="204"/>
-                </a:lnTo>
-                <a:lnTo>
-                  <a:pt x="9334" y="400"/>
-                </a:lnTo>
-                <a:lnTo>
-                  <a:pt x="9001" y="590"/>
-                </a:lnTo>
-                <a:lnTo>
-                  <a:pt x="8667" y="753"/>
-                </a:lnTo>
-                <a:lnTo>
-                  <a:pt x="8333" y="917"/>
-                </a:lnTo>
-                <a:lnTo>
-                  <a:pt x="7999" y="1071"/>
-                </a:lnTo>
-                <a:lnTo>
-                  <a:pt x="7669" y="1202"/>
-                </a:lnTo>
-                <a:lnTo>
-                  <a:pt x="7333" y="1325"/>
-                </a:lnTo>
-                <a:lnTo>
-                  <a:pt x="7000" y="1440"/>
-                </a:lnTo>
-                <a:lnTo>
-                  <a:pt x="6673" y="1538"/>
-                </a:lnTo>
-                <a:lnTo>
-                  <a:pt x="6340" y="1636"/>
-                </a:lnTo>
-                <a:lnTo>
-                  <a:pt x="6013" y="1719"/>
-                </a:lnTo>
-                <a:lnTo>
-                  <a:pt x="5686" y="1784"/>
-                </a:lnTo>
-                <a:lnTo>
-                  <a:pt x="5359" y="1850"/>
-                </a:lnTo>
-                <a:lnTo>
-                  <a:pt x="5036" y="1906"/>
-                </a:lnTo>
-                <a:lnTo>
-                  <a:pt x="4717" y="1948"/>
-                </a:lnTo>
-                <a:lnTo>
-                  <a:pt x="4396" y="1980"/>
-                </a:lnTo>
-                <a:lnTo>
-                  <a:pt x="4079" y="2013"/>
-                </a:lnTo>
-                <a:lnTo>
-                  <a:pt x="3766" y="2029"/>
-                </a:lnTo>
-                <a:lnTo>
-                  <a:pt x="3454" y="2046"/>
-                </a:lnTo>
-                <a:lnTo>
-                  <a:pt x="3145" y="2053"/>
-                </a:lnTo>
-                <a:lnTo>
-                  <a:pt x="2839" y="2046"/>
-                </a:lnTo>
-                <a:lnTo>
-                  <a:pt x="2537" y="2046"/>
-                </a:lnTo>
-                <a:lnTo>
-                  <a:pt x="2238" y="2029"/>
-                </a:lnTo>
-                <a:lnTo>
-                  <a:pt x="1943" y="2004"/>
-                </a:lnTo>
-                <a:lnTo>
-                  <a:pt x="1653" y="1980"/>
-                </a:lnTo>
-                <a:lnTo>
-                  <a:pt x="1368" y="1955"/>
-                </a:lnTo>
-                <a:lnTo>
-                  <a:pt x="1085" y="1915"/>
-                </a:lnTo>
-                <a:lnTo>
-                  <a:pt x="806" y="1873"/>
-                </a:lnTo>
-                <a:lnTo>
-                  <a:pt x="533" y="1833"/>
-                </a:lnTo>
-                <a:lnTo>
-                  <a:pt x="0" y="1726"/>
-                </a:lnTo>
-                <a:cubicBezTo>
-                  <a:pt x="28" y="1995"/>
-                  <a:pt x="57" y="2263"/>
-                  <a:pt x="85" y="2532"/>
-                </a:cubicBezTo>
-                <a:close/>
-              </a:path>
-            </a:pathLst>
-          </a:custGeom>
-          <a:solidFill>
-            <a:schemeClr val="bg1">
-              <a:alpha val="20000"/>
-            </a:schemeClr>
-          </a:solidFill>
-          <a:ln>
-            <a:noFill/>
-          </a:ln>
-        </p:spPr>
-        <p:txBody>
-          <a:bodyPr/>
-          <a:lstStyle/>
-          <a:p>
-            <a:endParaRPr lang="es-ES"/>
-          </a:p>
-        </p:txBody>
-      </p:sp>
-      <p:pic>
-        <p:nvPicPr>
-          <p:cNvPr id="5" name="Imagen 4">
-            <a:extLst>
-              <a:ext uri="{FF2B5EF4-FFF2-40B4-BE49-F238E27FC236}">
-                <a16:creationId xmlns:a16="http://schemas.microsoft.com/office/drawing/2014/main" id="{C94FEFEE-551A-7890-CD69-94CCD7C6679E}"/>
-              </a:ext>
-            </a:extLst>
-          </p:cNvPr>
-          <p:cNvPicPr>
-            <a:picLocks noChangeAspect="1"/>
-          </p:cNvPicPr>
-          <p:nvPr/>
-        </p:nvPicPr>
-        <p:blipFill rotWithShape="1">
-          <a:blip r:embed="rId3"/>
-          <a:srcRect t="1825" r="-3" b="-3"/>
-          <a:stretch/>
-        </p:blipFill>
-        <p:spPr>
-          <a:xfrm>
-            <a:off x="423337" y="402166"/>
-            <a:ext cx="4932951" cy="6053670"/>
-          </a:xfrm>
-          <a:custGeom>
-            <a:avLst/>
-            <a:gdLst/>
-            <a:ahLst/>
-            <a:cxnLst/>
-            <a:rect l="l" t="t" r="r" b="b"/>
-            <a:pathLst>
-              <a:path w="4932951" h="6053670">
-                <a:moveTo>
-                  <a:pt x="0" y="0"/>
-                </a:moveTo>
-                <a:lnTo>
-                  <a:pt x="3678393" y="0"/>
-                </a:lnTo>
-                <a:lnTo>
-                  <a:pt x="4478865" y="0"/>
-                </a:lnTo>
-                <a:lnTo>
-                  <a:pt x="4931853" y="0"/>
-                </a:lnTo>
-                <a:lnTo>
-                  <a:pt x="4908487" y="137419"/>
-                </a:lnTo>
-                <a:lnTo>
-                  <a:pt x="4886218" y="274232"/>
-                </a:lnTo>
-                <a:lnTo>
-                  <a:pt x="4864421" y="411650"/>
-                </a:lnTo>
-                <a:lnTo>
-                  <a:pt x="4845759" y="549673"/>
-                </a:lnTo>
-                <a:lnTo>
-                  <a:pt x="4826941" y="687092"/>
-                </a:lnTo>
-                <a:lnTo>
-                  <a:pt x="4809377" y="825115"/>
-                </a:lnTo>
-                <a:lnTo>
-                  <a:pt x="4794322" y="961323"/>
-                </a:lnTo>
-                <a:lnTo>
-                  <a:pt x="4780052" y="1099347"/>
-                </a:lnTo>
-                <a:lnTo>
-                  <a:pt x="4767035" y="1236765"/>
-                </a:lnTo>
-                <a:lnTo>
-                  <a:pt x="4755744" y="1371761"/>
-                </a:lnTo>
-                <a:lnTo>
-                  <a:pt x="4744453" y="1508574"/>
-                </a:lnTo>
-                <a:lnTo>
-                  <a:pt x="4735044" y="1643572"/>
-                </a:lnTo>
-                <a:lnTo>
-                  <a:pt x="4727674" y="1778568"/>
-                </a:lnTo>
-                <a:lnTo>
-                  <a:pt x="4719990" y="1912960"/>
-                </a:lnTo>
-                <a:lnTo>
-                  <a:pt x="4713560" y="2046141"/>
-                </a:lnTo>
-                <a:lnTo>
-                  <a:pt x="4709012" y="2178111"/>
-                </a:lnTo>
-                <a:lnTo>
-                  <a:pt x="4705092" y="2310081"/>
-                </a:lnTo>
-                <a:lnTo>
-                  <a:pt x="4701328" y="2440840"/>
-                </a:lnTo>
-                <a:lnTo>
-                  <a:pt x="4699603" y="2569783"/>
-                </a:lnTo>
-                <a:lnTo>
-                  <a:pt x="4697721" y="2698726"/>
-                </a:lnTo>
-                <a:lnTo>
-                  <a:pt x="4696780" y="2825853"/>
-                </a:lnTo>
-                <a:lnTo>
-                  <a:pt x="4697721" y="2951770"/>
-                </a:lnTo>
-                <a:lnTo>
-                  <a:pt x="4697721" y="3076475"/>
-                </a:lnTo>
-                <a:lnTo>
-                  <a:pt x="4699603" y="3199970"/>
-                </a:lnTo>
-                <a:lnTo>
-                  <a:pt x="4702426" y="3321043"/>
-                </a:lnTo>
-                <a:lnTo>
-                  <a:pt x="4705092" y="3440906"/>
-                </a:lnTo>
-                <a:lnTo>
-                  <a:pt x="4708071" y="3558347"/>
-                </a:lnTo>
-                <a:lnTo>
-                  <a:pt x="4712619" y="3675183"/>
-                </a:lnTo>
-                <a:lnTo>
-                  <a:pt x="4717480" y="3790203"/>
-                </a:lnTo>
-                <a:lnTo>
-                  <a:pt x="4721871" y="3902801"/>
-                </a:lnTo>
-                <a:lnTo>
-                  <a:pt x="4734260" y="4122549"/>
-                </a:lnTo>
-                <a:lnTo>
-                  <a:pt x="4747433" y="4333217"/>
-                </a:lnTo>
-                <a:lnTo>
-                  <a:pt x="4761233" y="4535409"/>
-                </a:lnTo>
-                <a:lnTo>
-                  <a:pt x="4776445" y="4726705"/>
-                </a:lnTo>
-                <a:lnTo>
-                  <a:pt x="4792283" y="4909526"/>
-                </a:lnTo>
-                <a:lnTo>
-                  <a:pt x="4809377" y="5079029"/>
-                </a:lnTo>
-                <a:lnTo>
-                  <a:pt x="4826157" y="5238240"/>
-                </a:lnTo>
-                <a:lnTo>
-                  <a:pt x="4842936" y="5384739"/>
-                </a:lnTo>
-                <a:lnTo>
-                  <a:pt x="4858775" y="5519131"/>
-                </a:lnTo>
-                <a:lnTo>
-                  <a:pt x="4873830" y="5638388"/>
-                </a:lnTo>
-                <a:lnTo>
-                  <a:pt x="4888100" y="5746143"/>
-                </a:lnTo>
-                <a:lnTo>
-                  <a:pt x="4900019" y="5836948"/>
-                </a:lnTo>
-                <a:lnTo>
-                  <a:pt x="4911310" y="5913225"/>
-                </a:lnTo>
-                <a:lnTo>
-                  <a:pt x="4927462" y="6017953"/>
-                </a:lnTo>
-                <a:lnTo>
-                  <a:pt x="4932951" y="6053670"/>
-                </a:lnTo>
-                <a:lnTo>
-                  <a:pt x="4478865" y="6053670"/>
-                </a:lnTo>
-                <a:lnTo>
-                  <a:pt x="3683097" y="6053670"/>
-                </a:lnTo>
-                <a:lnTo>
-                  <a:pt x="0" y="6053670"/>
-                </a:lnTo>
-                <a:close/>
-              </a:path>
-            </a:pathLst>
-          </a:custGeom>
-        </p:spPr>
-      </p:pic>
-      <p:sp>
-        <p:nvSpPr>
-          <p:cNvPr id="42" name="Freeform 5">
-            <a:extLst>
-              <a:ext uri="{FF2B5EF4-FFF2-40B4-BE49-F238E27FC236}">
-                <a16:creationId xmlns:a16="http://schemas.microsoft.com/office/drawing/2014/main" id="{1AD5EB79-7F9A-4BBC-92A5-188382CBA1B6}"/>
+                <a16:creationId xmlns:a16="http://schemas.microsoft.com/office/drawing/2014/main" id="{AAEAB559-7288-4F8E-B181-62C2B17E7D55}"/>
               </a:ext>
               <a:ext uri="{C183D7F6-B498-43B3-948B-1728B52AA6E4}">
                 <adec:decorative xmlns:adec="http://schemas.microsoft.com/office/drawing/2017/decorative" val="1"/>
@@ -15739,8 +14827,8 @@
         </p:nvSpPr>
         <p:spPr>
           <a:xfrm>
-            <a:off x="5695061" y="1241266"/>
-            <a:ext cx="5428551" cy="3153753"/>
+            <a:off x="1154955" y="2099733"/>
+            <a:ext cx="6202578" cy="2677648"/>
           </a:xfrm>
         </p:spPr>
         <p:txBody>
@@ -15750,18 +14838,59 @@
           <a:lstStyle/>
           <a:p>
             <a:r>
-              <a:rPr lang="en-US" sz="5400" dirty="0"/>
-              <a:t>Diagrama de clase</a:t>
+              <a:rPr lang="en-US" sz="4800" dirty="0" err="1"/>
+              <a:t>Diagrama</a:t>
             </a:r>
+            <a:r>
+              <a:rPr lang="en-US" sz="4800" dirty="0"/>
+              <a:t> de </a:t>
+            </a:r>
+            <a:r>
+              <a:rPr lang="en-US" sz="4800" dirty="0" err="1"/>
+              <a:t>flujo</a:t>
+            </a:r>
+            <a:endParaRPr lang="en-US" sz="4800" dirty="0"/>
           </a:p>
         </p:txBody>
       </p:sp>
+      <p:pic>
+        <p:nvPicPr>
+          <p:cNvPr id="4" name="Imagen 3">
+            <a:extLst>
+              <a:ext uri="{FF2B5EF4-FFF2-40B4-BE49-F238E27FC236}">
+                <a16:creationId xmlns:a16="http://schemas.microsoft.com/office/drawing/2014/main" id="{1DCB9064-CA88-96DB-92A1-E91ACBD8D723}"/>
+              </a:ext>
+            </a:extLst>
+          </p:cNvPr>
+          <p:cNvPicPr>
+            <a:picLocks noChangeAspect="1"/>
+          </p:cNvPicPr>
+          <p:nvPr/>
+        </p:nvPicPr>
+        <p:blipFill rotWithShape="1">
+          <a:blip r:embed="rId3"/>
+          <a:srcRect l="6638" r="7438" b="1"/>
+          <a:stretch/>
+        </p:blipFill>
+        <p:spPr>
+          <a:xfrm>
+            <a:off x="8038005" y="457200"/>
+            <a:ext cx="3677632" cy="5923955"/>
+          </a:xfrm>
+          <a:prstGeom prst="rect">
+            <a:avLst/>
+          </a:prstGeom>
+          <a:ln>
+            <a:noFill/>
+          </a:ln>
+        </p:spPr>
+      </p:pic>
       <p:sp>
         <p:nvSpPr>
-          <p:cNvPr id="43" name="Rectangle 34">
+          <p:cNvPr id="40" name="Rectangle 39">
             <a:extLst>
               <a:ext uri="{FF2B5EF4-FFF2-40B4-BE49-F238E27FC236}">
-                <a16:creationId xmlns:a16="http://schemas.microsoft.com/office/drawing/2014/main" id="{B9B8A17F-DC3A-4D9A-AA53-9BFB894CD7BA}"/>
+                <a16:creationId xmlns:a16="http://schemas.microsoft.com/office/drawing/2014/main" id="{A6501AAA-3294-4A8D-9F6B-AA0ACD443450}"/>
               </a:ext>
               <a:ext uri="{C183D7F6-B498-43B3-948B-1728B52AA6E4}">
                 <adec:decorative xmlns:adec="http://schemas.microsoft.com/office/drawing/2017/decorative" val="1"/>
@@ -15829,6 +14958,596 @@
 </p:sld>
 </file>
 
+<file path=ppt/slides/slide7.xml><?xml version="1.0" encoding="utf-8"?>
+<p:sld xmlns:a="http://schemas.openxmlformats.org/drawingml/2006/main" xmlns:r="http://schemas.openxmlformats.org/officeDocument/2006/relationships" xmlns:p="http://schemas.openxmlformats.org/presentationml/2006/main">
+  <p:cSld>
+    <p:bg>
+      <p:bgPr>
+        <a:solidFill>
+          <a:schemeClr val="bg1"/>
+        </a:solidFill>
+        <a:effectLst/>
+      </p:bgPr>
+    </p:bg>
+    <p:spTree>
+      <p:nvGrpSpPr>
+        <p:cNvPr id="1" name=""/>
+        <p:cNvGrpSpPr/>
+        <p:nvPr/>
+      </p:nvGrpSpPr>
+      <p:grpSpPr>
+        <a:xfrm>
+          <a:off x="0" y="0"/>
+          <a:ext cx="0" cy="0"/>
+          <a:chOff x="0" y="0"/>
+          <a:chExt cx="0" cy="0"/>
+        </a:xfrm>
+      </p:grpSpPr>
+      <p:sp>
+        <p:nvSpPr>
+          <p:cNvPr id="10" name="Rectangle 9">
+            <a:extLst>
+              <a:ext uri="{FF2B5EF4-FFF2-40B4-BE49-F238E27FC236}">
+                <a16:creationId xmlns:a16="http://schemas.microsoft.com/office/drawing/2014/main" id="{C43A114B-CAF8-402E-A898-DEE2C2022EBD}"/>
+              </a:ext>
+              <a:ext uri="{C183D7F6-B498-43B3-948B-1728B52AA6E4}">
+                <adec:decorative xmlns:adec="http://schemas.microsoft.com/office/drawing/2017/decorative" val="1"/>
+              </a:ext>
+            </a:extLst>
+          </p:cNvPr>
+          <p:cNvSpPr>
+            <a:spLocks noGrp="1" noRot="1" noChangeAspect="1" noMove="1" noResize="1" noEditPoints="1" noAdjustHandles="1" noChangeArrowheads="1" noChangeShapeType="1" noTextEdit="1"/>
+          </p:cNvSpPr>
+          <p:nvPr>
+            <p:extLst>
+              <p:ext uri="{386F3935-93C4-4BCD-93E2-E3B085C9AB24}">
+                <p16:designElem xmlns:p16="http://schemas.microsoft.com/office/powerpoint/2015/main" val="1"/>
+              </p:ext>
+            </p:extLst>
+          </p:nvPr>
+        </p:nvSpPr>
+        <p:spPr>
+          <a:xfrm>
+            <a:off x="0" y="0"/>
+            <a:ext cx="12192000" cy="6858000"/>
+          </a:xfrm>
+          <a:prstGeom prst="rect">
+            <a:avLst/>
+          </a:prstGeom>
+          <a:blipFill>
+            <a:blip r:embed="rId2">
+              <a:duotone>
+                <a:schemeClr val="dk2">
+                  <a:shade val="69000"/>
+                  <a:hueMod val="108000"/>
+                  <a:satMod val="164000"/>
+                  <a:lumMod val="74000"/>
+                </a:schemeClr>
+                <a:schemeClr val="dk2">
+                  <a:tint val="96000"/>
+                  <a:hueMod val="88000"/>
+                  <a:satMod val="140000"/>
+                  <a:lumMod val="132000"/>
+                </a:schemeClr>
+              </a:duotone>
+            </a:blip>
+            <a:stretch>
+              <a:fillRect/>
+            </a:stretch>
+          </a:blipFill>
+          <a:ln>
+            <a:noFill/>
+          </a:ln>
+        </p:spPr>
+        <p:style>
+          <a:lnRef idx="2">
+            <a:schemeClr val="accent1">
+              <a:shade val="50000"/>
+            </a:schemeClr>
+          </a:lnRef>
+          <a:fillRef idx="1">
+            <a:schemeClr val="accent1"/>
+          </a:fillRef>
+          <a:effectRef idx="0">
+            <a:schemeClr val="accent1"/>
+          </a:effectRef>
+          <a:fontRef idx="minor">
+            <a:schemeClr val="lt1"/>
+          </a:fontRef>
+        </p:style>
+        <p:txBody>
+          <a:bodyPr/>
+          <a:lstStyle/>
+          <a:p>
+            <a:endParaRPr lang="es-ES"/>
+          </a:p>
+        </p:txBody>
+      </p:sp>
+      <p:sp>
+        <p:nvSpPr>
+          <p:cNvPr id="12" name="Oval 11">
+            <a:extLst>
+              <a:ext uri="{FF2B5EF4-FFF2-40B4-BE49-F238E27FC236}">
+                <a16:creationId xmlns:a16="http://schemas.microsoft.com/office/drawing/2014/main" id="{64E68BB1-DCF6-49AB-8FF1-7E68DCBCD111}"/>
+              </a:ext>
+              <a:ext uri="{C183D7F6-B498-43B3-948B-1728B52AA6E4}">
+                <adec:decorative xmlns:adec="http://schemas.microsoft.com/office/drawing/2017/decorative" val="1"/>
+              </a:ext>
+            </a:extLst>
+          </p:cNvPr>
+          <p:cNvSpPr>
+            <a:spLocks noGrp="1" noRot="1" noChangeAspect="1" noMove="1" noResize="1" noEditPoints="1" noAdjustHandles="1" noChangeArrowheads="1" noChangeShapeType="1" noTextEdit="1"/>
+          </p:cNvSpPr>
+          <p:nvPr>
+            <p:extLst>
+              <p:ext uri="{386F3935-93C4-4BCD-93E2-E3B085C9AB24}">
+                <p16:designElem xmlns:p16="http://schemas.microsoft.com/office/powerpoint/2015/main" val="1"/>
+              </p:ext>
+            </p:extLst>
+          </p:nvPr>
+        </p:nvSpPr>
+        <p:spPr>
+          <a:xfrm>
+            <a:off x="8761412" y="1828800"/>
+            <a:ext cx="2819400" cy="2819400"/>
+          </a:xfrm>
+          <a:prstGeom prst="ellipse">
+            <a:avLst/>
+          </a:prstGeom>
+          <a:gradFill flip="none" rotWithShape="1">
+            <a:gsLst>
+              <a:gs pos="0">
+                <a:schemeClr val="accent5">
+                  <a:alpha val="7000"/>
+                </a:schemeClr>
+              </a:gs>
+              <a:gs pos="69000">
+                <a:schemeClr val="accent5">
+                  <a:alpha val="0"/>
+                </a:schemeClr>
+              </a:gs>
+              <a:gs pos="36000">
+                <a:schemeClr val="accent5">
+                  <a:alpha val="6000"/>
+                </a:schemeClr>
+              </a:gs>
+            </a:gsLst>
+            <a:path path="circle">
+              <a:fillToRect l="50000" t="50000" r="50000" b="50000"/>
+            </a:path>
+            <a:tileRect/>
+          </a:gradFill>
+          <a:ln>
+            <a:noFill/>
+          </a:ln>
+          <a:effectLst/>
+        </p:spPr>
+        <p:style>
+          <a:lnRef idx="1">
+            <a:schemeClr val="accent1"/>
+          </a:lnRef>
+          <a:fillRef idx="3">
+            <a:schemeClr val="accent1"/>
+          </a:fillRef>
+          <a:effectRef idx="2">
+            <a:schemeClr val="accent1"/>
+          </a:effectRef>
+          <a:fontRef idx="minor">
+            <a:schemeClr val="lt1"/>
+          </a:fontRef>
+        </p:style>
+        <p:txBody>
+          <a:bodyPr/>
+          <a:lstStyle/>
+          <a:p>
+            <a:endParaRPr lang="es-ES"/>
+          </a:p>
+        </p:txBody>
+      </p:sp>
+      <p:sp>
+        <p:nvSpPr>
+          <p:cNvPr id="14" name="Oval 13">
+            <a:extLst>
+              <a:ext uri="{FF2B5EF4-FFF2-40B4-BE49-F238E27FC236}">
+                <a16:creationId xmlns:a16="http://schemas.microsoft.com/office/drawing/2014/main" id="{DA9B8539-604B-420E-BA1B-0A2E64CD7C72}"/>
+              </a:ext>
+              <a:ext uri="{C183D7F6-B498-43B3-948B-1728B52AA6E4}">
+                <adec:decorative xmlns:adec="http://schemas.microsoft.com/office/drawing/2017/decorative" val="1"/>
+              </a:ext>
+            </a:extLst>
+          </p:cNvPr>
+          <p:cNvSpPr>
+            <a:spLocks noGrp="1" noRot="1" noChangeAspect="1" noMove="1" noResize="1" noEditPoints="1" noAdjustHandles="1" noChangeArrowheads="1" noChangeShapeType="1" noTextEdit="1"/>
+          </p:cNvSpPr>
+          <p:nvPr>
+            <p:extLst>
+              <p:ext uri="{386F3935-93C4-4BCD-93E2-E3B085C9AB24}">
+                <p16:designElem xmlns:p16="http://schemas.microsoft.com/office/powerpoint/2015/main" val="1"/>
+              </p:ext>
+            </p:extLst>
+          </p:nvPr>
+        </p:nvSpPr>
+        <p:spPr>
+          <a:xfrm>
+            <a:off x="8761412" y="5870955"/>
+            <a:ext cx="990600" cy="990600"/>
+          </a:xfrm>
+          <a:prstGeom prst="ellipse">
+            <a:avLst/>
+          </a:prstGeom>
+          <a:gradFill flip="none" rotWithShape="1">
+            <a:gsLst>
+              <a:gs pos="0">
+                <a:schemeClr val="accent5">
+                  <a:alpha val="14000"/>
+                </a:schemeClr>
+              </a:gs>
+              <a:gs pos="66000">
+                <a:schemeClr val="accent5">
+                  <a:alpha val="0"/>
+                </a:schemeClr>
+              </a:gs>
+              <a:gs pos="36000">
+                <a:schemeClr val="accent5">
+                  <a:alpha val="7000"/>
+                </a:schemeClr>
+              </a:gs>
+            </a:gsLst>
+            <a:path path="circle">
+              <a:fillToRect l="50000" t="50000" r="50000" b="50000"/>
+            </a:path>
+            <a:tileRect/>
+          </a:gradFill>
+          <a:ln>
+            <a:noFill/>
+          </a:ln>
+          <a:effectLst/>
+        </p:spPr>
+        <p:style>
+          <a:lnRef idx="1">
+            <a:schemeClr val="accent1"/>
+          </a:lnRef>
+          <a:fillRef idx="3">
+            <a:schemeClr val="accent1"/>
+          </a:fillRef>
+          <a:effectRef idx="2">
+            <a:schemeClr val="accent1"/>
+          </a:effectRef>
+          <a:fontRef idx="minor">
+            <a:schemeClr val="lt1"/>
+          </a:fontRef>
+        </p:style>
+        <p:txBody>
+          <a:bodyPr/>
+          <a:lstStyle/>
+          <a:p>
+            <a:endParaRPr lang="es-ES"/>
+          </a:p>
+        </p:txBody>
+      </p:sp>
+      <p:sp>
+        <p:nvSpPr>
+          <p:cNvPr id="16" name="Oval 15">
+            <a:extLst>
+              <a:ext uri="{FF2B5EF4-FFF2-40B4-BE49-F238E27FC236}">
+                <a16:creationId xmlns:a16="http://schemas.microsoft.com/office/drawing/2014/main" id="{7236CAA2-54C3-4136-B0CC-6837B14D8143}"/>
+              </a:ext>
+              <a:ext uri="{C183D7F6-B498-43B3-948B-1728B52AA6E4}">
+                <adec:decorative xmlns:adec="http://schemas.microsoft.com/office/drawing/2017/decorative" val="1"/>
+              </a:ext>
+            </a:extLst>
+          </p:cNvPr>
+          <p:cNvSpPr>
+            <a:spLocks noGrp="1" noRot="1" noChangeAspect="1" noMove="1" noResize="1" noEditPoints="1" noAdjustHandles="1" noChangeArrowheads="1" noChangeShapeType="1" noTextEdit="1"/>
+          </p:cNvSpPr>
+          <p:nvPr>
+            <p:extLst>
+              <p:ext uri="{386F3935-93C4-4BCD-93E2-E3B085C9AB24}">
+                <p16:designElem xmlns:p16="http://schemas.microsoft.com/office/powerpoint/2015/main" val="1"/>
+              </p:ext>
+            </p:extLst>
+          </p:nvPr>
+        </p:nvSpPr>
+        <p:spPr>
+          <a:xfrm>
+            <a:off x="-1588" y="2667000"/>
+            <a:ext cx="4191000" cy="4191000"/>
+          </a:xfrm>
+          <a:prstGeom prst="ellipse">
+            <a:avLst/>
+          </a:prstGeom>
+          <a:gradFill flip="none" rotWithShape="1">
+            <a:gsLst>
+              <a:gs pos="0">
+                <a:schemeClr val="accent5">
+                  <a:alpha val="11000"/>
+                </a:schemeClr>
+              </a:gs>
+              <a:gs pos="75000">
+                <a:schemeClr val="accent5">
+                  <a:alpha val="0"/>
+                </a:schemeClr>
+              </a:gs>
+              <a:gs pos="36000">
+                <a:schemeClr val="accent5">
+                  <a:alpha val="10000"/>
+                </a:schemeClr>
+              </a:gs>
+            </a:gsLst>
+            <a:path path="circle">
+              <a:fillToRect l="50000" t="50000" r="50000" b="50000"/>
+            </a:path>
+            <a:tileRect/>
+          </a:gradFill>
+          <a:ln>
+            <a:noFill/>
+          </a:ln>
+          <a:effectLst/>
+        </p:spPr>
+        <p:style>
+          <a:lnRef idx="1">
+            <a:schemeClr val="accent1"/>
+          </a:lnRef>
+          <a:fillRef idx="3">
+            <a:schemeClr val="accent1"/>
+          </a:fillRef>
+          <a:effectRef idx="2">
+            <a:schemeClr val="accent1"/>
+          </a:effectRef>
+          <a:fontRef idx="minor">
+            <a:schemeClr val="lt1"/>
+          </a:fontRef>
+        </p:style>
+        <p:txBody>
+          <a:bodyPr/>
+          <a:lstStyle/>
+          <a:p>
+            <a:endParaRPr lang="es-ES"/>
+          </a:p>
+        </p:txBody>
+      </p:sp>
+      <p:sp>
+        <p:nvSpPr>
+          <p:cNvPr id="18" name="Freeform 5">
+            <a:extLst>
+              <a:ext uri="{FF2B5EF4-FFF2-40B4-BE49-F238E27FC236}">
+                <a16:creationId xmlns:a16="http://schemas.microsoft.com/office/drawing/2014/main" id="{40F86E67-9E86-453F-92BC-648189829C2F}"/>
+              </a:ext>
+              <a:ext uri="{C183D7F6-B498-43B3-948B-1728B52AA6E4}">
+                <adec:decorative xmlns:adec="http://schemas.microsoft.com/office/drawing/2017/decorative" val="1"/>
+              </a:ext>
+            </a:extLst>
+          </p:cNvPr>
+          <p:cNvSpPr>
+            <a:spLocks noGrp="1" noRot="1" noChangeAspect="1" noMove="1" noResize="1" noEditPoints="1" noAdjustHandles="1" noChangeArrowheads="1" noChangeShapeType="1" noTextEdit="1"/>
+          </p:cNvSpPr>
+          <p:nvPr>
+            <p:extLst>
+              <p:ext uri="{386F3935-93C4-4BCD-93E2-E3B085C9AB24}">
+                <p16:designElem xmlns:p16="http://schemas.microsoft.com/office/powerpoint/2015/main" val="1"/>
+              </p:ext>
+            </p:extLst>
+          </p:nvPr>
+        </p:nvSpPr>
+        <p:spPr bwMode="gray">
+          <a:xfrm>
+            <a:off x="-1588" y="1587"/>
+            <a:ext cx="12192000" cy="6856413"/>
+          </a:xfrm>
+          <a:custGeom>
+            <a:avLst/>
+            <a:gdLst/>
+            <a:ahLst/>
+            <a:cxnLst/>
+            <a:rect l="0" t="0" r="r" b="b"/>
+            <a:pathLst>
+              <a:path w="15356" h="8638">
+                <a:moveTo>
+                  <a:pt x="0" y="0"/>
+                </a:moveTo>
+                <a:lnTo>
+                  <a:pt x="0" y="8638"/>
+                </a:lnTo>
+                <a:lnTo>
+                  <a:pt x="15356" y="8638"/>
+                </a:lnTo>
+                <a:lnTo>
+                  <a:pt x="15356" y="0"/>
+                </a:lnTo>
+                <a:lnTo>
+                  <a:pt x="0" y="0"/>
+                </a:lnTo>
+                <a:close/>
+                <a:moveTo>
+                  <a:pt x="14748" y="8038"/>
+                </a:moveTo>
+                <a:lnTo>
+                  <a:pt x="600" y="8038"/>
+                </a:lnTo>
+                <a:lnTo>
+                  <a:pt x="600" y="592"/>
+                </a:lnTo>
+                <a:lnTo>
+                  <a:pt x="14748" y="592"/>
+                </a:lnTo>
+                <a:lnTo>
+                  <a:pt x="14748" y="8038"/>
+                </a:lnTo>
+                <a:close/>
+              </a:path>
+            </a:pathLst>
+          </a:custGeom>
+          <a:solidFill>
+            <a:schemeClr val="bg1"/>
+          </a:solidFill>
+          <a:ln>
+            <a:noFill/>
+          </a:ln>
+        </p:spPr>
+        <p:txBody>
+          <a:bodyPr/>
+          <a:lstStyle/>
+          <a:p>
+            <a:endParaRPr lang="es-ES"/>
+          </a:p>
+        </p:txBody>
+      </p:sp>
+      <p:sp>
+        <p:nvSpPr>
+          <p:cNvPr id="20" name="Rectangle 19">
+            <a:extLst>
+              <a:ext uri="{FF2B5EF4-FFF2-40B4-BE49-F238E27FC236}">
+                <a16:creationId xmlns:a16="http://schemas.microsoft.com/office/drawing/2014/main" id="{F73C5439-21D4-46F3-9CF4-FF1CE786FF15}"/>
+              </a:ext>
+              <a:ext uri="{C183D7F6-B498-43B3-948B-1728B52AA6E4}">
+                <adec:decorative xmlns:adec="http://schemas.microsoft.com/office/drawing/2017/decorative" val="1"/>
+              </a:ext>
+            </a:extLst>
+          </p:cNvPr>
+          <p:cNvSpPr>
+            <a:spLocks noGrp="1" noRot="1" noChangeAspect="1" noMove="1" noResize="1" noEditPoints="1" noAdjustHandles="1" noChangeArrowheads="1" noChangeShapeType="1" noTextEdit="1"/>
+          </p:cNvSpPr>
+          <p:nvPr>
+            <p:extLst>
+              <p:ext uri="{386F3935-93C4-4BCD-93E2-E3B085C9AB24}">
+                <p16:designElem xmlns:p16="http://schemas.microsoft.com/office/powerpoint/2015/main" val="1"/>
+              </p:ext>
+            </p:extLst>
+          </p:nvPr>
+        </p:nvSpPr>
+        <p:spPr>
+          <a:xfrm>
+            <a:off x="10437812" y="0"/>
+            <a:ext cx="685800" cy="1143000"/>
+          </a:xfrm>
+          <a:prstGeom prst="rect">
+            <a:avLst/>
+          </a:prstGeom>
+          <a:solidFill>
+            <a:schemeClr val="accent1"/>
+          </a:solidFill>
+          <a:ln>
+            <a:noFill/>
+          </a:ln>
+        </p:spPr>
+        <p:style>
+          <a:lnRef idx="1">
+            <a:schemeClr val="accent1"/>
+          </a:lnRef>
+          <a:fillRef idx="3">
+            <a:schemeClr val="accent1"/>
+          </a:fillRef>
+          <a:effectRef idx="2">
+            <a:schemeClr val="accent1"/>
+          </a:effectRef>
+          <a:fontRef idx="minor">
+            <a:schemeClr val="lt1"/>
+          </a:fontRef>
+        </p:style>
+        <p:txBody>
+          <a:bodyPr/>
+          <a:lstStyle/>
+          <a:p>
+            <a:endParaRPr lang="es-ES"/>
+          </a:p>
+        </p:txBody>
+      </p:sp>
+      <p:sp>
+        <p:nvSpPr>
+          <p:cNvPr id="2" name="Título 1">
+            <a:extLst>
+              <a:ext uri="{FF2B5EF4-FFF2-40B4-BE49-F238E27FC236}">
+                <a16:creationId xmlns:a16="http://schemas.microsoft.com/office/drawing/2014/main" id="{A02AEE00-0D23-F421-782B-845D134F9822}"/>
+              </a:ext>
+            </a:extLst>
+          </p:cNvPr>
+          <p:cNvSpPr>
+            <a:spLocks noGrp="1"/>
+          </p:cNvSpPr>
+          <p:nvPr>
+            <p:ph type="title"/>
+          </p:nvPr>
+        </p:nvSpPr>
+        <p:spPr>
+          <a:xfrm>
+            <a:off x="5274825" y="1143000"/>
+            <a:ext cx="6268246" cy="3134032"/>
+          </a:xfrm>
+        </p:spPr>
+        <p:txBody>
+          <a:bodyPr vert="horz" lIns="91440" tIns="45720" rIns="91440" bIns="45720" rtlCol="0" anchor="b">
+            <a:normAutofit/>
+          </a:bodyPr>
+          <a:lstStyle/>
+          <a:p>
+            <a:r>
+              <a:rPr lang="en-US" sz="6600" dirty="0" err="1"/>
+              <a:t>Diagrama</a:t>
+            </a:r>
+            <a:r>
+              <a:rPr lang="en-US" sz="6600" dirty="0"/>
+              <a:t> de </a:t>
+            </a:r>
+            <a:r>
+              <a:rPr lang="en-US" sz="6600" dirty="0" err="1"/>
+              <a:t>arquitectura</a:t>
+            </a:r>
+            <a:endParaRPr lang="en-US" sz="6600" dirty="0"/>
+          </a:p>
+        </p:txBody>
+      </p:sp>
+      <p:pic>
+        <p:nvPicPr>
+          <p:cNvPr id="5" name="Imagen 4">
+            <a:extLst>
+              <a:ext uri="{FF2B5EF4-FFF2-40B4-BE49-F238E27FC236}">
+                <a16:creationId xmlns:a16="http://schemas.microsoft.com/office/drawing/2014/main" id="{BED2E3F5-D8D4-625D-FBE5-C153B214A993}"/>
+              </a:ext>
+            </a:extLst>
+          </p:cNvPr>
+          <p:cNvPicPr>
+            <a:picLocks noChangeAspect="1"/>
+          </p:cNvPicPr>
+          <p:nvPr/>
+        </p:nvPicPr>
+        <p:blipFill>
+          <a:blip r:embed="rId3"/>
+          <a:stretch>
+            <a:fillRect/>
+          </a:stretch>
+        </p:blipFill>
+        <p:spPr>
+          <a:xfrm>
+            <a:off x="696686" y="1033365"/>
+            <a:ext cx="4368800" cy="4800879"/>
+          </a:xfrm>
+          <a:prstGeom prst="roundRect">
+            <a:avLst>
+              <a:gd name="adj" fmla="val 1858"/>
+            </a:avLst>
+          </a:prstGeom>
+          <a:effectLst>
+            <a:outerShdw blurRad="50800" dist="50800" dir="5400000" algn="tl" rotWithShape="0">
+              <a:srgbClr val="000000">
+                <a:alpha val="43000"/>
+              </a:srgbClr>
+            </a:outerShdw>
+          </a:effectLst>
+        </p:spPr>
+      </p:pic>
+    </p:spTree>
+    <p:extLst>
+      <p:ext uri="{BB962C8B-B14F-4D97-AF65-F5344CB8AC3E}">
+        <p14:creationId xmlns:p14="http://schemas.microsoft.com/office/powerpoint/2010/main" val="3406718040"/>
+      </p:ext>
+    </p:extLst>
+  </p:cSld>
+  <p:clrMapOvr>
+    <a:masterClrMapping/>
+  </p:clrMapOvr>
+</p:sld>
+</file>
+
 <file path=ppt/slides/slide8.xml><?xml version="1.0" encoding="utf-8"?>
 <p:sld xmlns:a="http://schemas.openxmlformats.org/drawingml/2006/main" xmlns:r="http://schemas.openxmlformats.org/officeDocument/2006/relationships" xmlns:p="http://schemas.openxmlformats.org/presentationml/2006/main">
   <p:cSld>
@@ -15870,12 +15589,114 @@
           <a:lstStyle/>
           <a:p>
             <a:r>
+              <a:rPr lang="en-US" sz="5400" dirty="0" err="1"/>
+              <a:t>Problema</a:t>
+            </a:r>
+            <a:r>
               <a:rPr lang="en-US" sz="5400" dirty="0"/>
-              <a:t>Código</a:t>
+              <a:t> / </a:t>
+            </a:r>
+            <a:r>
+              <a:rPr lang="en-US" sz="5400" dirty="0" err="1"/>
+              <a:t>Objetivos</a:t>
+            </a:r>
+            <a:r>
+              <a:rPr lang="en-US" sz="5400" dirty="0"/>
+              <a:t>?</a:t>
             </a:r>
           </a:p>
         </p:txBody>
       </p:sp>
+      <p:pic>
+        <p:nvPicPr>
+          <p:cNvPr id="4" name="Imagen 3">
+            <a:extLst>
+              <a:ext uri="{FF2B5EF4-FFF2-40B4-BE49-F238E27FC236}">
+                <a16:creationId xmlns:a16="http://schemas.microsoft.com/office/drawing/2014/main" id="{0653F912-594C-D1C7-D57F-9AF219E39F5F}"/>
+              </a:ext>
+            </a:extLst>
+          </p:cNvPr>
+          <p:cNvPicPr>
+            <a:picLocks noChangeAspect="1"/>
+          </p:cNvPicPr>
+          <p:nvPr/>
+        </p:nvPicPr>
+        <p:blipFill>
+          <a:blip r:embed="rId2"/>
+          <a:stretch>
+            <a:fillRect/>
+          </a:stretch>
+        </p:blipFill>
+        <p:spPr>
+          <a:xfrm>
+            <a:off x="1007470" y="1814191"/>
+            <a:ext cx="2427577" cy="4801904"/>
+          </a:xfrm>
+          <a:prstGeom prst="rect">
+            <a:avLst/>
+          </a:prstGeom>
+        </p:spPr>
+      </p:pic>
+      <p:pic>
+        <p:nvPicPr>
+          <p:cNvPr id="6" name="Imagen 5">
+            <a:extLst>
+              <a:ext uri="{FF2B5EF4-FFF2-40B4-BE49-F238E27FC236}">
+                <a16:creationId xmlns:a16="http://schemas.microsoft.com/office/drawing/2014/main" id="{9A29782B-6409-F303-0936-E5CC6C582E80}"/>
+              </a:ext>
+            </a:extLst>
+          </p:cNvPr>
+          <p:cNvPicPr>
+            <a:picLocks noChangeAspect="1"/>
+          </p:cNvPicPr>
+          <p:nvPr/>
+        </p:nvPicPr>
+        <p:blipFill>
+          <a:blip r:embed="rId3"/>
+          <a:stretch>
+            <a:fillRect/>
+          </a:stretch>
+        </p:blipFill>
+        <p:spPr>
+          <a:xfrm>
+            <a:off x="4484513" y="1795028"/>
+            <a:ext cx="2445707" cy="4932438"/>
+          </a:xfrm>
+          <a:prstGeom prst="rect">
+            <a:avLst/>
+          </a:prstGeom>
+        </p:spPr>
+      </p:pic>
+      <p:pic>
+        <p:nvPicPr>
+          <p:cNvPr id="8" name="Imagen 7">
+            <a:extLst>
+              <a:ext uri="{FF2B5EF4-FFF2-40B4-BE49-F238E27FC236}">
+                <a16:creationId xmlns:a16="http://schemas.microsoft.com/office/drawing/2014/main" id="{99ED2C63-46CC-3F3B-886C-4E253B0E3672}"/>
+              </a:ext>
+            </a:extLst>
+          </p:cNvPr>
+          <p:cNvPicPr>
+            <a:picLocks noChangeAspect="1"/>
+          </p:cNvPicPr>
+          <p:nvPr/>
+        </p:nvPicPr>
+        <p:blipFill>
+          <a:blip r:embed="rId4"/>
+          <a:stretch>
+            <a:fillRect/>
+          </a:stretch>
+        </p:blipFill>
+        <p:spPr>
+          <a:xfrm>
+            <a:off x="8104095" y="1736876"/>
+            <a:ext cx="2788125" cy="4879219"/>
+          </a:xfrm>
+          <a:prstGeom prst="rect">
+            <a:avLst/>
+          </a:prstGeom>
+        </p:spPr>
+      </p:pic>
     </p:spTree>
     <p:extLst>
       <p:ext uri="{BB962C8B-B14F-4D97-AF65-F5344CB8AC3E}">
@@ -15930,17 +15751,76 @@
           <a:lstStyle/>
           <a:p>
             <a:r>
-              <a:rPr lang="en-US" sz="5400" dirty="0" err="1"/>
-              <a:t>Ejecución</a:t>
+              <a:rPr lang="en-US" sz="5400" dirty="0"/>
+              <a:t>Código</a:t>
             </a:r>
-            <a:endParaRPr lang="en-US" sz="5400" dirty="0"/>
           </a:p>
         </p:txBody>
       </p:sp>
+      <p:pic>
+        <p:nvPicPr>
+          <p:cNvPr id="4" name="Imagen 3">
+            <a:extLst>
+              <a:ext uri="{FF2B5EF4-FFF2-40B4-BE49-F238E27FC236}">
+                <a16:creationId xmlns:a16="http://schemas.microsoft.com/office/drawing/2014/main" id="{DB3697CD-0F69-E897-350B-F27A8CD9B49A}"/>
+              </a:ext>
+            </a:extLst>
+          </p:cNvPr>
+          <p:cNvPicPr>
+            <a:picLocks noChangeAspect="1"/>
+          </p:cNvPicPr>
+          <p:nvPr/>
+        </p:nvPicPr>
+        <p:blipFill>
+          <a:blip r:embed="rId2"/>
+          <a:stretch>
+            <a:fillRect/>
+          </a:stretch>
+        </p:blipFill>
+        <p:spPr>
+          <a:xfrm>
+            <a:off x="1272345" y="2039572"/>
+            <a:ext cx="3768228" cy="4636457"/>
+          </a:xfrm>
+          <a:prstGeom prst="rect">
+            <a:avLst/>
+          </a:prstGeom>
+        </p:spPr>
+      </p:pic>
+      <p:pic>
+        <p:nvPicPr>
+          <p:cNvPr id="6" name="Imagen 5">
+            <a:extLst>
+              <a:ext uri="{FF2B5EF4-FFF2-40B4-BE49-F238E27FC236}">
+                <a16:creationId xmlns:a16="http://schemas.microsoft.com/office/drawing/2014/main" id="{1E470036-0E5E-E670-A4C8-5C1417FABC72}"/>
+              </a:ext>
+            </a:extLst>
+          </p:cNvPr>
+          <p:cNvPicPr>
+            <a:picLocks noChangeAspect="1"/>
+          </p:cNvPicPr>
+          <p:nvPr/>
+        </p:nvPicPr>
+        <p:blipFill>
+          <a:blip r:embed="rId3"/>
+          <a:stretch>
+            <a:fillRect/>
+          </a:stretch>
+        </p:blipFill>
+        <p:spPr>
+          <a:xfrm>
+            <a:off x="7029754" y="2001671"/>
+            <a:ext cx="4099486" cy="4597984"/>
+          </a:xfrm>
+          <a:prstGeom prst="rect">
+            <a:avLst/>
+          </a:prstGeom>
+        </p:spPr>
+      </p:pic>
     </p:spTree>
     <p:extLst>
       <p:ext uri="{BB962C8B-B14F-4D97-AF65-F5344CB8AC3E}">
-        <p14:creationId xmlns:p14="http://schemas.microsoft.com/office/powerpoint/2010/main" val="3963737407"/>
+        <p14:creationId xmlns:p14="http://schemas.microsoft.com/office/powerpoint/2010/main" val="4225379129"/>
       </p:ext>
     </p:extLst>
   </p:cSld>
@@ -15961,34 +15841,34 @@
         <a:sysClr val="window" lastClr="FFFFFF"/>
       </a:lt1>
       <a:dk2>
-        <a:srgbClr val="3B3059"/>
+        <a:srgbClr val="1E5155"/>
       </a:dk2>
       <a:lt2>
         <a:srgbClr val="EBEBEB"/>
       </a:lt2>
       <a:accent1>
-        <a:srgbClr val="B31166"/>
+        <a:srgbClr val="B01513"/>
       </a:accent1>
       <a:accent2>
-        <a:srgbClr val="E33D6F"/>
+        <a:srgbClr val="EA6312"/>
       </a:accent2>
       <a:accent3>
-        <a:srgbClr val="E45F3C"/>
+        <a:srgbClr val="E6B729"/>
       </a:accent3>
       <a:accent4>
-        <a:srgbClr val="E9943A"/>
+        <a:srgbClr val="6AAC90"/>
       </a:accent4>
       <a:accent5>
-        <a:srgbClr val="9B6BF2"/>
+        <a:srgbClr val="5F9C9D"/>
       </a:accent5>
       <a:accent6>
-        <a:srgbClr val="D53DD0"/>
+        <a:srgbClr val="9E5E9B"/>
       </a:accent6>
       <a:hlink>
-        <a:srgbClr val="8F8F8F"/>
+        <a:srgbClr val="58C1BA"/>
       </a:hlink>
       <a:folHlink>
-        <a:srgbClr val="A5A5A5"/>
+        <a:srgbClr val="9DFFCB"/>
       </a:folHlink>
     </a:clrScheme>
     <a:fontScheme name="Sala de reuniones Ion">
@@ -16164,18 +16044,19 @@
           <a:gsLst>
             <a:gs pos="0">
               <a:schemeClr val="phClr">
-                <a:tint val="98000"/>
-                <a:hueMod val="124000"/>
-                <a:satMod val="148000"/>
+                <a:tint val="97000"/>
+                <a:hueMod val="88000"/>
+                <a:satMod val="130000"/>
                 <a:lumMod val="124000"/>
               </a:schemeClr>
             </a:gs>
             <a:gs pos="100000">
               <a:schemeClr val="phClr">
-                <a:shade val="76000"/>
-                <a:hueMod val="89000"/>
+                <a:tint val="96000"/>
+                <a:shade val="88000"/>
+                <a:hueMod val="108000"/>
                 <a:satMod val="164000"/>
-                <a:lumMod val="56000"/>
+                <a:lumMod val="76000"/>
               </a:schemeClr>
             </a:gs>
           </a:gsLst>
@@ -16188,14 +16069,15 @@
             <a:duotone>
               <a:schemeClr val="phClr">
                 <a:shade val="69000"/>
-                <a:hueMod val="91000"/>
+                <a:hueMod val="108000"/>
                 <a:satMod val="164000"/>
                 <a:lumMod val="74000"/>
               </a:schemeClr>
               <a:schemeClr val="phClr">
-                <a:hueMod val="124000"/>
+                <a:tint val="96000"/>
+                <a:hueMod val="88000"/>
                 <a:satMod val="140000"/>
-                <a:lumMod val="142000"/>
+                <a:lumMod val="132000"/>
               </a:schemeClr>
             </a:duotone>
           </a:blip>
@@ -16208,7 +16090,7 @@
   <a:extraClrSchemeLst/>
   <a:extLst>
     <a:ext uri="{05A4C25C-085E-4340-85A3-A5531E510DB2}">
-      <thm15:themeFamily xmlns:thm15="http://schemas.microsoft.com/office/thememl/2012/main" name="Ion Boardroom" id="{FC33163D-4339-46B1-8EED-24C834239D99}" vid="{B8502691-933B-45FE-8764-BA278511EF27}"/>
+      <thm15:themeFamily xmlns:thm15="http://schemas.microsoft.com/office/thememl/2012/main" name="Ion Boardroom" id="{FC33163D-4339-46B1-8EED-24C834239D99}" vid="{EC7F02AD-9687-440F-A9DF-FAA6F22270D7}"/>
     </a:ext>
   </a:extLst>
 </a:theme>
